--- a/demo/IMML_demo.pptx
+++ b/demo/IMML_demo.pptx
@@ -2,14 +2,13 @@
 <file path=ppt/presentation.xml><?xml version="1.0" encoding="utf-8"?>
 <p:presentation xmlns:a="http://schemas.openxmlformats.org/drawingml/2006/main" xmlns:r="http://schemas.openxmlformats.org/officeDocument/2006/relationships" xmlns:p="http://schemas.openxmlformats.org/presentationml/2006/main" saveSubsetFonts="1">
   <p:sldMasterIdLst>
-    <p:sldMasterId id="2147483648" r:id="rId1"/>
-    <p:sldMasterId id="2147483660" r:id="rId2"/>
+    <p:sldMasterId id="2147483660" r:id="rId1"/>
   </p:sldMasterIdLst>
   <p:notesMasterIdLst>
-    <p:notesMasterId r:id="rId4"/>
+    <p:notesMasterId r:id="rId3"/>
   </p:notesMasterIdLst>
   <p:sldIdLst>
-    <p:sldId id="256" r:id="rId3"/>
+    <p:sldId id="256" r:id="rId2"/>
   </p:sldIdLst>
   <p:sldSz cx="12192000" cy="6858000"/>
   <p:notesSz cx="6858000" cy="9144000"/>
@@ -108,6 +107,11 @@
       </a:defRPr>
     </a:lvl9pPr>
   </p:defaultTextStyle>
+  <p:extLst>
+    <p:ext uri="{EFAFB233-063F-42B5-8137-9DF3F51BA10A}">
+      <p15:sldGuideLst xmlns:p15="http://schemas.microsoft.com/office/powerpoint/2012/main"/>
+    </p:ext>
+  </p:extLst>
 </p:presentation>
 </file>
 
@@ -1101,12 +1105,8 @@
         <a:p>
           <a:pPr algn="l"/>
           <a:r>
-            <a:rPr lang="en-US" dirty="0" err="1" smtClean="0"/>
-            <a:t>RStudio</a:t>
-          </a:r>
-          <a:r>
             <a:rPr lang="en-US" dirty="0" smtClean="0"/>
-            <a:t> does </a:t>
+            <a:t>RStudio does </a:t>
           </a:r>
           <a:r>
             <a:rPr lang="en-US" b="1" dirty="0" smtClean="0"/>
@@ -1114,7 +1114,19 @@
           </a:r>
           <a:r>
             <a:rPr lang="en-US" dirty="0" smtClean="0"/>
-            <a:t> have access to web services</a:t>
+            <a:t> </a:t>
+          </a:r>
+          <a:r>
+            <a:rPr lang="en-US" smtClean="0"/>
+            <a:t>have </a:t>
+          </a:r>
+          <a:r>
+            <a:rPr lang="en-US" smtClean="0"/>
+            <a:t>easy access </a:t>
+          </a:r>
+          <a:r>
+            <a:rPr lang="en-US" dirty="0" smtClean="0"/>
+            <a:t>to web services</a:t>
           </a:r>
           <a:endParaRPr lang="en-US" dirty="0"/>
         </a:p>
@@ -1255,8 +1267,8 @@
     <dgm:cxn modelId="{32D979C4-3ED6-4609-BC8A-2FBB5FF688F0}" type="presOf" srcId="{CECE1DF5-AE9F-4869-8A5C-FBE358D09A54}" destId="{09B556BA-BD67-4E2F-9601-11BDB66D76B1}" srcOrd="0" destOrd="0" presId="urn:microsoft.com/office/officeart/2005/8/layout/process1"/>
     <dgm:cxn modelId="{EF5D2CB2-4B7D-4237-A35D-5ABAA563DE71}" type="presOf" srcId="{54E83B88-9311-4A4C-A5FE-AE5B43692D06}" destId="{F07CDDFB-2665-47C3-936A-830BAA1596CD}" srcOrd="1" destOrd="0" presId="urn:microsoft.com/office/officeart/2005/8/layout/process1"/>
     <dgm:cxn modelId="{F1EB2505-C915-44CD-AB9B-B0A98C3597FA}" srcId="{2157B5E1-D83A-4BC2-9A42-481B25694F45}" destId="{CECE1DF5-AE9F-4869-8A5C-FBE358D09A54}" srcOrd="0" destOrd="0" parTransId="{D81ADE2E-AD72-4ECD-82C9-2802E5DC6524}" sibTransId="{5FF75A2D-899E-4DFC-B16A-7F62ACD64683}"/>
+    <dgm:cxn modelId="{B1E71FC5-3E6F-4F32-9A6E-712CE6B6F6CC}" type="presOf" srcId="{A7EB8D2F-7A59-4937-932C-B4894295A136}" destId="{32FC0D74-E03E-4FB7-9977-F61FC74F82AE}" srcOrd="0" destOrd="0" presId="urn:microsoft.com/office/officeart/2005/8/layout/process1"/>
     <dgm:cxn modelId="{8D9A39BC-6D54-480E-B6E7-654E8262C316}" srcId="{2157B5E1-D83A-4BC2-9A42-481B25694F45}" destId="{A7EB8D2F-7A59-4937-932C-B4894295A136}" srcOrd="2" destOrd="0" parTransId="{561BDF53-A6B2-4A08-916A-28C422BCFCA4}" sibTransId="{11C99CBE-15BD-4C89-82F6-5C2F7BA414F1}"/>
-    <dgm:cxn modelId="{B1E71FC5-3E6F-4F32-9A6E-712CE6B6F6CC}" type="presOf" srcId="{A7EB8D2F-7A59-4937-932C-B4894295A136}" destId="{32FC0D74-E03E-4FB7-9977-F61FC74F82AE}" srcOrd="0" destOrd="0" presId="urn:microsoft.com/office/officeart/2005/8/layout/process1"/>
     <dgm:cxn modelId="{CC4BA46B-6CA2-48C6-A1C6-4B16835712EB}" type="presOf" srcId="{5FF75A2D-899E-4DFC-B16A-7F62ACD64683}" destId="{2ADD7079-839A-475E-8D7D-E8917615C115}" srcOrd="1" destOrd="0" presId="urn:microsoft.com/office/officeart/2005/8/layout/process1"/>
     <dgm:cxn modelId="{C6044327-8C18-4E21-8D85-301118F50087}" type="presOf" srcId="{B41FC37D-4874-4B65-AED6-B0CFF9DB3B54}" destId="{CFB31821-0763-4057-9B7F-34EB41CB66CE}" srcOrd="0" destOrd="0" presId="urn:microsoft.com/office/officeart/2005/8/layout/process1"/>
     <dgm:cxn modelId="{F07D8F42-358D-48BD-89A9-736B588EFBF2}" srcId="{2157B5E1-D83A-4BC2-9A42-481B25694F45}" destId="{B41FC37D-4874-4B65-AED6-B0CFF9DB3B54}" srcOrd="1" destOrd="0" parTransId="{3F2B8007-0B73-445F-A1E7-8BE607A16893}" sibTransId="{54E83B88-9311-4A4C-A5FE-AE5B43692D06}"/>
@@ -1424,7 +1436,7 @@
         </a:bodyPr>
         <a:lstStyle/>
         <a:p>
-          <a:pPr lvl="0" algn="ctr" defTabSz="889000">
+          <a:pPr lvl="0" algn="ctr" defTabSz="844550">
             <a:lnSpc>
               <a:spcPct val="90000"/>
             </a:lnSpc>
@@ -1435,7 +1447,7 @@
               <a:spcPct val="35000"/>
             </a:spcAft>
           </a:pPr>
-          <a:endParaRPr lang="en-US" sz="2000" kern="1200"/>
+          <a:endParaRPr lang="en-US" sz="1900" kern="1200"/>
         </a:p>
       </dsp:txBody>
       <dsp:txXfrm>
@@ -1495,12 +1507,12 @@
         </a:fontRef>
       </dsp:style>
       <dsp:txBody>
-        <a:bodyPr spcFirstLastPara="0" vert="horz" wrap="square" lIns="95250" tIns="95250" rIns="95250" bIns="95250" numCol="1" spcCol="1270" anchor="ctr" anchorCtr="0">
+        <a:bodyPr spcFirstLastPara="0" vert="horz" wrap="square" lIns="91440" tIns="91440" rIns="91440" bIns="91440" numCol="1" spcCol="1270" anchor="ctr" anchorCtr="0">
           <a:noAutofit/>
         </a:bodyPr>
         <a:lstStyle/>
         <a:p>
-          <a:pPr lvl="0" algn="l" defTabSz="1111250">
+          <a:pPr lvl="0" algn="l" defTabSz="1066800">
             <a:lnSpc>
               <a:spcPct val="90000"/>
             </a:lnSpc>
@@ -1512,22 +1524,30 @@
             </a:spcAft>
           </a:pPr>
           <a:r>
-            <a:rPr lang="en-US" sz="2500" kern="1200" dirty="0" err="1" smtClean="0"/>
-            <a:t>RStudio</a:t>
+            <a:rPr lang="en-US" sz="2400" kern="1200" dirty="0" smtClean="0"/>
+            <a:t>RStudio does </a:t>
           </a:r>
           <a:r>
-            <a:rPr lang="en-US" sz="2500" kern="1200" dirty="0" smtClean="0"/>
-            <a:t> does </a:t>
-          </a:r>
-          <a:r>
-            <a:rPr lang="en-US" sz="2500" b="1" kern="1200" dirty="0" smtClean="0"/>
+            <a:rPr lang="en-US" sz="2400" b="1" kern="1200" dirty="0" smtClean="0"/>
             <a:t>NOT</a:t>
           </a:r>
           <a:r>
-            <a:rPr lang="en-US" sz="2500" kern="1200" dirty="0" smtClean="0"/>
-            <a:t> have access to web services</a:t>
+            <a:rPr lang="en-US" sz="2400" kern="1200" dirty="0" smtClean="0"/>
+            <a:t> </a:t>
           </a:r>
-          <a:endParaRPr lang="en-US" sz="2500" kern="1200" dirty="0"/>
+          <a:r>
+            <a:rPr lang="en-US" sz="2400" kern="1200" smtClean="0"/>
+            <a:t>have </a:t>
+          </a:r>
+          <a:r>
+            <a:rPr lang="en-US" sz="2400" kern="1200" smtClean="0"/>
+            <a:t>easy access </a:t>
+          </a:r>
+          <a:r>
+            <a:rPr lang="en-US" sz="2400" kern="1200" dirty="0" smtClean="0"/>
+            <a:t>to web services</a:t>
+          </a:r>
+          <a:endParaRPr lang="en-US" sz="2400" kern="1200" dirty="0"/>
         </a:p>
       </dsp:txBody>
       <dsp:txXfrm>
@@ -1585,7 +1605,7 @@
         </a:bodyPr>
         <a:lstStyle/>
         <a:p>
-          <a:pPr lvl="0" algn="ctr" defTabSz="889000">
+          <a:pPr lvl="0" algn="ctr" defTabSz="844550">
             <a:lnSpc>
               <a:spcPct val="90000"/>
             </a:lnSpc>
@@ -1596,7 +1616,7 @@
               <a:spcPct val="35000"/>
             </a:spcAft>
           </a:pPr>
-          <a:endParaRPr lang="en-US" sz="2000" kern="1200"/>
+          <a:endParaRPr lang="en-US" sz="1900" kern="1200"/>
         </a:p>
       </dsp:txBody>
       <dsp:txXfrm>
@@ -1656,12 +1676,12 @@
         </a:fontRef>
       </dsp:style>
       <dsp:txBody>
-        <a:bodyPr spcFirstLastPara="0" vert="horz" wrap="square" lIns="95250" tIns="95250" rIns="95250" bIns="95250" numCol="1" spcCol="1270" anchor="ctr" anchorCtr="0">
+        <a:bodyPr spcFirstLastPara="0" vert="horz" wrap="square" lIns="91440" tIns="91440" rIns="91440" bIns="91440" numCol="1" spcCol="1270" anchor="ctr" anchorCtr="0">
           <a:noAutofit/>
         </a:bodyPr>
         <a:lstStyle/>
         <a:p>
-          <a:pPr lvl="0" algn="l" defTabSz="1111250">
+          <a:pPr lvl="0" algn="l" defTabSz="1066800">
             <a:lnSpc>
               <a:spcPct val="90000"/>
             </a:lnSpc>
@@ -1673,18 +1693,18 @@
             </a:spcAft>
           </a:pPr>
           <a:r>
-            <a:rPr lang="en-US" sz="2500" kern="1200" dirty="0" smtClean="0"/>
+            <a:rPr lang="en-US" sz="2400" kern="1200" dirty="0" smtClean="0"/>
             <a:t>Users have to leave </a:t>
           </a:r>
           <a:r>
-            <a:rPr lang="en-US" sz="2500" kern="1200" dirty="0" err="1" smtClean="0"/>
+            <a:rPr lang="en-US" sz="2400" kern="1200" dirty="0" err="1" smtClean="0"/>
             <a:t>RStudio</a:t>
           </a:r>
           <a:r>
-            <a:rPr lang="en-US" sz="2500" kern="1200" dirty="0" smtClean="0"/>
+            <a:rPr lang="en-US" sz="2400" kern="1200" dirty="0" smtClean="0"/>
             <a:t> if they need to gain access to web services</a:t>
           </a:r>
-          <a:endParaRPr lang="en-US" sz="2500" kern="1200" dirty="0"/>
+          <a:endParaRPr lang="en-US" sz="2400" kern="1200" dirty="0"/>
         </a:p>
       </dsp:txBody>
       <dsp:txXfrm>
@@ -2958,7 +2978,7 @@
           <a:p>
             <a:fld id="{4704FF5B-BB05-4A8A-ABF1-897F1880B6F2}" type="datetimeFigureOut">
               <a:rPr lang="en-US" smtClean="0"/>
-              <a:t>7/16/2015</a:t>
+              <a:t>7/17/2015</a:t>
             </a:fld>
             <a:endParaRPr lang="en-US"/>
           </a:p>
@@ -3418,548 +3438,6 @@
         </p:nvSpPr>
         <p:spPr>
           <a:xfrm>
-            <a:off x="1524000" y="1122363"/>
-            <a:ext cx="9144000" cy="2387600"/>
-          </a:xfrm>
-        </p:spPr>
-        <p:txBody>
-          <a:bodyPr anchor="b"/>
-          <a:lstStyle>
-            <a:lvl1pPr algn="ctr">
-              <a:defRPr sz="6000"/>
-            </a:lvl1pPr>
-          </a:lstStyle>
-          <a:p>
-            <a:r>
-              <a:rPr lang="en-US" smtClean="0"/>
-              <a:t>Click to edit Master title style</a:t>
-            </a:r>
-            <a:endParaRPr lang="en-US"/>
-          </a:p>
-        </p:txBody>
-      </p:sp>
-      <p:sp>
-        <p:nvSpPr>
-          <p:cNvPr id="3" name="Subtitle 2"/>
-          <p:cNvSpPr>
-            <a:spLocks noGrp="1"/>
-          </p:cNvSpPr>
-          <p:nvPr>
-            <p:ph type="subTitle" idx="1"/>
-          </p:nvPr>
-        </p:nvSpPr>
-        <p:spPr>
-          <a:xfrm>
-            <a:off x="1524000" y="3602038"/>
-            <a:ext cx="9144000" cy="1655762"/>
-          </a:xfrm>
-        </p:spPr>
-        <p:txBody>
-          <a:bodyPr/>
-          <a:lstStyle>
-            <a:lvl1pPr marL="0" indent="0" algn="ctr">
-              <a:buNone/>
-              <a:defRPr sz="2400"/>
-            </a:lvl1pPr>
-            <a:lvl2pPr marL="457200" indent="0" algn="ctr">
-              <a:buNone/>
-              <a:defRPr sz="2000"/>
-            </a:lvl2pPr>
-            <a:lvl3pPr marL="914400" indent="0" algn="ctr">
-              <a:buNone/>
-              <a:defRPr sz="1800"/>
-            </a:lvl3pPr>
-            <a:lvl4pPr marL="1371600" indent="0" algn="ctr">
-              <a:buNone/>
-              <a:defRPr sz="1600"/>
-            </a:lvl4pPr>
-            <a:lvl5pPr marL="1828800" indent="0" algn="ctr">
-              <a:buNone/>
-              <a:defRPr sz="1600"/>
-            </a:lvl5pPr>
-            <a:lvl6pPr marL="2286000" indent="0" algn="ctr">
-              <a:buNone/>
-              <a:defRPr sz="1600"/>
-            </a:lvl6pPr>
-            <a:lvl7pPr marL="2743200" indent="0" algn="ctr">
-              <a:buNone/>
-              <a:defRPr sz="1600"/>
-            </a:lvl7pPr>
-            <a:lvl8pPr marL="3200400" indent="0" algn="ctr">
-              <a:buNone/>
-              <a:defRPr sz="1600"/>
-            </a:lvl8pPr>
-            <a:lvl9pPr marL="3657600" indent="0" algn="ctr">
-              <a:buNone/>
-              <a:defRPr sz="1600"/>
-            </a:lvl9pPr>
-          </a:lstStyle>
-          <a:p>
-            <a:r>
-              <a:rPr lang="en-US" smtClean="0"/>
-              <a:t>Click to edit Master subtitle style</a:t>
-            </a:r>
-            <a:endParaRPr lang="en-US"/>
-          </a:p>
-        </p:txBody>
-      </p:sp>
-      <p:sp>
-        <p:nvSpPr>
-          <p:cNvPr id="4" name="Date Placeholder 3"/>
-          <p:cNvSpPr>
-            <a:spLocks noGrp="1"/>
-          </p:cNvSpPr>
-          <p:nvPr>
-            <p:ph type="dt" sz="half" idx="10"/>
-          </p:nvPr>
-        </p:nvSpPr>
-        <p:spPr/>
-        <p:txBody>
-          <a:bodyPr/>
-          <a:lstStyle/>
-          <a:p>
-            <a:fld id="{9A747D58-C4B8-4EBF-AA0E-4B6CAC6BD772}" type="datetimeFigureOut">
-              <a:rPr lang="en-US" smtClean="0"/>
-              <a:t>7/16/2015</a:t>
-            </a:fld>
-            <a:endParaRPr lang="en-US"/>
-          </a:p>
-        </p:txBody>
-      </p:sp>
-      <p:sp>
-        <p:nvSpPr>
-          <p:cNvPr id="5" name="Footer Placeholder 4"/>
-          <p:cNvSpPr>
-            <a:spLocks noGrp="1"/>
-          </p:cNvSpPr>
-          <p:nvPr>
-            <p:ph type="ftr" sz="quarter" idx="11"/>
-          </p:nvPr>
-        </p:nvSpPr>
-        <p:spPr/>
-        <p:txBody>
-          <a:bodyPr/>
-          <a:lstStyle/>
-          <a:p>
-            <a:endParaRPr lang="en-US"/>
-          </a:p>
-        </p:txBody>
-      </p:sp>
-      <p:sp>
-        <p:nvSpPr>
-          <p:cNvPr id="6" name="Slide Number Placeholder 5"/>
-          <p:cNvSpPr>
-            <a:spLocks noGrp="1"/>
-          </p:cNvSpPr>
-          <p:nvPr>
-            <p:ph type="sldNum" sz="quarter" idx="12"/>
-          </p:nvPr>
-        </p:nvSpPr>
-        <p:spPr/>
-        <p:txBody>
-          <a:bodyPr/>
-          <a:lstStyle/>
-          <a:p>
-            <a:fld id="{79A5C501-14B0-46FA-A414-1BBA6B8F6F07}" type="slidenum">
-              <a:rPr lang="en-US" smtClean="0"/>
-              <a:t>‹#›</a:t>
-            </a:fld>
-            <a:endParaRPr lang="en-US"/>
-          </a:p>
-        </p:txBody>
-      </p:sp>
-    </p:spTree>
-    <p:extLst>
-      <p:ext uri="{BB962C8B-B14F-4D97-AF65-F5344CB8AC3E}">
-        <p14:creationId xmlns:p14="http://schemas.microsoft.com/office/powerpoint/2010/main" val="789301867"/>
-      </p:ext>
-    </p:extLst>
-  </p:cSld>
-  <p:clrMapOvr>
-    <a:masterClrMapping/>
-  </p:clrMapOvr>
-</p:sldLayout>
-</file>
-
-<file path=ppt/slideLayouts/slideLayout10.xml><?xml version="1.0" encoding="utf-8"?>
-<p:sldLayout xmlns:a="http://schemas.openxmlformats.org/drawingml/2006/main" xmlns:r="http://schemas.openxmlformats.org/officeDocument/2006/relationships" xmlns:p="http://schemas.openxmlformats.org/presentationml/2006/main" type="vertTx" preserve="1">
-  <p:cSld name="Title and Vertical Text">
-    <p:spTree>
-      <p:nvGrpSpPr>
-        <p:cNvPr id="1" name=""/>
-        <p:cNvGrpSpPr/>
-        <p:nvPr/>
-      </p:nvGrpSpPr>
-      <p:grpSpPr>
-        <a:xfrm>
-          <a:off x="0" y="0"/>
-          <a:ext cx="0" cy="0"/>
-          <a:chOff x="0" y="0"/>
-          <a:chExt cx="0" cy="0"/>
-        </a:xfrm>
-      </p:grpSpPr>
-      <p:sp>
-        <p:nvSpPr>
-          <p:cNvPr id="2" name="Title 1"/>
-          <p:cNvSpPr>
-            <a:spLocks noGrp="1"/>
-          </p:cNvSpPr>
-          <p:nvPr>
-            <p:ph type="title"/>
-          </p:nvPr>
-        </p:nvSpPr>
-        <p:spPr/>
-        <p:txBody>
-          <a:bodyPr/>
-          <a:lstStyle/>
-          <a:p>
-            <a:r>
-              <a:rPr lang="en-US" smtClean="0"/>
-              <a:t>Click to edit Master title style</a:t>
-            </a:r>
-            <a:endParaRPr lang="en-US"/>
-          </a:p>
-        </p:txBody>
-      </p:sp>
-      <p:sp>
-        <p:nvSpPr>
-          <p:cNvPr id="3" name="Vertical Text Placeholder 2"/>
-          <p:cNvSpPr>
-            <a:spLocks noGrp="1"/>
-          </p:cNvSpPr>
-          <p:nvPr>
-            <p:ph type="body" orient="vert" idx="1"/>
-          </p:nvPr>
-        </p:nvSpPr>
-        <p:spPr/>
-        <p:txBody>
-          <a:bodyPr vert="eaVert"/>
-          <a:lstStyle/>
-          <a:p>
-            <a:pPr lvl="0"/>
-            <a:r>
-              <a:rPr lang="en-US" smtClean="0"/>
-              <a:t>Click to edit Master text styles</a:t>
-            </a:r>
-          </a:p>
-          <a:p>
-            <a:pPr lvl="1"/>
-            <a:r>
-              <a:rPr lang="en-US" smtClean="0"/>
-              <a:t>Second level</a:t>
-            </a:r>
-          </a:p>
-          <a:p>
-            <a:pPr lvl="2"/>
-            <a:r>
-              <a:rPr lang="en-US" smtClean="0"/>
-              <a:t>Third level</a:t>
-            </a:r>
-          </a:p>
-          <a:p>
-            <a:pPr lvl="3"/>
-            <a:r>
-              <a:rPr lang="en-US" smtClean="0"/>
-              <a:t>Fourth level</a:t>
-            </a:r>
-          </a:p>
-          <a:p>
-            <a:pPr lvl="4"/>
-            <a:r>
-              <a:rPr lang="en-US" smtClean="0"/>
-              <a:t>Fifth level</a:t>
-            </a:r>
-            <a:endParaRPr lang="en-US"/>
-          </a:p>
-        </p:txBody>
-      </p:sp>
-      <p:sp>
-        <p:nvSpPr>
-          <p:cNvPr id="4" name="Date Placeholder 3"/>
-          <p:cNvSpPr>
-            <a:spLocks noGrp="1"/>
-          </p:cNvSpPr>
-          <p:nvPr>
-            <p:ph type="dt" sz="half" idx="10"/>
-          </p:nvPr>
-        </p:nvSpPr>
-        <p:spPr/>
-        <p:txBody>
-          <a:bodyPr/>
-          <a:lstStyle/>
-          <a:p>
-            <a:fld id="{9A747D58-C4B8-4EBF-AA0E-4B6CAC6BD772}" type="datetimeFigureOut">
-              <a:rPr lang="en-US" smtClean="0"/>
-              <a:t>7/16/2015</a:t>
-            </a:fld>
-            <a:endParaRPr lang="en-US"/>
-          </a:p>
-        </p:txBody>
-      </p:sp>
-      <p:sp>
-        <p:nvSpPr>
-          <p:cNvPr id="5" name="Footer Placeholder 4"/>
-          <p:cNvSpPr>
-            <a:spLocks noGrp="1"/>
-          </p:cNvSpPr>
-          <p:nvPr>
-            <p:ph type="ftr" sz="quarter" idx="11"/>
-          </p:nvPr>
-        </p:nvSpPr>
-        <p:spPr/>
-        <p:txBody>
-          <a:bodyPr/>
-          <a:lstStyle/>
-          <a:p>
-            <a:endParaRPr lang="en-US"/>
-          </a:p>
-        </p:txBody>
-      </p:sp>
-      <p:sp>
-        <p:nvSpPr>
-          <p:cNvPr id="6" name="Slide Number Placeholder 5"/>
-          <p:cNvSpPr>
-            <a:spLocks noGrp="1"/>
-          </p:cNvSpPr>
-          <p:nvPr>
-            <p:ph type="sldNum" sz="quarter" idx="12"/>
-          </p:nvPr>
-        </p:nvSpPr>
-        <p:spPr/>
-        <p:txBody>
-          <a:bodyPr/>
-          <a:lstStyle/>
-          <a:p>
-            <a:fld id="{79A5C501-14B0-46FA-A414-1BBA6B8F6F07}" type="slidenum">
-              <a:rPr lang="en-US" smtClean="0"/>
-              <a:t>‹#›</a:t>
-            </a:fld>
-            <a:endParaRPr lang="en-US"/>
-          </a:p>
-        </p:txBody>
-      </p:sp>
-    </p:spTree>
-    <p:extLst>
-      <p:ext uri="{BB962C8B-B14F-4D97-AF65-F5344CB8AC3E}">
-        <p14:creationId xmlns:p14="http://schemas.microsoft.com/office/powerpoint/2010/main" val="1330935532"/>
-      </p:ext>
-    </p:extLst>
-  </p:cSld>
-  <p:clrMapOvr>
-    <a:masterClrMapping/>
-  </p:clrMapOvr>
-</p:sldLayout>
-</file>
-
-<file path=ppt/slideLayouts/slideLayout11.xml><?xml version="1.0" encoding="utf-8"?>
-<p:sldLayout xmlns:a="http://schemas.openxmlformats.org/drawingml/2006/main" xmlns:r="http://schemas.openxmlformats.org/officeDocument/2006/relationships" xmlns:p="http://schemas.openxmlformats.org/presentationml/2006/main" type="vertTitleAndTx" preserve="1">
-  <p:cSld name="Vertical Title and Text">
-    <p:spTree>
-      <p:nvGrpSpPr>
-        <p:cNvPr id="1" name=""/>
-        <p:cNvGrpSpPr/>
-        <p:nvPr/>
-      </p:nvGrpSpPr>
-      <p:grpSpPr>
-        <a:xfrm>
-          <a:off x="0" y="0"/>
-          <a:ext cx="0" cy="0"/>
-          <a:chOff x="0" y="0"/>
-          <a:chExt cx="0" cy="0"/>
-        </a:xfrm>
-      </p:grpSpPr>
-      <p:sp>
-        <p:nvSpPr>
-          <p:cNvPr id="2" name="Vertical Title 1"/>
-          <p:cNvSpPr>
-            <a:spLocks noGrp="1"/>
-          </p:cNvSpPr>
-          <p:nvPr>
-            <p:ph type="title" orient="vert"/>
-          </p:nvPr>
-        </p:nvSpPr>
-        <p:spPr>
-          <a:xfrm>
-            <a:off x="8724900" y="365125"/>
-            <a:ext cx="2628900" cy="5811838"/>
-          </a:xfrm>
-        </p:spPr>
-        <p:txBody>
-          <a:bodyPr vert="eaVert"/>
-          <a:lstStyle/>
-          <a:p>
-            <a:r>
-              <a:rPr lang="en-US" smtClean="0"/>
-              <a:t>Click to edit Master title style</a:t>
-            </a:r>
-            <a:endParaRPr lang="en-US"/>
-          </a:p>
-        </p:txBody>
-      </p:sp>
-      <p:sp>
-        <p:nvSpPr>
-          <p:cNvPr id="3" name="Vertical Text Placeholder 2"/>
-          <p:cNvSpPr>
-            <a:spLocks noGrp="1"/>
-          </p:cNvSpPr>
-          <p:nvPr>
-            <p:ph type="body" orient="vert" idx="1"/>
-          </p:nvPr>
-        </p:nvSpPr>
-        <p:spPr>
-          <a:xfrm>
-            <a:off x="838200" y="365125"/>
-            <a:ext cx="7734300" cy="5811838"/>
-          </a:xfrm>
-        </p:spPr>
-        <p:txBody>
-          <a:bodyPr vert="eaVert"/>
-          <a:lstStyle/>
-          <a:p>
-            <a:pPr lvl="0"/>
-            <a:r>
-              <a:rPr lang="en-US" smtClean="0"/>
-              <a:t>Click to edit Master text styles</a:t>
-            </a:r>
-          </a:p>
-          <a:p>
-            <a:pPr lvl="1"/>
-            <a:r>
-              <a:rPr lang="en-US" smtClean="0"/>
-              <a:t>Second level</a:t>
-            </a:r>
-          </a:p>
-          <a:p>
-            <a:pPr lvl="2"/>
-            <a:r>
-              <a:rPr lang="en-US" smtClean="0"/>
-              <a:t>Third level</a:t>
-            </a:r>
-          </a:p>
-          <a:p>
-            <a:pPr lvl="3"/>
-            <a:r>
-              <a:rPr lang="en-US" smtClean="0"/>
-              <a:t>Fourth level</a:t>
-            </a:r>
-          </a:p>
-          <a:p>
-            <a:pPr lvl="4"/>
-            <a:r>
-              <a:rPr lang="en-US" smtClean="0"/>
-              <a:t>Fifth level</a:t>
-            </a:r>
-            <a:endParaRPr lang="en-US"/>
-          </a:p>
-        </p:txBody>
-      </p:sp>
-      <p:sp>
-        <p:nvSpPr>
-          <p:cNvPr id="4" name="Date Placeholder 3"/>
-          <p:cNvSpPr>
-            <a:spLocks noGrp="1"/>
-          </p:cNvSpPr>
-          <p:nvPr>
-            <p:ph type="dt" sz="half" idx="10"/>
-          </p:nvPr>
-        </p:nvSpPr>
-        <p:spPr/>
-        <p:txBody>
-          <a:bodyPr/>
-          <a:lstStyle/>
-          <a:p>
-            <a:fld id="{9A747D58-C4B8-4EBF-AA0E-4B6CAC6BD772}" type="datetimeFigureOut">
-              <a:rPr lang="en-US" smtClean="0"/>
-              <a:t>7/16/2015</a:t>
-            </a:fld>
-            <a:endParaRPr lang="en-US"/>
-          </a:p>
-        </p:txBody>
-      </p:sp>
-      <p:sp>
-        <p:nvSpPr>
-          <p:cNvPr id="5" name="Footer Placeholder 4"/>
-          <p:cNvSpPr>
-            <a:spLocks noGrp="1"/>
-          </p:cNvSpPr>
-          <p:nvPr>
-            <p:ph type="ftr" sz="quarter" idx="11"/>
-          </p:nvPr>
-        </p:nvSpPr>
-        <p:spPr/>
-        <p:txBody>
-          <a:bodyPr/>
-          <a:lstStyle/>
-          <a:p>
-            <a:endParaRPr lang="en-US"/>
-          </a:p>
-        </p:txBody>
-      </p:sp>
-      <p:sp>
-        <p:nvSpPr>
-          <p:cNvPr id="6" name="Slide Number Placeholder 5"/>
-          <p:cNvSpPr>
-            <a:spLocks noGrp="1"/>
-          </p:cNvSpPr>
-          <p:nvPr>
-            <p:ph type="sldNum" sz="quarter" idx="12"/>
-          </p:nvPr>
-        </p:nvSpPr>
-        <p:spPr/>
-        <p:txBody>
-          <a:bodyPr/>
-          <a:lstStyle/>
-          <a:p>
-            <a:fld id="{79A5C501-14B0-46FA-A414-1BBA6B8F6F07}" type="slidenum">
-              <a:rPr lang="en-US" smtClean="0"/>
-              <a:t>‹#›</a:t>
-            </a:fld>
-            <a:endParaRPr lang="en-US"/>
-          </a:p>
-        </p:txBody>
-      </p:sp>
-    </p:spTree>
-    <p:extLst>
-      <p:ext uri="{BB962C8B-B14F-4D97-AF65-F5344CB8AC3E}">
-        <p14:creationId xmlns:p14="http://schemas.microsoft.com/office/powerpoint/2010/main" val="1863006892"/>
-      </p:ext>
-    </p:extLst>
-  </p:cSld>
-  <p:clrMapOvr>
-    <a:masterClrMapping/>
-  </p:clrMapOvr>
-</p:sldLayout>
-</file>
-
-<file path=ppt/slideLayouts/slideLayout12.xml><?xml version="1.0" encoding="utf-8"?>
-<p:sldLayout xmlns:a="http://schemas.openxmlformats.org/drawingml/2006/main" xmlns:r="http://schemas.openxmlformats.org/officeDocument/2006/relationships" xmlns:p="http://schemas.openxmlformats.org/presentationml/2006/main" type="title" preserve="1">
-  <p:cSld name="Title Slide">
-    <p:spTree>
-      <p:nvGrpSpPr>
-        <p:cNvPr id="1" name=""/>
-        <p:cNvGrpSpPr/>
-        <p:nvPr/>
-      </p:nvGrpSpPr>
-      <p:grpSpPr>
-        <a:xfrm>
-          <a:off x="0" y="0"/>
-          <a:ext cx="0" cy="0"/>
-          <a:chOff x="0" y="0"/>
-          <a:chExt cx="0" cy="0"/>
-        </a:xfrm>
-      </p:grpSpPr>
-      <p:sp>
-        <p:nvSpPr>
-          <p:cNvPr id="2" name="Title 1"/>
-          <p:cNvSpPr>
-            <a:spLocks noGrp="1"/>
-          </p:cNvSpPr>
-          <p:nvPr>
-            <p:ph type="ctrTitle"/>
-          </p:nvPr>
-        </p:nvSpPr>
-        <p:spPr>
-          <a:xfrm>
             <a:off x="2589213" y="2514600"/>
             <a:ext cx="8915399" cy="2262781"/>
           </a:xfrm>
@@ -4126,7 +3604,7 @@
                 </a:solidFill>
               </a:rPr>
               <a:pPr/>
-              <a:t>7/16/2015</a:t>
+              <a:t>7/17/2015</a:t>
             </a:fld>
             <a:endParaRPr lang="en-US">
               <a:solidFill>
@@ -4287,2773 +3765,7 @@
 </p:sldLayout>
 </file>
 
-<file path=ppt/slideLayouts/slideLayout13.xml><?xml version="1.0" encoding="utf-8"?>
-<p:sldLayout xmlns:a="http://schemas.openxmlformats.org/drawingml/2006/main" xmlns:r="http://schemas.openxmlformats.org/officeDocument/2006/relationships" xmlns:p="http://schemas.openxmlformats.org/presentationml/2006/main" type="obj" preserve="1">
-  <p:cSld name="Title and Content">
-    <p:spTree>
-      <p:nvGrpSpPr>
-        <p:cNvPr id="1" name=""/>
-        <p:cNvGrpSpPr/>
-        <p:nvPr/>
-      </p:nvGrpSpPr>
-      <p:grpSpPr>
-        <a:xfrm>
-          <a:off x="0" y="0"/>
-          <a:ext cx="0" cy="0"/>
-          <a:chOff x="0" y="0"/>
-          <a:chExt cx="0" cy="0"/>
-        </a:xfrm>
-      </p:grpSpPr>
-      <p:sp>
-        <p:nvSpPr>
-          <p:cNvPr id="2" name="Title 1"/>
-          <p:cNvSpPr>
-            <a:spLocks noGrp="1"/>
-          </p:cNvSpPr>
-          <p:nvPr>
-            <p:ph type="title"/>
-          </p:nvPr>
-        </p:nvSpPr>
-        <p:spPr>
-          <a:xfrm>
-            <a:off x="2592925" y="624110"/>
-            <a:ext cx="8911687" cy="1280890"/>
-          </a:xfrm>
-        </p:spPr>
-        <p:txBody>
-          <a:bodyPr/>
-          <a:lstStyle/>
-          <a:p>
-            <a:r>
-              <a:rPr lang="en-US" smtClean="0"/>
-              <a:t>Click to edit Master title style</a:t>
-            </a:r>
-            <a:endParaRPr lang="en-US" dirty="0"/>
-          </a:p>
-        </p:txBody>
-      </p:sp>
-      <p:sp>
-        <p:nvSpPr>
-          <p:cNvPr id="3" name="Content Placeholder 2"/>
-          <p:cNvSpPr>
-            <a:spLocks noGrp="1"/>
-          </p:cNvSpPr>
-          <p:nvPr>
-            <p:ph idx="1"/>
-          </p:nvPr>
-        </p:nvSpPr>
-        <p:spPr>
-          <a:xfrm>
-            <a:off x="2589212" y="2133600"/>
-            <a:ext cx="8915400" cy="3777622"/>
-          </a:xfrm>
-        </p:spPr>
-        <p:txBody>
-          <a:bodyPr/>
-          <a:lstStyle/>
-          <a:p>
-            <a:pPr lvl="0"/>
-            <a:r>
-              <a:rPr lang="en-US" smtClean="0"/>
-              <a:t>Click to edit Master text styles</a:t>
-            </a:r>
-          </a:p>
-          <a:p>
-            <a:pPr lvl="1"/>
-            <a:r>
-              <a:rPr lang="en-US" smtClean="0"/>
-              <a:t>Second level</a:t>
-            </a:r>
-          </a:p>
-          <a:p>
-            <a:pPr lvl="2"/>
-            <a:r>
-              <a:rPr lang="en-US" smtClean="0"/>
-              <a:t>Third level</a:t>
-            </a:r>
-          </a:p>
-          <a:p>
-            <a:pPr lvl="3"/>
-            <a:r>
-              <a:rPr lang="en-US" smtClean="0"/>
-              <a:t>Fourth level</a:t>
-            </a:r>
-          </a:p>
-          <a:p>
-            <a:pPr lvl="4"/>
-            <a:r>
-              <a:rPr lang="en-US" smtClean="0"/>
-              <a:t>Fifth level</a:t>
-            </a:r>
-            <a:endParaRPr lang="en-US" dirty="0"/>
-          </a:p>
-        </p:txBody>
-      </p:sp>
-      <p:sp>
-        <p:nvSpPr>
-          <p:cNvPr id="4" name="Date Placeholder 3"/>
-          <p:cNvSpPr>
-            <a:spLocks noGrp="1"/>
-          </p:cNvSpPr>
-          <p:nvPr>
-            <p:ph type="dt" sz="half" idx="10"/>
-          </p:nvPr>
-        </p:nvSpPr>
-        <p:spPr/>
-        <p:txBody>
-          <a:bodyPr/>
-          <a:lstStyle/>
-          <a:p>
-            <a:fld id="{9E8EC8DB-5F3C-451F-A897-4B94E2F94A3E}" type="datetimeFigureOut">
-              <a:rPr lang="en-US" smtClean="0">
-                <a:solidFill>
-                  <a:prstClr val="black">
-                    <a:tint val="75000"/>
-                  </a:prstClr>
-                </a:solidFill>
-              </a:rPr>
-              <a:pPr/>
-              <a:t>7/16/2015</a:t>
-            </a:fld>
-            <a:endParaRPr lang="en-US">
-              <a:solidFill>
-                <a:prstClr val="black">
-                  <a:tint val="75000"/>
-                </a:prstClr>
-              </a:solidFill>
-            </a:endParaRPr>
-          </a:p>
-        </p:txBody>
-      </p:sp>
-      <p:sp>
-        <p:nvSpPr>
-          <p:cNvPr id="5" name="Footer Placeholder 4"/>
-          <p:cNvSpPr>
-            <a:spLocks noGrp="1"/>
-          </p:cNvSpPr>
-          <p:nvPr>
-            <p:ph type="ftr" sz="quarter" idx="11"/>
-          </p:nvPr>
-        </p:nvSpPr>
-        <p:spPr/>
-        <p:txBody>
-          <a:bodyPr/>
-          <a:lstStyle/>
-          <a:p>
-            <a:endParaRPr lang="en-US">
-              <a:solidFill>
-                <a:prstClr val="black">
-                  <a:tint val="75000"/>
-                </a:prstClr>
-              </a:solidFill>
-            </a:endParaRPr>
-          </a:p>
-        </p:txBody>
-      </p:sp>
-      <p:sp>
-        <p:nvSpPr>
-          <p:cNvPr id="8" name="Freeform 11"/>
-          <p:cNvSpPr/>
-          <p:nvPr/>
-        </p:nvSpPr>
-        <p:spPr bwMode="auto">
-          <a:xfrm flipV="1">
-            <a:off x="-4189" y="714375"/>
-            <a:ext cx="1588527" cy="507297"/>
-          </a:xfrm>
-          <a:custGeom>
-            <a:avLst/>
-            <a:gdLst/>
-            <a:ahLst/>
-            <a:cxnLst/>
-            <a:rect l="l" t="t" r="r" b="b"/>
-            <a:pathLst>
-              <a:path w="9248" h="10000">
-                <a:moveTo>
-                  <a:pt x="9248" y="4701"/>
-                </a:moveTo>
-                <a:lnTo>
-                  <a:pt x="7915" y="188"/>
-                </a:lnTo>
-                <a:cubicBezTo>
-                  <a:pt x="7906" y="156"/>
-                  <a:pt x="7895" y="126"/>
-                  <a:pt x="7886" y="94"/>
-                </a:cubicBezTo>
-                <a:cubicBezTo>
-                  <a:pt x="7859" y="0"/>
-                  <a:pt x="7831" y="0"/>
-                  <a:pt x="7803" y="0"/>
-                </a:cubicBezTo>
-                <a:lnTo>
-                  <a:pt x="7275" y="0"/>
-                </a:lnTo>
-                <a:lnTo>
-                  <a:pt x="0" y="70"/>
-                </a:lnTo>
-                <a:cubicBezTo>
-                  <a:pt x="8" y="3380"/>
-                  <a:pt x="17" y="6690"/>
-                  <a:pt x="25" y="10000"/>
-                </a:cubicBezTo>
-                <a:lnTo>
-                  <a:pt x="7275" y="9966"/>
-                </a:lnTo>
-                <a:lnTo>
-                  <a:pt x="7803" y="9966"/>
-                </a:lnTo>
-                <a:cubicBezTo>
-                  <a:pt x="7831" y="9966"/>
-                  <a:pt x="7859" y="9872"/>
-                  <a:pt x="7886" y="9872"/>
-                </a:cubicBezTo>
-                <a:cubicBezTo>
-                  <a:pt x="7886" y="9778"/>
-                  <a:pt x="7915" y="9778"/>
-                  <a:pt x="7915" y="9778"/>
-                </a:cubicBezTo>
-                <a:lnTo>
-                  <a:pt x="9248" y="5265"/>
-                </a:lnTo>
-                <a:cubicBezTo>
-                  <a:pt x="9303" y="5077"/>
-                  <a:pt x="9303" y="4889"/>
-                  <a:pt x="9248" y="4701"/>
-                </a:cubicBezTo>
-                <a:close/>
-              </a:path>
-            </a:pathLst>
-          </a:custGeom>
-          <a:solidFill>
-            <a:schemeClr val="accent1"/>
-          </a:solidFill>
-          <a:ln>
-            <a:noFill/>
-          </a:ln>
-        </p:spPr>
-      </p:sp>
-      <p:sp>
-        <p:nvSpPr>
-          <p:cNvPr id="6" name="Slide Number Placeholder 5"/>
-          <p:cNvSpPr>
-            <a:spLocks noGrp="1"/>
-          </p:cNvSpPr>
-          <p:nvPr>
-            <p:ph type="sldNum" sz="quarter" idx="12"/>
-          </p:nvPr>
-        </p:nvSpPr>
-        <p:spPr/>
-        <p:txBody>
-          <a:bodyPr/>
-          <a:lstStyle/>
-          <a:p>
-            <a:fld id="{39127A14-E890-4C54-AB41-3BDDA076A8E0}" type="slidenum">
-              <a:rPr lang="en-US" smtClean="0"/>
-              <a:pPr/>
-              <a:t>‹#›</a:t>
-            </a:fld>
-            <a:endParaRPr lang="en-US"/>
-          </a:p>
-        </p:txBody>
-      </p:sp>
-    </p:spTree>
-    <p:extLst>
-      <p:ext uri="{BB962C8B-B14F-4D97-AF65-F5344CB8AC3E}">
-        <p14:creationId xmlns:p14="http://schemas.microsoft.com/office/powerpoint/2010/main" val="2951891843"/>
-      </p:ext>
-    </p:extLst>
-  </p:cSld>
-  <p:clrMapOvr>
-    <a:masterClrMapping/>
-  </p:clrMapOvr>
-</p:sldLayout>
-</file>
-
-<file path=ppt/slideLayouts/slideLayout14.xml><?xml version="1.0" encoding="utf-8"?>
-<p:sldLayout xmlns:a="http://schemas.openxmlformats.org/drawingml/2006/main" xmlns:r="http://schemas.openxmlformats.org/officeDocument/2006/relationships" xmlns:p="http://schemas.openxmlformats.org/presentationml/2006/main" type="secHead" preserve="1">
-  <p:cSld name="Section Header">
-    <p:spTree>
-      <p:nvGrpSpPr>
-        <p:cNvPr id="1" name=""/>
-        <p:cNvGrpSpPr/>
-        <p:nvPr/>
-      </p:nvGrpSpPr>
-      <p:grpSpPr>
-        <a:xfrm>
-          <a:off x="0" y="0"/>
-          <a:ext cx="0" cy="0"/>
-          <a:chOff x="0" y="0"/>
-          <a:chExt cx="0" cy="0"/>
-        </a:xfrm>
-      </p:grpSpPr>
-      <p:sp>
-        <p:nvSpPr>
-          <p:cNvPr id="2" name="Title 1"/>
-          <p:cNvSpPr>
-            <a:spLocks noGrp="1"/>
-          </p:cNvSpPr>
-          <p:nvPr>
-            <p:ph type="title"/>
-          </p:nvPr>
-        </p:nvSpPr>
-        <p:spPr>
-          <a:xfrm>
-            <a:off x="2589212" y="2058750"/>
-            <a:ext cx="8915399" cy="1468800"/>
-          </a:xfrm>
-        </p:spPr>
-        <p:txBody>
-          <a:bodyPr anchor="b"/>
-          <a:lstStyle>
-            <a:lvl1pPr algn="l">
-              <a:defRPr sz="4000" b="0" cap="none"/>
-            </a:lvl1pPr>
-          </a:lstStyle>
-          <a:p>
-            <a:r>
-              <a:rPr lang="en-US" smtClean="0"/>
-              <a:t>Click to edit Master title style</a:t>
-            </a:r>
-            <a:endParaRPr lang="en-US" dirty="0"/>
-          </a:p>
-        </p:txBody>
-      </p:sp>
-      <p:sp>
-        <p:nvSpPr>
-          <p:cNvPr id="3" name="Text Placeholder 2"/>
-          <p:cNvSpPr>
-            <a:spLocks noGrp="1"/>
-          </p:cNvSpPr>
-          <p:nvPr>
-            <p:ph type="body" idx="1"/>
-          </p:nvPr>
-        </p:nvSpPr>
-        <p:spPr>
-          <a:xfrm>
-            <a:off x="2589212" y="3530129"/>
-            <a:ext cx="8915399" cy="860400"/>
-          </a:xfrm>
-        </p:spPr>
-        <p:txBody>
-          <a:bodyPr anchor="t"/>
-          <a:lstStyle>
-            <a:lvl1pPr marL="0" indent="0" algn="l">
-              <a:buNone/>
-              <a:defRPr sz="2000">
-                <a:solidFill>
-                  <a:schemeClr val="tx1">
-                    <a:lumMod val="65000"/>
-                    <a:lumOff val="35000"/>
-                  </a:schemeClr>
-                </a:solidFill>
-              </a:defRPr>
-            </a:lvl1pPr>
-            <a:lvl2pPr marL="457200" indent="0">
-              <a:buNone/>
-              <a:defRPr sz="1800">
-                <a:solidFill>
-                  <a:schemeClr val="tx1">
-                    <a:tint val="75000"/>
-                  </a:schemeClr>
-                </a:solidFill>
-              </a:defRPr>
-            </a:lvl2pPr>
-            <a:lvl3pPr marL="914400" indent="0">
-              <a:buNone/>
-              <a:defRPr sz="1600">
-                <a:solidFill>
-                  <a:schemeClr val="tx1">
-                    <a:tint val="75000"/>
-                  </a:schemeClr>
-                </a:solidFill>
-              </a:defRPr>
-            </a:lvl3pPr>
-            <a:lvl4pPr marL="1371600" indent="0">
-              <a:buNone/>
-              <a:defRPr sz="1400">
-                <a:solidFill>
-                  <a:schemeClr val="tx1">
-                    <a:tint val="75000"/>
-                  </a:schemeClr>
-                </a:solidFill>
-              </a:defRPr>
-            </a:lvl4pPr>
-            <a:lvl5pPr marL="1828800" indent="0">
-              <a:buNone/>
-              <a:defRPr sz="1400">
-                <a:solidFill>
-                  <a:schemeClr val="tx1">
-                    <a:tint val="75000"/>
-                  </a:schemeClr>
-                </a:solidFill>
-              </a:defRPr>
-            </a:lvl5pPr>
-            <a:lvl6pPr marL="2286000" indent="0">
-              <a:buNone/>
-              <a:defRPr sz="1400">
-                <a:solidFill>
-                  <a:schemeClr val="tx1">
-                    <a:tint val="75000"/>
-                  </a:schemeClr>
-                </a:solidFill>
-              </a:defRPr>
-            </a:lvl6pPr>
-            <a:lvl7pPr marL="2743200" indent="0">
-              <a:buNone/>
-              <a:defRPr sz="1400">
-                <a:solidFill>
-                  <a:schemeClr val="tx1">
-                    <a:tint val="75000"/>
-                  </a:schemeClr>
-                </a:solidFill>
-              </a:defRPr>
-            </a:lvl7pPr>
-            <a:lvl8pPr marL="3200400" indent="0">
-              <a:buNone/>
-              <a:defRPr sz="1400">
-                <a:solidFill>
-                  <a:schemeClr val="tx1">
-                    <a:tint val="75000"/>
-                  </a:schemeClr>
-                </a:solidFill>
-              </a:defRPr>
-            </a:lvl8pPr>
-            <a:lvl9pPr marL="3657600" indent="0">
-              <a:buNone/>
-              <a:defRPr sz="1400">
-                <a:solidFill>
-                  <a:schemeClr val="tx1">
-                    <a:tint val="75000"/>
-                  </a:schemeClr>
-                </a:solidFill>
-              </a:defRPr>
-            </a:lvl9pPr>
-          </a:lstStyle>
-          <a:p>
-            <a:pPr lvl="0"/>
-            <a:r>
-              <a:rPr lang="en-US" smtClean="0"/>
-              <a:t>Click to edit Master text styles</a:t>
-            </a:r>
-          </a:p>
-        </p:txBody>
-      </p:sp>
-      <p:sp>
-        <p:nvSpPr>
-          <p:cNvPr id="4" name="Date Placeholder 3"/>
-          <p:cNvSpPr>
-            <a:spLocks noGrp="1"/>
-          </p:cNvSpPr>
-          <p:nvPr>
-            <p:ph type="dt" sz="half" idx="10"/>
-          </p:nvPr>
-        </p:nvSpPr>
-        <p:spPr/>
-        <p:txBody>
-          <a:bodyPr/>
-          <a:lstStyle/>
-          <a:p>
-            <a:fld id="{9E8EC8DB-5F3C-451F-A897-4B94E2F94A3E}" type="datetimeFigureOut">
-              <a:rPr lang="en-US" smtClean="0">
-                <a:solidFill>
-                  <a:prstClr val="black">
-                    <a:tint val="75000"/>
-                  </a:prstClr>
-                </a:solidFill>
-              </a:rPr>
-              <a:pPr/>
-              <a:t>7/16/2015</a:t>
-            </a:fld>
-            <a:endParaRPr lang="en-US">
-              <a:solidFill>
-                <a:prstClr val="black">
-                  <a:tint val="75000"/>
-                </a:prstClr>
-              </a:solidFill>
-            </a:endParaRPr>
-          </a:p>
-        </p:txBody>
-      </p:sp>
-      <p:sp>
-        <p:nvSpPr>
-          <p:cNvPr id="5" name="Footer Placeholder 4"/>
-          <p:cNvSpPr>
-            <a:spLocks noGrp="1"/>
-          </p:cNvSpPr>
-          <p:nvPr>
-            <p:ph type="ftr" sz="quarter" idx="11"/>
-          </p:nvPr>
-        </p:nvSpPr>
-        <p:spPr/>
-        <p:txBody>
-          <a:bodyPr/>
-          <a:lstStyle/>
-          <a:p>
-            <a:endParaRPr lang="en-US">
-              <a:solidFill>
-                <a:prstClr val="black">
-                  <a:tint val="75000"/>
-                </a:prstClr>
-              </a:solidFill>
-            </a:endParaRPr>
-          </a:p>
-        </p:txBody>
-      </p:sp>
-      <p:sp>
-        <p:nvSpPr>
-          <p:cNvPr id="9" name="Freeform 11"/>
-          <p:cNvSpPr/>
-          <p:nvPr/>
-        </p:nvSpPr>
-        <p:spPr bwMode="auto">
-          <a:xfrm flipV="1">
-            <a:off x="-4189" y="3178175"/>
-            <a:ext cx="1588527" cy="507297"/>
-          </a:xfrm>
-          <a:custGeom>
-            <a:avLst/>
-            <a:gdLst/>
-            <a:ahLst/>
-            <a:cxnLst/>
-            <a:rect l="l" t="t" r="r" b="b"/>
-            <a:pathLst>
-              <a:path w="9248" h="10000">
-                <a:moveTo>
-                  <a:pt x="9248" y="4701"/>
-                </a:moveTo>
-                <a:lnTo>
-                  <a:pt x="7915" y="188"/>
-                </a:lnTo>
-                <a:cubicBezTo>
-                  <a:pt x="7906" y="156"/>
-                  <a:pt x="7895" y="126"/>
-                  <a:pt x="7886" y="94"/>
-                </a:cubicBezTo>
-                <a:cubicBezTo>
-                  <a:pt x="7859" y="0"/>
-                  <a:pt x="7831" y="0"/>
-                  <a:pt x="7803" y="0"/>
-                </a:cubicBezTo>
-                <a:lnTo>
-                  <a:pt x="7275" y="0"/>
-                </a:lnTo>
-                <a:lnTo>
-                  <a:pt x="0" y="70"/>
-                </a:lnTo>
-                <a:cubicBezTo>
-                  <a:pt x="8" y="3380"/>
-                  <a:pt x="17" y="6690"/>
-                  <a:pt x="25" y="10000"/>
-                </a:cubicBezTo>
-                <a:lnTo>
-                  <a:pt x="7275" y="9966"/>
-                </a:lnTo>
-                <a:lnTo>
-                  <a:pt x="7803" y="9966"/>
-                </a:lnTo>
-                <a:cubicBezTo>
-                  <a:pt x="7831" y="9966"/>
-                  <a:pt x="7859" y="9872"/>
-                  <a:pt x="7886" y="9872"/>
-                </a:cubicBezTo>
-                <a:cubicBezTo>
-                  <a:pt x="7886" y="9778"/>
-                  <a:pt x="7915" y="9778"/>
-                  <a:pt x="7915" y="9778"/>
-                </a:cubicBezTo>
-                <a:lnTo>
-                  <a:pt x="9248" y="5265"/>
-                </a:lnTo>
-                <a:cubicBezTo>
-                  <a:pt x="9303" y="5077"/>
-                  <a:pt x="9303" y="4889"/>
-                  <a:pt x="9248" y="4701"/>
-                </a:cubicBezTo>
-                <a:close/>
-              </a:path>
-            </a:pathLst>
-          </a:custGeom>
-          <a:solidFill>
-            <a:schemeClr val="accent1"/>
-          </a:solidFill>
-          <a:ln>
-            <a:noFill/>
-          </a:ln>
-        </p:spPr>
-      </p:sp>
-      <p:sp>
-        <p:nvSpPr>
-          <p:cNvPr id="6" name="Slide Number Placeholder 5"/>
-          <p:cNvSpPr>
-            <a:spLocks noGrp="1"/>
-          </p:cNvSpPr>
-          <p:nvPr>
-            <p:ph type="sldNum" sz="quarter" idx="12"/>
-          </p:nvPr>
-        </p:nvSpPr>
-        <p:spPr>
-          <a:xfrm>
-            <a:off x="531812" y="3244139"/>
-            <a:ext cx="779767" cy="365125"/>
-          </a:xfrm>
-        </p:spPr>
-        <p:txBody>
-          <a:bodyPr/>
-          <a:lstStyle/>
-          <a:p>
-            <a:fld id="{39127A14-E890-4C54-AB41-3BDDA076A8E0}" type="slidenum">
-              <a:rPr lang="en-US" smtClean="0"/>
-              <a:pPr/>
-              <a:t>‹#›</a:t>
-            </a:fld>
-            <a:endParaRPr lang="en-US"/>
-          </a:p>
-        </p:txBody>
-      </p:sp>
-    </p:spTree>
-    <p:extLst>
-      <p:ext uri="{BB962C8B-B14F-4D97-AF65-F5344CB8AC3E}">
-        <p14:creationId xmlns:p14="http://schemas.microsoft.com/office/powerpoint/2010/main" val="3530219676"/>
-      </p:ext>
-    </p:extLst>
-  </p:cSld>
-  <p:clrMapOvr>
-    <a:masterClrMapping/>
-  </p:clrMapOvr>
-</p:sldLayout>
-</file>
-
-<file path=ppt/slideLayouts/slideLayout15.xml><?xml version="1.0" encoding="utf-8"?>
-<p:sldLayout xmlns:a="http://schemas.openxmlformats.org/drawingml/2006/main" xmlns:r="http://schemas.openxmlformats.org/officeDocument/2006/relationships" xmlns:p="http://schemas.openxmlformats.org/presentationml/2006/main" type="twoObj" preserve="1">
-  <p:cSld name="Two Content">
-    <p:spTree>
-      <p:nvGrpSpPr>
-        <p:cNvPr id="1" name=""/>
-        <p:cNvGrpSpPr/>
-        <p:nvPr/>
-      </p:nvGrpSpPr>
-      <p:grpSpPr>
-        <a:xfrm>
-          <a:off x="0" y="0"/>
-          <a:ext cx="0" cy="0"/>
-          <a:chOff x="0" y="0"/>
-          <a:chExt cx="0" cy="0"/>
-        </a:xfrm>
-      </p:grpSpPr>
-      <p:sp>
-        <p:nvSpPr>
-          <p:cNvPr id="8" name="Title 7"/>
-          <p:cNvSpPr>
-            <a:spLocks noGrp="1"/>
-          </p:cNvSpPr>
-          <p:nvPr>
-            <p:ph type="title"/>
-          </p:nvPr>
-        </p:nvSpPr>
-        <p:spPr/>
-        <p:txBody>
-          <a:bodyPr/>
-          <a:lstStyle/>
-          <a:p>
-            <a:r>
-              <a:rPr lang="en-US" smtClean="0"/>
-              <a:t>Click to edit Master title style</a:t>
-            </a:r>
-            <a:endParaRPr lang="en-US" dirty="0"/>
-          </a:p>
-        </p:txBody>
-      </p:sp>
-      <p:sp>
-        <p:nvSpPr>
-          <p:cNvPr id="3" name="Content Placeholder 2"/>
-          <p:cNvSpPr>
-            <a:spLocks noGrp="1"/>
-          </p:cNvSpPr>
-          <p:nvPr>
-            <p:ph sz="half" idx="1"/>
-          </p:nvPr>
-        </p:nvSpPr>
-        <p:spPr>
-          <a:xfrm>
-            <a:off x="2589212" y="2133600"/>
-            <a:ext cx="4313864" cy="3777622"/>
-          </a:xfrm>
-        </p:spPr>
-        <p:txBody>
-          <a:bodyPr>
-            <a:normAutofit/>
-          </a:bodyPr>
-          <a:lstStyle/>
-          <a:p>
-            <a:pPr lvl="0"/>
-            <a:r>
-              <a:rPr lang="en-US" smtClean="0"/>
-              <a:t>Click to edit Master text styles</a:t>
-            </a:r>
-          </a:p>
-          <a:p>
-            <a:pPr lvl="1"/>
-            <a:r>
-              <a:rPr lang="en-US" smtClean="0"/>
-              <a:t>Second level</a:t>
-            </a:r>
-          </a:p>
-          <a:p>
-            <a:pPr lvl="2"/>
-            <a:r>
-              <a:rPr lang="en-US" smtClean="0"/>
-              <a:t>Third level</a:t>
-            </a:r>
-          </a:p>
-          <a:p>
-            <a:pPr lvl="3"/>
-            <a:r>
-              <a:rPr lang="en-US" smtClean="0"/>
-              <a:t>Fourth level</a:t>
-            </a:r>
-          </a:p>
-          <a:p>
-            <a:pPr lvl="4"/>
-            <a:r>
-              <a:rPr lang="en-US" smtClean="0"/>
-              <a:t>Fifth level</a:t>
-            </a:r>
-            <a:endParaRPr lang="en-US" dirty="0"/>
-          </a:p>
-        </p:txBody>
-      </p:sp>
-      <p:sp>
-        <p:nvSpPr>
-          <p:cNvPr id="4" name="Content Placeholder 3"/>
-          <p:cNvSpPr>
-            <a:spLocks noGrp="1"/>
-          </p:cNvSpPr>
-          <p:nvPr>
-            <p:ph sz="half" idx="2"/>
-          </p:nvPr>
-        </p:nvSpPr>
-        <p:spPr>
-          <a:xfrm>
-            <a:off x="7190747" y="2126222"/>
-            <a:ext cx="4313864" cy="3777622"/>
-          </a:xfrm>
-        </p:spPr>
-        <p:txBody>
-          <a:bodyPr>
-            <a:normAutofit/>
-          </a:bodyPr>
-          <a:lstStyle/>
-          <a:p>
-            <a:pPr lvl="0"/>
-            <a:r>
-              <a:rPr lang="en-US" smtClean="0"/>
-              <a:t>Click to edit Master text styles</a:t>
-            </a:r>
-          </a:p>
-          <a:p>
-            <a:pPr lvl="1"/>
-            <a:r>
-              <a:rPr lang="en-US" smtClean="0"/>
-              <a:t>Second level</a:t>
-            </a:r>
-          </a:p>
-          <a:p>
-            <a:pPr lvl="2"/>
-            <a:r>
-              <a:rPr lang="en-US" smtClean="0"/>
-              <a:t>Third level</a:t>
-            </a:r>
-          </a:p>
-          <a:p>
-            <a:pPr lvl="3"/>
-            <a:r>
-              <a:rPr lang="en-US" smtClean="0"/>
-              <a:t>Fourth level</a:t>
-            </a:r>
-          </a:p>
-          <a:p>
-            <a:pPr lvl="4"/>
-            <a:r>
-              <a:rPr lang="en-US" smtClean="0"/>
-              <a:t>Fifth level</a:t>
-            </a:r>
-            <a:endParaRPr lang="en-US" dirty="0"/>
-          </a:p>
-        </p:txBody>
-      </p:sp>
-      <p:sp>
-        <p:nvSpPr>
-          <p:cNvPr id="5" name="Date Placeholder 4"/>
-          <p:cNvSpPr>
-            <a:spLocks noGrp="1"/>
-          </p:cNvSpPr>
-          <p:nvPr>
-            <p:ph type="dt" sz="half" idx="10"/>
-          </p:nvPr>
-        </p:nvSpPr>
-        <p:spPr/>
-        <p:txBody>
-          <a:bodyPr/>
-          <a:lstStyle/>
-          <a:p>
-            <a:fld id="{9E8EC8DB-5F3C-451F-A897-4B94E2F94A3E}" type="datetimeFigureOut">
-              <a:rPr lang="en-US" smtClean="0">
-                <a:solidFill>
-                  <a:prstClr val="black">
-                    <a:tint val="75000"/>
-                  </a:prstClr>
-                </a:solidFill>
-              </a:rPr>
-              <a:pPr/>
-              <a:t>7/16/2015</a:t>
-            </a:fld>
-            <a:endParaRPr lang="en-US">
-              <a:solidFill>
-                <a:prstClr val="black">
-                  <a:tint val="75000"/>
-                </a:prstClr>
-              </a:solidFill>
-            </a:endParaRPr>
-          </a:p>
-        </p:txBody>
-      </p:sp>
-      <p:sp>
-        <p:nvSpPr>
-          <p:cNvPr id="6" name="Footer Placeholder 5"/>
-          <p:cNvSpPr>
-            <a:spLocks noGrp="1"/>
-          </p:cNvSpPr>
-          <p:nvPr>
-            <p:ph type="ftr" sz="quarter" idx="11"/>
-          </p:nvPr>
-        </p:nvSpPr>
-        <p:spPr/>
-        <p:txBody>
-          <a:bodyPr/>
-          <a:lstStyle/>
-          <a:p>
-            <a:endParaRPr lang="en-US">
-              <a:solidFill>
-                <a:prstClr val="black">
-                  <a:tint val="75000"/>
-                </a:prstClr>
-              </a:solidFill>
-            </a:endParaRPr>
-          </a:p>
-        </p:txBody>
-      </p:sp>
-      <p:sp>
-        <p:nvSpPr>
-          <p:cNvPr id="12" name="Freeform 11"/>
-          <p:cNvSpPr/>
-          <p:nvPr/>
-        </p:nvSpPr>
-        <p:spPr bwMode="auto">
-          <a:xfrm flipV="1">
-            <a:off x="-4189" y="714375"/>
-            <a:ext cx="1588527" cy="507297"/>
-          </a:xfrm>
-          <a:custGeom>
-            <a:avLst/>
-            <a:gdLst/>
-            <a:ahLst/>
-            <a:cxnLst/>
-            <a:rect l="l" t="t" r="r" b="b"/>
-            <a:pathLst>
-              <a:path w="9248" h="10000">
-                <a:moveTo>
-                  <a:pt x="9248" y="4701"/>
-                </a:moveTo>
-                <a:lnTo>
-                  <a:pt x="7915" y="188"/>
-                </a:lnTo>
-                <a:cubicBezTo>
-                  <a:pt x="7906" y="156"/>
-                  <a:pt x="7895" y="126"/>
-                  <a:pt x="7886" y="94"/>
-                </a:cubicBezTo>
-                <a:cubicBezTo>
-                  <a:pt x="7859" y="0"/>
-                  <a:pt x="7831" y="0"/>
-                  <a:pt x="7803" y="0"/>
-                </a:cubicBezTo>
-                <a:lnTo>
-                  <a:pt x="7275" y="0"/>
-                </a:lnTo>
-                <a:lnTo>
-                  <a:pt x="0" y="70"/>
-                </a:lnTo>
-                <a:cubicBezTo>
-                  <a:pt x="8" y="3380"/>
-                  <a:pt x="17" y="6690"/>
-                  <a:pt x="25" y="10000"/>
-                </a:cubicBezTo>
-                <a:lnTo>
-                  <a:pt x="7275" y="9966"/>
-                </a:lnTo>
-                <a:lnTo>
-                  <a:pt x="7803" y="9966"/>
-                </a:lnTo>
-                <a:cubicBezTo>
-                  <a:pt x="7831" y="9966"/>
-                  <a:pt x="7859" y="9872"/>
-                  <a:pt x="7886" y="9872"/>
-                </a:cubicBezTo>
-                <a:cubicBezTo>
-                  <a:pt x="7886" y="9778"/>
-                  <a:pt x="7915" y="9778"/>
-                  <a:pt x="7915" y="9778"/>
-                </a:cubicBezTo>
-                <a:lnTo>
-                  <a:pt x="9248" y="5265"/>
-                </a:lnTo>
-                <a:cubicBezTo>
-                  <a:pt x="9303" y="5077"/>
-                  <a:pt x="9303" y="4889"/>
-                  <a:pt x="9248" y="4701"/>
-                </a:cubicBezTo>
-                <a:close/>
-              </a:path>
-            </a:pathLst>
-          </a:custGeom>
-          <a:solidFill>
-            <a:schemeClr val="accent1"/>
-          </a:solidFill>
-          <a:ln>
-            <a:noFill/>
-          </a:ln>
-        </p:spPr>
-      </p:sp>
-      <p:sp>
-        <p:nvSpPr>
-          <p:cNvPr id="13" name="Slide Number Placeholder 5"/>
-          <p:cNvSpPr>
-            <a:spLocks noGrp="1"/>
-          </p:cNvSpPr>
-          <p:nvPr>
-            <p:ph type="sldNum" sz="quarter" idx="12"/>
-          </p:nvPr>
-        </p:nvSpPr>
-        <p:spPr>
-          <a:xfrm>
-            <a:off x="531812" y="787782"/>
-            <a:ext cx="779767" cy="365125"/>
-          </a:xfrm>
-        </p:spPr>
-        <p:txBody>
-          <a:bodyPr/>
-          <a:lstStyle/>
-          <a:p>
-            <a:fld id="{39127A14-E890-4C54-AB41-3BDDA076A8E0}" type="slidenum">
-              <a:rPr lang="en-US" smtClean="0"/>
-              <a:pPr/>
-              <a:t>‹#›</a:t>
-            </a:fld>
-            <a:endParaRPr lang="en-US"/>
-          </a:p>
-        </p:txBody>
-      </p:sp>
-    </p:spTree>
-    <p:extLst>
-      <p:ext uri="{BB962C8B-B14F-4D97-AF65-F5344CB8AC3E}">
-        <p14:creationId xmlns:p14="http://schemas.microsoft.com/office/powerpoint/2010/main" val="1527857183"/>
-      </p:ext>
-    </p:extLst>
-  </p:cSld>
-  <p:clrMapOvr>
-    <a:masterClrMapping/>
-  </p:clrMapOvr>
-</p:sldLayout>
-</file>
-
-<file path=ppt/slideLayouts/slideLayout16.xml><?xml version="1.0" encoding="utf-8"?>
-<p:sldLayout xmlns:a="http://schemas.openxmlformats.org/drawingml/2006/main" xmlns:r="http://schemas.openxmlformats.org/officeDocument/2006/relationships" xmlns:p="http://schemas.openxmlformats.org/presentationml/2006/main" type="twoTxTwoObj" preserve="1">
-  <p:cSld name="Comparison">
-    <p:spTree>
-      <p:nvGrpSpPr>
-        <p:cNvPr id="1" name=""/>
-        <p:cNvGrpSpPr/>
-        <p:nvPr/>
-      </p:nvGrpSpPr>
-      <p:grpSpPr>
-        <a:xfrm>
-          <a:off x="0" y="0"/>
-          <a:ext cx="0" cy="0"/>
-          <a:chOff x="0" y="0"/>
-          <a:chExt cx="0" cy="0"/>
-        </a:xfrm>
-      </p:grpSpPr>
-      <p:sp>
-        <p:nvSpPr>
-          <p:cNvPr id="10" name="Title 9"/>
-          <p:cNvSpPr>
-            <a:spLocks noGrp="1"/>
-          </p:cNvSpPr>
-          <p:nvPr>
-            <p:ph type="title"/>
-          </p:nvPr>
-        </p:nvSpPr>
-        <p:spPr/>
-        <p:txBody>
-          <a:bodyPr/>
-          <a:lstStyle/>
-          <a:p>
-            <a:r>
-              <a:rPr lang="en-US" smtClean="0"/>
-              <a:t>Click to edit Master title style</a:t>
-            </a:r>
-            <a:endParaRPr lang="en-US" dirty="0"/>
-          </a:p>
-        </p:txBody>
-      </p:sp>
-      <p:sp>
-        <p:nvSpPr>
-          <p:cNvPr id="3" name="Text Placeholder 2"/>
-          <p:cNvSpPr>
-            <a:spLocks noGrp="1"/>
-          </p:cNvSpPr>
-          <p:nvPr>
-            <p:ph type="body" idx="1"/>
-          </p:nvPr>
-        </p:nvSpPr>
-        <p:spPr>
-          <a:xfrm>
-            <a:off x="2939373" y="1972703"/>
-            <a:ext cx="3992732" cy="576262"/>
-          </a:xfrm>
-        </p:spPr>
-        <p:txBody>
-          <a:bodyPr anchor="b">
-            <a:noAutofit/>
-          </a:bodyPr>
-          <a:lstStyle>
-            <a:lvl1pPr marL="0" indent="0">
-              <a:buNone/>
-              <a:defRPr sz="2400" b="0"/>
-            </a:lvl1pPr>
-            <a:lvl2pPr marL="457200" indent="0">
-              <a:buNone/>
-              <a:defRPr sz="2000" b="1"/>
-            </a:lvl2pPr>
-            <a:lvl3pPr marL="914400" indent="0">
-              <a:buNone/>
-              <a:defRPr sz="1800" b="1"/>
-            </a:lvl3pPr>
-            <a:lvl4pPr marL="1371600" indent="0">
-              <a:buNone/>
-              <a:defRPr sz="1600" b="1"/>
-            </a:lvl4pPr>
-            <a:lvl5pPr marL="1828800" indent="0">
-              <a:buNone/>
-              <a:defRPr sz="1600" b="1"/>
-            </a:lvl5pPr>
-            <a:lvl6pPr marL="2286000" indent="0">
-              <a:buNone/>
-              <a:defRPr sz="1600" b="1"/>
-            </a:lvl6pPr>
-            <a:lvl7pPr marL="2743200" indent="0">
-              <a:buNone/>
-              <a:defRPr sz="1600" b="1"/>
-            </a:lvl7pPr>
-            <a:lvl8pPr marL="3200400" indent="0">
-              <a:buNone/>
-              <a:defRPr sz="1600" b="1"/>
-            </a:lvl8pPr>
-            <a:lvl9pPr marL="3657600" indent="0">
-              <a:buNone/>
-              <a:defRPr sz="1600" b="1"/>
-            </a:lvl9pPr>
-          </a:lstStyle>
-          <a:p>
-            <a:pPr lvl="0"/>
-            <a:r>
-              <a:rPr lang="en-US" smtClean="0"/>
-              <a:t>Click to edit Master text styles</a:t>
-            </a:r>
-          </a:p>
-        </p:txBody>
-      </p:sp>
-      <p:sp>
-        <p:nvSpPr>
-          <p:cNvPr id="4" name="Content Placeholder 3"/>
-          <p:cNvSpPr>
-            <a:spLocks noGrp="1"/>
-          </p:cNvSpPr>
-          <p:nvPr>
-            <p:ph sz="half" idx="2"/>
-          </p:nvPr>
-        </p:nvSpPr>
-        <p:spPr>
-          <a:xfrm>
-            <a:off x="2589212" y="2548966"/>
-            <a:ext cx="4342893" cy="3354060"/>
-          </a:xfrm>
-        </p:spPr>
-        <p:txBody>
-          <a:bodyPr>
-            <a:normAutofit/>
-          </a:bodyPr>
-          <a:lstStyle/>
-          <a:p>
-            <a:pPr lvl="0"/>
-            <a:r>
-              <a:rPr lang="en-US" smtClean="0"/>
-              <a:t>Click to edit Master text styles</a:t>
-            </a:r>
-          </a:p>
-          <a:p>
-            <a:pPr lvl="1"/>
-            <a:r>
-              <a:rPr lang="en-US" smtClean="0"/>
-              <a:t>Second level</a:t>
-            </a:r>
-          </a:p>
-          <a:p>
-            <a:pPr lvl="2"/>
-            <a:r>
-              <a:rPr lang="en-US" smtClean="0"/>
-              <a:t>Third level</a:t>
-            </a:r>
-          </a:p>
-          <a:p>
-            <a:pPr lvl="3"/>
-            <a:r>
-              <a:rPr lang="en-US" smtClean="0"/>
-              <a:t>Fourth level</a:t>
-            </a:r>
-          </a:p>
-          <a:p>
-            <a:pPr lvl="4"/>
-            <a:r>
-              <a:rPr lang="en-US" smtClean="0"/>
-              <a:t>Fifth level</a:t>
-            </a:r>
-            <a:endParaRPr lang="en-US" dirty="0"/>
-          </a:p>
-        </p:txBody>
-      </p:sp>
-      <p:sp>
-        <p:nvSpPr>
-          <p:cNvPr id="5" name="Text Placeholder 4"/>
-          <p:cNvSpPr>
-            <a:spLocks noGrp="1"/>
-          </p:cNvSpPr>
-          <p:nvPr>
-            <p:ph type="body" sz="quarter" idx="3"/>
-          </p:nvPr>
-        </p:nvSpPr>
-        <p:spPr>
-          <a:xfrm>
-            <a:off x="7506629" y="1969475"/>
-            <a:ext cx="3999001" cy="576262"/>
-          </a:xfrm>
-        </p:spPr>
-        <p:txBody>
-          <a:bodyPr anchor="b">
-            <a:noAutofit/>
-          </a:bodyPr>
-          <a:lstStyle>
-            <a:lvl1pPr marL="0" indent="0">
-              <a:buNone/>
-              <a:defRPr sz="2400" b="0"/>
-            </a:lvl1pPr>
-            <a:lvl2pPr marL="457200" indent="0">
-              <a:buNone/>
-              <a:defRPr sz="2000" b="1"/>
-            </a:lvl2pPr>
-            <a:lvl3pPr marL="914400" indent="0">
-              <a:buNone/>
-              <a:defRPr sz="1800" b="1"/>
-            </a:lvl3pPr>
-            <a:lvl4pPr marL="1371600" indent="0">
-              <a:buNone/>
-              <a:defRPr sz="1600" b="1"/>
-            </a:lvl4pPr>
-            <a:lvl5pPr marL="1828800" indent="0">
-              <a:buNone/>
-              <a:defRPr sz="1600" b="1"/>
-            </a:lvl5pPr>
-            <a:lvl6pPr marL="2286000" indent="0">
-              <a:buNone/>
-              <a:defRPr sz="1600" b="1"/>
-            </a:lvl6pPr>
-            <a:lvl7pPr marL="2743200" indent="0">
-              <a:buNone/>
-              <a:defRPr sz="1600" b="1"/>
-            </a:lvl7pPr>
-            <a:lvl8pPr marL="3200400" indent="0">
-              <a:buNone/>
-              <a:defRPr sz="1600" b="1"/>
-            </a:lvl8pPr>
-            <a:lvl9pPr marL="3657600" indent="0">
-              <a:buNone/>
-              <a:defRPr sz="1600" b="1"/>
-            </a:lvl9pPr>
-          </a:lstStyle>
-          <a:p>
-            <a:pPr lvl="0"/>
-            <a:r>
-              <a:rPr lang="en-US" smtClean="0"/>
-              <a:t>Click to edit Master text styles</a:t>
-            </a:r>
-          </a:p>
-        </p:txBody>
-      </p:sp>
-      <p:sp>
-        <p:nvSpPr>
-          <p:cNvPr id="6" name="Content Placeholder 5"/>
-          <p:cNvSpPr>
-            <a:spLocks noGrp="1"/>
-          </p:cNvSpPr>
-          <p:nvPr>
-            <p:ph sz="quarter" idx="4"/>
-          </p:nvPr>
-        </p:nvSpPr>
-        <p:spPr>
-          <a:xfrm>
-            <a:off x="7166957" y="2545738"/>
-            <a:ext cx="4338674" cy="3354060"/>
-          </a:xfrm>
-        </p:spPr>
-        <p:txBody>
-          <a:bodyPr>
-            <a:normAutofit/>
-          </a:bodyPr>
-          <a:lstStyle/>
-          <a:p>
-            <a:pPr lvl="0"/>
-            <a:r>
-              <a:rPr lang="en-US" smtClean="0"/>
-              <a:t>Click to edit Master text styles</a:t>
-            </a:r>
-          </a:p>
-          <a:p>
-            <a:pPr lvl="1"/>
-            <a:r>
-              <a:rPr lang="en-US" smtClean="0"/>
-              <a:t>Second level</a:t>
-            </a:r>
-          </a:p>
-          <a:p>
-            <a:pPr lvl="2"/>
-            <a:r>
-              <a:rPr lang="en-US" smtClean="0"/>
-              <a:t>Third level</a:t>
-            </a:r>
-          </a:p>
-          <a:p>
-            <a:pPr lvl="3"/>
-            <a:r>
-              <a:rPr lang="en-US" smtClean="0"/>
-              <a:t>Fourth level</a:t>
-            </a:r>
-          </a:p>
-          <a:p>
-            <a:pPr lvl="4"/>
-            <a:r>
-              <a:rPr lang="en-US" smtClean="0"/>
-              <a:t>Fifth level</a:t>
-            </a:r>
-            <a:endParaRPr lang="en-US" dirty="0"/>
-          </a:p>
-        </p:txBody>
-      </p:sp>
-      <p:sp>
-        <p:nvSpPr>
-          <p:cNvPr id="7" name="Date Placeholder 6"/>
-          <p:cNvSpPr>
-            <a:spLocks noGrp="1"/>
-          </p:cNvSpPr>
-          <p:nvPr>
-            <p:ph type="dt" sz="half" idx="10"/>
-          </p:nvPr>
-        </p:nvSpPr>
-        <p:spPr/>
-        <p:txBody>
-          <a:bodyPr/>
-          <a:lstStyle/>
-          <a:p>
-            <a:fld id="{9E8EC8DB-5F3C-451F-A897-4B94E2F94A3E}" type="datetimeFigureOut">
-              <a:rPr lang="en-US" smtClean="0">
-                <a:solidFill>
-                  <a:prstClr val="black">
-                    <a:tint val="75000"/>
-                  </a:prstClr>
-                </a:solidFill>
-              </a:rPr>
-              <a:pPr/>
-              <a:t>7/16/2015</a:t>
-            </a:fld>
-            <a:endParaRPr lang="en-US">
-              <a:solidFill>
-                <a:prstClr val="black">
-                  <a:tint val="75000"/>
-                </a:prstClr>
-              </a:solidFill>
-            </a:endParaRPr>
-          </a:p>
-        </p:txBody>
-      </p:sp>
-      <p:sp>
-        <p:nvSpPr>
-          <p:cNvPr id="8" name="Footer Placeholder 7"/>
-          <p:cNvSpPr>
-            <a:spLocks noGrp="1"/>
-          </p:cNvSpPr>
-          <p:nvPr>
-            <p:ph type="ftr" sz="quarter" idx="11"/>
-          </p:nvPr>
-        </p:nvSpPr>
-        <p:spPr/>
-        <p:txBody>
-          <a:bodyPr/>
-          <a:lstStyle/>
-          <a:p>
-            <a:endParaRPr lang="en-US">
-              <a:solidFill>
-                <a:prstClr val="black">
-                  <a:tint val="75000"/>
-                </a:prstClr>
-              </a:solidFill>
-            </a:endParaRPr>
-          </a:p>
-        </p:txBody>
-      </p:sp>
-      <p:sp>
-        <p:nvSpPr>
-          <p:cNvPr id="12" name="Freeform 11"/>
-          <p:cNvSpPr/>
-          <p:nvPr/>
-        </p:nvSpPr>
-        <p:spPr bwMode="auto">
-          <a:xfrm flipV="1">
-            <a:off x="-4189" y="714375"/>
-            <a:ext cx="1588527" cy="507297"/>
-          </a:xfrm>
-          <a:custGeom>
-            <a:avLst/>
-            <a:gdLst/>
-            <a:ahLst/>
-            <a:cxnLst/>
-            <a:rect l="l" t="t" r="r" b="b"/>
-            <a:pathLst>
-              <a:path w="9248" h="10000">
-                <a:moveTo>
-                  <a:pt x="9248" y="4701"/>
-                </a:moveTo>
-                <a:lnTo>
-                  <a:pt x="7915" y="188"/>
-                </a:lnTo>
-                <a:cubicBezTo>
-                  <a:pt x="7906" y="156"/>
-                  <a:pt x="7895" y="126"/>
-                  <a:pt x="7886" y="94"/>
-                </a:cubicBezTo>
-                <a:cubicBezTo>
-                  <a:pt x="7859" y="0"/>
-                  <a:pt x="7831" y="0"/>
-                  <a:pt x="7803" y="0"/>
-                </a:cubicBezTo>
-                <a:lnTo>
-                  <a:pt x="7275" y="0"/>
-                </a:lnTo>
-                <a:lnTo>
-                  <a:pt x="0" y="70"/>
-                </a:lnTo>
-                <a:cubicBezTo>
-                  <a:pt x="8" y="3380"/>
-                  <a:pt x="17" y="6690"/>
-                  <a:pt x="25" y="10000"/>
-                </a:cubicBezTo>
-                <a:lnTo>
-                  <a:pt x="7275" y="9966"/>
-                </a:lnTo>
-                <a:lnTo>
-                  <a:pt x="7803" y="9966"/>
-                </a:lnTo>
-                <a:cubicBezTo>
-                  <a:pt x="7831" y="9966"/>
-                  <a:pt x="7859" y="9872"/>
-                  <a:pt x="7886" y="9872"/>
-                </a:cubicBezTo>
-                <a:cubicBezTo>
-                  <a:pt x="7886" y="9778"/>
-                  <a:pt x="7915" y="9778"/>
-                  <a:pt x="7915" y="9778"/>
-                </a:cubicBezTo>
-                <a:lnTo>
-                  <a:pt x="9248" y="5265"/>
-                </a:lnTo>
-                <a:cubicBezTo>
-                  <a:pt x="9303" y="5077"/>
-                  <a:pt x="9303" y="4889"/>
-                  <a:pt x="9248" y="4701"/>
-                </a:cubicBezTo>
-                <a:close/>
-              </a:path>
-            </a:pathLst>
-          </a:custGeom>
-          <a:solidFill>
-            <a:schemeClr val="accent1"/>
-          </a:solidFill>
-          <a:ln>
-            <a:noFill/>
-          </a:ln>
-        </p:spPr>
-      </p:sp>
-      <p:sp>
-        <p:nvSpPr>
-          <p:cNvPr id="13" name="Slide Number Placeholder 5"/>
-          <p:cNvSpPr>
-            <a:spLocks noGrp="1"/>
-          </p:cNvSpPr>
-          <p:nvPr>
-            <p:ph type="sldNum" sz="quarter" idx="12"/>
-          </p:nvPr>
-        </p:nvSpPr>
-        <p:spPr>
-          <a:xfrm>
-            <a:off x="531812" y="787782"/>
-            <a:ext cx="779767" cy="365125"/>
-          </a:xfrm>
-        </p:spPr>
-        <p:txBody>
-          <a:bodyPr/>
-          <a:lstStyle/>
-          <a:p>
-            <a:fld id="{39127A14-E890-4C54-AB41-3BDDA076A8E0}" type="slidenum">
-              <a:rPr lang="en-US" smtClean="0"/>
-              <a:pPr/>
-              <a:t>‹#›</a:t>
-            </a:fld>
-            <a:endParaRPr lang="en-US"/>
-          </a:p>
-        </p:txBody>
-      </p:sp>
-    </p:spTree>
-    <p:extLst>
-      <p:ext uri="{BB962C8B-B14F-4D97-AF65-F5344CB8AC3E}">
-        <p14:creationId xmlns:p14="http://schemas.microsoft.com/office/powerpoint/2010/main" val="2452571005"/>
-      </p:ext>
-    </p:extLst>
-  </p:cSld>
-  <p:clrMapOvr>
-    <a:masterClrMapping/>
-  </p:clrMapOvr>
-</p:sldLayout>
-</file>
-
-<file path=ppt/slideLayouts/slideLayout17.xml><?xml version="1.0" encoding="utf-8"?>
-<p:sldLayout xmlns:a="http://schemas.openxmlformats.org/drawingml/2006/main" xmlns:r="http://schemas.openxmlformats.org/officeDocument/2006/relationships" xmlns:p="http://schemas.openxmlformats.org/presentationml/2006/main" type="titleOnly" preserve="1">
-  <p:cSld name="Title Only">
-    <p:spTree>
-      <p:nvGrpSpPr>
-        <p:cNvPr id="1" name=""/>
-        <p:cNvGrpSpPr/>
-        <p:nvPr/>
-      </p:nvGrpSpPr>
-      <p:grpSpPr>
-        <a:xfrm>
-          <a:off x="0" y="0"/>
-          <a:ext cx="0" cy="0"/>
-          <a:chOff x="0" y="0"/>
-          <a:chExt cx="0" cy="0"/>
-        </a:xfrm>
-      </p:grpSpPr>
-      <p:sp>
-        <p:nvSpPr>
-          <p:cNvPr id="2" name="Title 1"/>
-          <p:cNvSpPr>
-            <a:spLocks noGrp="1"/>
-          </p:cNvSpPr>
-          <p:nvPr>
-            <p:ph type="title"/>
-          </p:nvPr>
-        </p:nvSpPr>
-        <p:spPr/>
-        <p:txBody>
-          <a:bodyPr/>
-          <a:lstStyle/>
-          <a:p>
-            <a:r>
-              <a:rPr lang="en-US" smtClean="0"/>
-              <a:t>Click to edit Master title style</a:t>
-            </a:r>
-            <a:endParaRPr lang="en-US" dirty="0"/>
-          </a:p>
-        </p:txBody>
-      </p:sp>
-      <p:sp>
-        <p:nvSpPr>
-          <p:cNvPr id="3" name="Date Placeholder 2"/>
-          <p:cNvSpPr>
-            <a:spLocks noGrp="1"/>
-          </p:cNvSpPr>
-          <p:nvPr>
-            <p:ph type="dt" sz="half" idx="10"/>
-          </p:nvPr>
-        </p:nvSpPr>
-        <p:spPr/>
-        <p:txBody>
-          <a:bodyPr/>
-          <a:lstStyle/>
-          <a:p>
-            <a:fld id="{9E8EC8DB-5F3C-451F-A897-4B94E2F94A3E}" type="datetimeFigureOut">
-              <a:rPr lang="en-US" smtClean="0">
-                <a:solidFill>
-                  <a:prstClr val="black">
-                    <a:tint val="75000"/>
-                  </a:prstClr>
-                </a:solidFill>
-              </a:rPr>
-              <a:pPr/>
-              <a:t>7/16/2015</a:t>
-            </a:fld>
-            <a:endParaRPr lang="en-US">
-              <a:solidFill>
-                <a:prstClr val="black">
-                  <a:tint val="75000"/>
-                </a:prstClr>
-              </a:solidFill>
-            </a:endParaRPr>
-          </a:p>
-        </p:txBody>
-      </p:sp>
-      <p:sp>
-        <p:nvSpPr>
-          <p:cNvPr id="4" name="Footer Placeholder 3"/>
-          <p:cNvSpPr>
-            <a:spLocks noGrp="1"/>
-          </p:cNvSpPr>
-          <p:nvPr>
-            <p:ph type="ftr" sz="quarter" idx="11"/>
-          </p:nvPr>
-        </p:nvSpPr>
-        <p:spPr/>
-        <p:txBody>
-          <a:bodyPr/>
-          <a:lstStyle/>
-          <a:p>
-            <a:endParaRPr lang="en-US">
-              <a:solidFill>
-                <a:prstClr val="black">
-                  <a:tint val="75000"/>
-                </a:prstClr>
-              </a:solidFill>
-            </a:endParaRPr>
-          </a:p>
-        </p:txBody>
-      </p:sp>
-      <p:sp>
-        <p:nvSpPr>
-          <p:cNvPr id="7" name="Freeform 11"/>
-          <p:cNvSpPr/>
-          <p:nvPr/>
-        </p:nvSpPr>
-        <p:spPr bwMode="auto">
-          <a:xfrm flipV="1">
-            <a:off x="-4189" y="714375"/>
-            <a:ext cx="1588527" cy="507297"/>
-          </a:xfrm>
-          <a:custGeom>
-            <a:avLst/>
-            <a:gdLst/>
-            <a:ahLst/>
-            <a:cxnLst/>
-            <a:rect l="l" t="t" r="r" b="b"/>
-            <a:pathLst>
-              <a:path w="9248" h="10000">
-                <a:moveTo>
-                  <a:pt x="9248" y="4701"/>
-                </a:moveTo>
-                <a:lnTo>
-                  <a:pt x="7915" y="188"/>
-                </a:lnTo>
-                <a:cubicBezTo>
-                  <a:pt x="7906" y="156"/>
-                  <a:pt x="7895" y="126"/>
-                  <a:pt x="7886" y="94"/>
-                </a:cubicBezTo>
-                <a:cubicBezTo>
-                  <a:pt x="7859" y="0"/>
-                  <a:pt x="7831" y="0"/>
-                  <a:pt x="7803" y="0"/>
-                </a:cubicBezTo>
-                <a:lnTo>
-                  <a:pt x="7275" y="0"/>
-                </a:lnTo>
-                <a:lnTo>
-                  <a:pt x="0" y="70"/>
-                </a:lnTo>
-                <a:cubicBezTo>
-                  <a:pt x="8" y="3380"/>
-                  <a:pt x="17" y="6690"/>
-                  <a:pt x="25" y="10000"/>
-                </a:cubicBezTo>
-                <a:lnTo>
-                  <a:pt x="7275" y="9966"/>
-                </a:lnTo>
-                <a:lnTo>
-                  <a:pt x="7803" y="9966"/>
-                </a:lnTo>
-                <a:cubicBezTo>
-                  <a:pt x="7831" y="9966"/>
-                  <a:pt x="7859" y="9872"/>
-                  <a:pt x="7886" y="9872"/>
-                </a:cubicBezTo>
-                <a:cubicBezTo>
-                  <a:pt x="7886" y="9778"/>
-                  <a:pt x="7915" y="9778"/>
-                  <a:pt x="7915" y="9778"/>
-                </a:cubicBezTo>
-                <a:lnTo>
-                  <a:pt x="9248" y="5265"/>
-                </a:lnTo>
-                <a:cubicBezTo>
-                  <a:pt x="9303" y="5077"/>
-                  <a:pt x="9303" y="4889"/>
-                  <a:pt x="9248" y="4701"/>
-                </a:cubicBezTo>
-                <a:close/>
-              </a:path>
-            </a:pathLst>
-          </a:custGeom>
-          <a:solidFill>
-            <a:schemeClr val="accent1"/>
-          </a:solidFill>
-          <a:ln>
-            <a:noFill/>
-          </a:ln>
-        </p:spPr>
-      </p:sp>
-      <p:sp>
-        <p:nvSpPr>
-          <p:cNvPr id="5" name="Slide Number Placeholder 4"/>
-          <p:cNvSpPr>
-            <a:spLocks noGrp="1"/>
-          </p:cNvSpPr>
-          <p:nvPr>
-            <p:ph type="sldNum" sz="quarter" idx="12"/>
-          </p:nvPr>
-        </p:nvSpPr>
-        <p:spPr/>
-        <p:txBody>
-          <a:bodyPr/>
-          <a:lstStyle/>
-          <a:p>
-            <a:fld id="{39127A14-E890-4C54-AB41-3BDDA076A8E0}" type="slidenum">
-              <a:rPr lang="en-US" smtClean="0"/>
-              <a:pPr/>
-              <a:t>‹#›</a:t>
-            </a:fld>
-            <a:endParaRPr lang="en-US"/>
-          </a:p>
-        </p:txBody>
-      </p:sp>
-    </p:spTree>
-    <p:extLst>
-      <p:ext uri="{BB962C8B-B14F-4D97-AF65-F5344CB8AC3E}">
-        <p14:creationId xmlns:p14="http://schemas.microsoft.com/office/powerpoint/2010/main" val="1753328386"/>
-      </p:ext>
-    </p:extLst>
-  </p:cSld>
-  <p:clrMapOvr>
-    <a:masterClrMapping/>
-  </p:clrMapOvr>
-</p:sldLayout>
-</file>
-
-<file path=ppt/slideLayouts/slideLayout18.xml><?xml version="1.0" encoding="utf-8"?>
-<p:sldLayout xmlns:a="http://schemas.openxmlformats.org/drawingml/2006/main" xmlns:r="http://schemas.openxmlformats.org/officeDocument/2006/relationships" xmlns:p="http://schemas.openxmlformats.org/presentationml/2006/main" type="blank" preserve="1">
-  <p:cSld name="Blank">
-    <p:spTree>
-      <p:nvGrpSpPr>
-        <p:cNvPr id="1" name=""/>
-        <p:cNvGrpSpPr/>
-        <p:nvPr/>
-      </p:nvGrpSpPr>
-      <p:grpSpPr>
-        <a:xfrm>
-          <a:off x="0" y="0"/>
-          <a:ext cx="0" cy="0"/>
-          <a:chOff x="0" y="0"/>
-          <a:chExt cx="0" cy="0"/>
-        </a:xfrm>
-      </p:grpSpPr>
-      <p:sp>
-        <p:nvSpPr>
-          <p:cNvPr id="2" name="Date Placeholder 1"/>
-          <p:cNvSpPr>
-            <a:spLocks noGrp="1"/>
-          </p:cNvSpPr>
-          <p:nvPr>
-            <p:ph type="dt" sz="half" idx="10"/>
-          </p:nvPr>
-        </p:nvSpPr>
-        <p:spPr/>
-        <p:txBody>
-          <a:bodyPr/>
-          <a:lstStyle/>
-          <a:p>
-            <a:fld id="{9E8EC8DB-5F3C-451F-A897-4B94E2F94A3E}" type="datetimeFigureOut">
-              <a:rPr lang="en-US" smtClean="0">
-                <a:solidFill>
-                  <a:prstClr val="black">
-                    <a:tint val="75000"/>
-                  </a:prstClr>
-                </a:solidFill>
-              </a:rPr>
-              <a:pPr/>
-              <a:t>7/16/2015</a:t>
-            </a:fld>
-            <a:endParaRPr lang="en-US">
-              <a:solidFill>
-                <a:prstClr val="black">
-                  <a:tint val="75000"/>
-                </a:prstClr>
-              </a:solidFill>
-            </a:endParaRPr>
-          </a:p>
-        </p:txBody>
-      </p:sp>
-      <p:sp>
-        <p:nvSpPr>
-          <p:cNvPr id="3" name="Footer Placeholder 2"/>
-          <p:cNvSpPr>
-            <a:spLocks noGrp="1"/>
-          </p:cNvSpPr>
-          <p:nvPr>
-            <p:ph type="ftr" sz="quarter" idx="11"/>
-          </p:nvPr>
-        </p:nvSpPr>
-        <p:spPr/>
-        <p:txBody>
-          <a:bodyPr/>
-          <a:lstStyle/>
-          <a:p>
-            <a:endParaRPr lang="en-US">
-              <a:solidFill>
-                <a:prstClr val="black">
-                  <a:tint val="75000"/>
-                </a:prstClr>
-              </a:solidFill>
-            </a:endParaRPr>
-          </a:p>
-        </p:txBody>
-      </p:sp>
-      <p:sp>
-        <p:nvSpPr>
-          <p:cNvPr id="6" name="Freeform 11"/>
-          <p:cNvSpPr/>
-          <p:nvPr/>
-        </p:nvSpPr>
-        <p:spPr bwMode="auto">
-          <a:xfrm flipV="1">
-            <a:off x="-4189" y="714375"/>
-            <a:ext cx="1588527" cy="507297"/>
-          </a:xfrm>
-          <a:custGeom>
-            <a:avLst/>
-            <a:gdLst/>
-            <a:ahLst/>
-            <a:cxnLst/>
-            <a:rect l="l" t="t" r="r" b="b"/>
-            <a:pathLst>
-              <a:path w="9248" h="10000">
-                <a:moveTo>
-                  <a:pt x="9248" y="4701"/>
-                </a:moveTo>
-                <a:lnTo>
-                  <a:pt x="7915" y="188"/>
-                </a:lnTo>
-                <a:cubicBezTo>
-                  <a:pt x="7906" y="156"/>
-                  <a:pt x="7895" y="126"/>
-                  <a:pt x="7886" y="94"/>
-                </a:cubicBezTo>
-                <a:cubicBezTo>
-                  <a:pt x="7859" y="0"/>
-                  <a:pt x="7831" y="0"/>
-                  <a:pt x="7803" y="0"/>
-                </a:cubicBezTo>
-                <a:lnTo>
-                  <a:pt x="7275" y="0"/>
-                </a:lnTo>
-                <a:lnTo>
-                  <a:pt x="0" y="70"/>
-                </a:lnTo>
-                <a:cubicBezTo>
-                  <a:pt x="8" y="3380"/>
-                  <a:pt x="17" y="6690"/>
-                  <a:pt x="25" y="10000"/>
-                </a:cubicBezTo>
-                <a:lnTo>
-                  <a:pt x="7275" y="9966"/>
-                </a:lnTo>
-                <a:lnTo>
-                  <a:pt x="7803" y="9966"/>
-                </a:lnTo>
-                <a:cubicBezTo>
-                  <a:pt x="7831" y="9966"/>
-                  <a:pt x="7859" y="9872"/>
-                  <a:pt x="7886" y="9872"/>
-                </a:cubicBezTo>
-                <a:cubicBezTo>
-                  <a:pt x="7886" y="9778"/>
-                  <a:pt x="7915" y="9778"/>
-                  <a:pt x="7915" y="9778"/>
-                </a:cubicBezTo>
-                <a:lnTo>
-                  <a:pt x="9248" y="5265"/>
-                </a:lnTo>
-                <a:cubicBezTo>
-                  <a:pt x="9303" y="5077"/>
-                  <a:pt x="9303" y="4889"/>
-                  <a:pt x="9248" y="4701"/>
-                </a:cubicBezTo>
-                <a:close/>
-              </a:path>
-            </a:pathLst>
-          </a:custGeom>
-          <a:solidFill>
-            <a:schemeClr val="accent1"/>
-          </a:solidFill>
-          <a:ln>
-            <a:noFill/>
-          </a:ln>
-        </p:spPr>
-      </p:sp>
-      <p:sp>
-        <p:nvSpPr>
-          <p:cNvPr id="4" name="Slide Number Placeholder 3"/>
-          <p:cNvSpPr>
-            <a:spLocks noGrp="1"/>
-          </p:cNvSpPr>
-          <p:nvPr>
-            <p:ph type="sldNum" sz="quarter" idx="12"/>
-          </p:nvPr>
-        </p:nvSpPr>
-        <p:spPr/>
-        <p:txBody>
-          <a:bodyPr/>
-          <a:lstStyle/>
-          <a:p>
-            <a:fld id="{39127A14-E890-4C54-AB41-3BDDA076A8E0}" type="slidenum">
-              <a:rPr lang="en-US" smtClean="0"/>
-              <a:pPr/>
-              <a:t>‹#›</a:t>
-            </a:fld>
-            <a:endParaRPr lang="en-US"/>
-          </a:p>
-        </p:txBody>
-      </p:sp>
-    </p:spTree>
-    <p:extLst>
-      <p:ext uri="{BB962C8B-B14F-4D97-AF65-F5344CB8AC3E}">
-        <p14:creationId xmlns:p14="http://schemas.microsoft.com/office/powerpoint/2010/main" val="2941027351"/>
-      </p:ext>
-    </p:extLst>
-  </p:cSld>
-  <p:clrMapOvr>
-    <a:masterClrMapping/>
-  </p:clrMapOvr>
-</p:sldLayout>
-</file>
-
-<file path=ppt/slideLayouts/slideLayout19.xml><?xml version="1.0" encoding="utf-8"?>
-<p:sldLayout xmlns:a="http://schemas.openxmlformats.org/drawingml/2006/main" xmlns:r="http://schemas.openxmlformats.org/officeDocument/2006/relationships" xmlns:p="http://schemas.openxmlformats.org/presentationml/2006/main" type="objTx" preserve="1">
-  <p:cSld name="Content with Caption">
-    <p:spTree>
-      <p:nvGrpSpPr>
-        <p:cNvPr id="1" name=""/>
-        <p:cNvGrpSpPr/>
-        <p:nvPr/>
-      </p:nvGrpSpPr>
-      <p:grpSpPr>
-        <a:xfrm>
-          <a:off x="0" y="0"/>
-          <a:ext cx="0" cy="0"/>
-          <a:chOff x="0" y="0"/>
-          <a:chExt cx="0" cy="0"/>
-        </a:xfrm>
-      </p:grpSpPr>
-      <p:sp>
-        <p:nvSpPr>
-          <p:cNvPr id="2" name="Title 1"/>
-          <p:cNvSpPr>
-            <a:spLocks noGrp="1"/>
-          </p:cNvSpPr>
-          <p:nvPr>
-            <p:ph type="title"/>
-          </p:nvPr>
-        </p:nvSpPr>
-        <p:spPr>
-          <a:xfrm>
-            <a:off x="2589212" y="446088"/>
-            <a:ext cx="3505199" cy="976312"/>
-          </a:xfrm>
-        </p:spPr>
-        <p:txBody>
-          <a:bodyPr anchor="b"/>
-          <a:lstStyle>
-            <a:lvl1pPr algn="l">
-              <a:defRPr sz="2000" b="0"/>
-            </a:lvl1pPr>
-          </a:lstStyle>
-          <a:p>
-            <a:r>
-              <a:rPr lang="en-US" smtClean="0"/>
-              <a:t>Click to edit Master title style</a:t>
-            </a:r>
-            <a:endParaRPr lang="en-US" dirty="0"/>
-          </a:p>
-        </p:txBody>
-      </p:sp>
-      <p:sp>
-        <p:nvSpPr>
-          <p:cNvPr id="3" name="Content Placeholder 2"/>
-          <p:cNvSpPr>
-            <a:spLocks noGrp="1"/>
-          </p:cNvSpPr>
-          <p:nvPr>
-            <p:ph idx="1"/>
-          </p:nvPr>
-        </p:nvSpPr>
-        <p:spPr>
-          <a:xfrm>
-            <a:off x="6323012" y="446088"/>
-            <a:ext cx="5181600" cy="5414963"/>
-          </a:xfrm>
-        </p:spPr>
-        <p:txBody>
-          <a:bodyPr anchor="ctr">
-            <a:normAutofit/>
-          </a:bodyPr>
-          <a:lstStyle/>
-          <a:p>
-            <a:pPr lvl="0"/>
-            <a:r>
-              <a:rPr lang="en-US" smtClean="0"/>
-              <a:t>Click to edit Master text styles</a:t>
-            </a:r>
-          </a:p>
-          <a:p>
-            <a:pPr lvl="1"/>
-            <a:r>
-              <a:rPr lang="en-US" smtClean="0"/>
-              <a:t>Second level</a:t>
-            </a:r>
-          </a:p>
-          <a:p>
-            <a:pPr lvl="2"/>
-            <a:r>
-              <a:rPr lang="en-US" smtClean="0"/>
-              <a:t>Third level</a:t>
-            </a:r>
-          </a:p>
-          <a:p>
-            <a:pPr lvl="3"/>
-            <a:r>
-              <a:rPr lang="en-US" smtClean="0"/>
-              <a:t>Fourth level</a:t>
-            </a:r>
-          </a:p>
-          <a:p>
-            <a:pPr lvl="4"/>
-            <a:r>
-              <a:rPr lang="en-US" smtClean="0"/>
-              <a:t>Fifth level</a:t>
-            </a:r>
-            <a:endParaRPr lang="en-US" dirty="0"/>
-          </a:p>
-        </p:txBody>
-      </p:sp>
-      <p:sp>
-        <p:nvSpPr>
-          <p:cNvPr id="4" name="Text Placeholder 3"/>
-          <p:cNvSpPr>
-            <a:spLocks noGrp="1"/>
-          </p:cNvSpPr>
-          <p:nvPr>
-            <p:ph type="body" sz="half" idx="2"/>
-          </p:nvPr>
-        </p:nvSpPr>
-        <p:spPr>
-          <a:xfrm>
-            <a:off x="2589212" y="1598613"/>
-            <a:ext cx="3505199" cy="4262436"/>
-          </a:xfrm>
-        </p:spPr>
-        <p:txBody>
-          <a:bodyPr/>
-          <a:lstStyle>
-            <a:lvl1pPr marL="0" indent="0">
-              <a:buNone/>
-              <a:defRPr sz="1400"/>
-            </a:lvl1pPr>
-            <a:lvl2pPr marL="457200" indent="0">
-              <a:buNone/>
-              <a:defRPr sz="1200"/>
-            </a:lvl2pPr>
-            <a:lvl3pPr marL="914400" indent="0">
-              <a:buNone/>
-              <a:defRPr sz="1000"/>
-            </a:lvl3pPr>
-            <a:lvl4pPr marL="1371600" indent="0">
-              <a:buNone/>
-              <a:defRPr sz="900"/>
-            </a:lvl4pPr>
-            <a:lvl5pPr marL="1828800" indent="0">
-              <a:buNone/>
-              <a:defRPr sz="900"/>
-            </a:lvl5pPr>
-            <a:lvl6pPr marL="2286000" indent="0">
-              <a:buNone/>
-              <a:defRPr sz="900"/>
-            </a:lvl6pPr>
-            <a:lvl7pPr marL="2743200" indent="0">
-              <a:buNone/>
-              <a:defRPr sz="900"/>
-            </a:lvl7pPr>
-            <a:lvl8pPr marL="3200400" indent="0">
-              <a:buNone/>
-              <a:defRPr sz="900"/>
-            </a:lvl8pPr>
-            <a:lvl9pPr marL="3657600" indent="0">
-              <a:buNone/>
-              <a:defRPr sz="900"/>
-            </a:lvl9pPr>
-          </a:lstStyle>
-          <a:p>
-            <a:pPr lvl="0"/>
-            <a:r>
-              <a:rPr lang="en-US" smtClean="0"/>
-              <a:t>Click to edit Master text styles</a:t>
-            </a:r>
-          </a:p>
-        </p:txBody>
-      </p:sp>
-      <p:sp>
-        <p:nvSpPr>
-          <p:cNvPr id="5" name="Date Placeholder 4"/>
-          <p:cNvSpPr>
-            <a:spLocks noGrp="1"/>
-          </p:cNvSpPr>
-          <p:nvPr>
-            <p:ph type="dt" sz="half" idx="10"/>
-          </p:nvPr>
-        </p:nvSpPr>
-        <p:spPr/>
-        <p:txBody>
-          <a:bodyPr/>
-          <a:lstStyle/>
-          <a:p>
-            <a:fld id="{9E8EC8DB-5F3C-451F-A897-4B94E2F94A3E}" type="datetimeFigureOut">
-              <a:rPr lang="en-US" smtClean="0">
-                <a:solidFill>
-                  <a:prstClr val="black">
-                    <a:tint val="75000"/>
-                  </a:prstClr>
-                </a:solidFill>
-              </a:rPr>
-              <a:pPr/>
-              <a:t>7/16/2015</a:t>
-            </a:fld>
-            <a:endParaRPr lang="en-US">
-              <a:solidFill>
-                <a:prstClr val="black">
-                  <a:tint val="75000"/>
-                </a:prstClr>
-              </a:solidFill>
-            </a:endParaRPr>
-          </a:p>
-        </p:txBody>
-      </p:sp>
-      <p:sp>
-        <p:nvSpPr>
-          <p:cNvPr id="6" name="Footer Placeholder 5"/>
-          <p:cNvSpPr>
-            <a:spLocks noGrp="1"/>
-          </p:cNvSpPr>
-          <p:nvPr>
-            <p:ph type="ftr" sz="quarter" idx="11"/>
-          </p:nvPr>
-        </p:nvSpPr>
-        <p:spPr/>
-        <p:txBody>
-          <a:bodyPr/>
-          <a:lstStyle/>
-          <a:p>
-            <a:endParaRPr lang="en-US">
-              <a:solidFill>
-                <a:prstClr val="black">
-                  <a:tint val="75000"/>
-                </a:prstClr>
-              </a:solidFill>
-            </a:endParaRPr>
-          </a:p>
-        </p:txBody>
-      </p:sp>
-      <p:sp>
-        <p:nvSpPr>
-          <p:cNvPr id="9" name="Freeform 11"/>
-          <p:cNvSpPr/>
-          <p:nvPr/>
-        </p:nvSpPr>
-        <p:spPr bwMode="auto">
-          <a:xfrm flipV="1">
-            <a:off x="-4189" y="714375"/>
-            <a:ext cx="1588527" cy="507297"/>
-          </a:xfrm>
-          <a:custGeom>
-            <a:avLst/>
-            <a:gdLst/>
-            <a:ahLst/>
-            <a:cxnLst/>
-            <a:rect l="l" t="t" r="r" b="b"/>
-            <a:pathLst>
-              <a:path w="9248" h="10000">
-                <a:moveTo>
-                  <a:pt x="9248" y="4701"/>
-                </a:moveTo>
-                <a:lnTo>
-                  <a:pt x="7915" y="188"/>
-                </a:lnTo>
-                <a:cubicBezTo>
-                  <a:pt x="7906" y="156"/>
-                  <a:pt x="7895" y="126"/>
-                  <a:pt x="7886" y="94"/>
-                </a:cubicBezTo>
-                <a:cubicBezTo>
-                  <a:pt x="7859" y="0"/>
-                  <a:pt x="7831" y="0"/>
-                  <a:pt x="7803" y="0"/>
-                </a:cubicBezTo>
-                <a:lnTo>
-                  <a:pt x="7275" y="0"/>
-                </a:lnTo>
-                <a:lnTo>
-                  <a:pt x="0" y="70"/>
-                </a:lnTo>
-                <a:cubicBezTo>
-                  <a:pt x="8" y="3380"/>
-                  <a:pt x="17" y="6690"/>
-                  <a:pt x="25" y="10000"/>
-                </a:cubicBezTo>
-                <a:lnTo>
-                  <a:pt x="7275" y="9966"/>
-                </a:lnTo>
-                <a:lnTo>
-                  <a:pt x="7803" y="9966"/>
-                </a:lnTo>
-                <a:cubicBezTo>
-                  <a:pt x="7831" y="9966"/>
-                  <a:pt x="7859" y="9872"/>
-                  <a:pt x="7886" y="9872"/>
-                </a:cubicBezTo>
-                <a:cubicBezTo>
-                  <a:pt x="7886" y="9778"/>
-                  <a:pt x="7915" y="9778"/>
-                  <a:pt x="7915" y="9778"/>
-                </a:cubicBezTo>
-                <a:lnTo>
-                  <a:pt x="9248" y="5265"/>
-                </a:lnTo>
-                <a:cubicBezTo>
-                  <a:pt x="9303" y="5077"/>
-                  <a:pt x="9303" y="4889"/>
-                  <a:pt x="9248" y="4701"/>
-                </a:cubicBezTo>
-                <a:close/>
-              </a:path>
-            </a:pathLst>
-          </a:custGeom>
-          <a:solidFill>
-            <a:schemeClr val="accent1"/>
-          </a:solidFill>
-          <a:ln>
-            <a:noFill/>
-          </a:ln>
-        </p:spPr>
-      </p:sp>
-      <p:sp>
-        <p:nvSpPr>
-          <p:cNvPr id="7" name="Slide Number Placeholder 6"/>
-          <p:cNvSpPr>
-            <a:spLocks noGrp="1"/>
-          </p:cNvSpPr>
-          <p:nvPr>
-            <p:ph type="sldNum" sz="quarter" idx="12"/>
-          </p:nvPr>
-        </p:nvSpPr>
-        <p:spPr/>
-        <p:txBody>
-          <a:bodyPr/>
-          <a:lstStyle/>
-          <a:p>
-            <a:fld id="{39127A14-E890-4C54-AB41-3BDDA076A8E0}" type="slidenum">
-              <a:rPr lang="en-US" smtClean="0"/>
-              <a:pPr/>
-              <a:t>‹#›</a:t>
-            </a:fld>
-            <a:endParaRPr lang="en-US"/>
-          </a:p>
-        </p:txBody>
-      </p:sp>
-    </p:spTree>
-    <p:extLst>
-      <p:ext uri="{BB962C8B-B14F-4D97-AF65-F5344CB8AC3E}">
-        <p14:creationId xmlns:p14="http://schemas.microsoft.com/office/powerpoint/2010/main" val="1019947001"/>
-      </p:ext>
-    </p:extLst>
-  </p:cSld>
-  <p:clrMapOvr>
-    <a:masterClrMapping/>
-  </p:clrMapOvr>
-</p:sldLayout>
-</file>
-
-<file path=ppt/slideLayouts/slideLayout2.xml><?xml version="1.0" encoding="utf-8"?>
-<p:sldLayout xmlns:a="http://schemas.openxmlformats.org/drawingml/2006/main" xmlns:r="http://schemas.openxmlformats.org/officeDocument/2006/relationships" xmlns:p="http://schemas.openxmlformats.org/presentationml/2006/main" type="obj" preserve="1">
-  <p:cSld name="Title and Content">
-    <p:spTree>
-      <p:nvGrpSpPr>
-        <p:cNvPr id="1" name=""/>
-        <p:cNvGrpSpPr/>
-        <p:nvPr/>
-      </p:nvGrpSpPr>
-      <p:grpSpPr>
-        <a:xfrm>
-          <a:off x="0" y="0"/>
-          <a:ext cx="0" cy="0"/>
-          <a:chOff x="0" y="0"/>
-          <a:chExt cx="0" cy="0"/>
-        </a:xfrm>
-      </p:grpSpPr>
-      <p:sp>
-        <p:nvSpPr>
-          <p:cNvPr id="2" name="Title 1"/>
-          <p:cNvSpPr>
-            <a:spLocks noGrp="1"/>
-          </p:cNvSpPr>
-          <p:nvPr>
-            <p:ph type="title"/>
-          </p:nvPr>
-        </p:nvSpPr>
-        <p:spPr/>
-        <p:txBody>
-          <a:bodyPr/>
-          <a:lstStyle/>
-          <a:p>
-            <a:r>
-              <a:rPr lang="en-US" smtClean="0"/>
-              <a:t>Click to edit Master title style</a:t>
-            </a:r>
-            <a:endParaRPr lang="en-US"/>
-          </a:p>
-        </p:txBody>
-      </p:sp>
-      <p:sp>
-        <p:nvSpPr>
-          <p:cNvPr id="3" name="Content Placeholder 2"/>
-          <p:cNvSpPr>
-            <a:spLocks noGrp="1"/>
-          </p:cNvSpPr>
-          <p:nvPr>
-            <p:ph idx="1"/>
-          </p:nvPr>
-        </p:nvSpPr>
-        <p:spPr/>
-        <p:txBody>
-          <a:bodyPr/>
-          <a:lstStyle/>
-          <a:p>
-            <a:pPr lvl="0"/>
-            <a:r>
-              <a:rPr lang="en-US" smtClean="0"/>
-              <a:t>Click to edit Master text styles</a:t>
-            </a:r>
-          </a:p>
-          <a:p>
-            <a:pPr lvl="1"/>
-            <a:r>
-              <a:rPr lang="en-US" smtClean="0"/>
-              <a:t>Second level</a:t>
-            </a:r>
-          </a:p>
-          <a:p>
-            <a:pPr lvl="2"/>
-            <a:r>
-              <a:rPr lang="en-US" smtClean="0"/>
-              <a:t>Third level</a:t>
-            </a:r>
-          </a:p>
-          <a:p>
-            <a:pPr lvl="3"/>
-            <a:r>
-              <a:rPr lang="en-US" smtClean="0"/>
-              <a:t>Fourth level</a:t>
-            </a:r>
-          </a:p>
-          <a:p>
-            <a:pPr lvl="4"/>
-            <a:r>
-              <a:rPr lang="en-US" smtClean="0"/>
-              <a:t>Fifth level</a:t>
-            </a:r>
-            <a:endParaRPr lang="en-US"/>
-          </a:p>
-        </p:txBody>
-      </p:sp>
-      <p:sp>
-        <p:nvSpPr>
-          <p:cNvPr id="4" name="Date Placeholder 3"/>
-          <p:cNvSpPr>
-            <a:spLocks noGrp="1"/>
-          </p:cNvSpPr>
-          <p:nvPr>
-            <p:ph type="dt" sz="half" idx="10"/>
-          </p:nvPr>
-        </p:nvSpPr>
-        <p:spPr/>
-        <p:txBody>
-          <a:bodyPr/>
-          <a:lstStyle/>
-          <a:p>
-            <a:fld id="{9A747D58-C4B8-4EBF-AA0E-4B6CAC6BD772}" type="datetimeFigureOut">
-              <a:rPr lang="en-US" smtClean="0"/>
-              <a:t>7/16/2015</a:t>
-            </a:fld>
-            <a:endParaRPr lang="en-US"/>
-          </a:p>
-        </p:txBody>
-      </p:sp>
-      <p:sp>
-        <p:nvSpPr>
-          <p:cNvPr id="5" name="Footer Placeholder 4"/>
-          <p:cNvSpPr>
-            <a:spLocks noGrp="1"/>
-          </p:cNvSpPr>
-          <p:nvPr>
-            <p:ph type="ftr" sz="quarter" idx="11"/>
-          </p:nvPr>
-        </p:nvSpPr>
-        <p:spPr/>
-        <p:txBody>
-          <a:bodyPr/>
-          <a:lstStyle/>
-          <a:p>
-            <a:endParaRPr lang="en-US"/>
-          </a:p>
-        </p:txBody>
-      </p:sp>
-      <p:sp>
-        <p:nvSpPr>
-          <p:cNvPr id="6" name="Slide Number Placeholder 5"/>
-          <p:cNvSpPr>
-            <a:spLocks noGrp="1"/>
-          </p:cNvSpPr>
-          <p:nvPr>
-            <p:ph type="sldNum" sz="quarter" idx="12"/>
-          </p:nvPr>
-        </p:nvSpPr>
-        <p:spPr/>
-        <p:txBody>
-          <a:bodyPr/>
-          <a:lstStyle/>
-          <a:p>
-            <a:fld id="{79A5C501-14B0-46FA-A414-1BBA6B8F6F07}" type="slidenum">
-              <a:rPr lang="en-US" smtClean="0"/>
-              <a:t>‹#›</a:t>
-            </a:fld>
-            <a:endParaRPr lang="en-US"/>
-          </a:p>
-        </p:txBody>
-      </p:sp>
-    </p:spTree>
-    <p:extLst>
-      <p:ext uri="{BB962C8B-B14F-4D97-AF65-F5344CB8AC3E}">
-        <p14:creationId xmlns:p14="http://schemas.microsoft.com/office/powerpoint/2010/main" val="518785138"/>
-      </p:ext>
-    </p:extLst>
-  </p:cSld>
-  <p:clrMapOvr>
-    <a:masterClrMapping/>
-  </p:clrMapOvr>
-</p:sldLayout>
-</file>
-
-<file path=ppt/slideLayouts/slideLayout20.xml><?xml version="1.0" encoding="utf-8"?>
-<p:sldLayout xmlns:a="http://schemas.openxmlformats.org/drawingml/2006/main" xmlns:r="http://schemas.openxmlformats.org/officeDocument/2006/relationships" xmlns:p="http://schemas.openxmlformats.org/presentationml/2006/main" type="picTx" preserve="1">
-  <p:cSld name="Picture with Caption">
-    <p:spTree>
-      <p:nvGrpSpPr>
-        <p:cNvPr id="1" name=""/>
-        <p:cNvGrpSpPr/>
-        <p:nvPr/>
-      </p:nvGrpSpPr>
-      <p:grpSpPr>
-        <a:xfrm>
-          <a:off x="0" y="0"/>
-          <a:ext cx="0" cy="0"/>
-          <a:chOff x="0" y="0"/>
-          <a:chExt cx="0" cy="0"/>
-        </a:xfrm>
-      </p:grpSpPr>
-      <p:sp>
-        <p:nvSpPr>
-          <p:cNvPr id="2" name="Title 1"/>
-          <p:cNvSpPr>
-            <a:spLocks noGrp="1"/>
-          </p:cNvSpPr>
-          <p:nvPr>
-            <p:ph type="title"/>
-          </p:nvPr>
-        </p:nvSpPr>
-        <p:spPr>
-          <a:xfrm>
-            <a:off x="2589213" y="4800600"/>
-            <a:ext cx="8915400" cy="566738"/>
-          </a:xfrm>
-        </p:spPr>
-        <p:txBody>
-          <a:bodyPr anchor="b">
-            <a:normAutofit/>
-          </a:bodyPr>
-          <a:lstStyle>
-            <a:lvl1pPr algn="l">
-              <a:defRPr sz="2400" b="0"/>
-            </a:lvl1pPr>
-          </a:lstStyle>
-          <a:p>
-            <a:r>
-              <a:rPr lang="en-US" smtClean="0"/>
-              <a:t>Click to edit Master title style</a:t>
-            </a:r>
-            <a:endParaRPr lang="en-US" dirty="0"/>
-          </a:p>
-        </p:txBody>
-      </p:sp>
-      <p:sp>
-        <p:nvSpPr>
-          <p:cNvPr id="3" name="Picture Placeholder 2"/>
-          <p:cNvSpPr>
-            <a:spLocks noGrp="1" noChangeAspect="1"/>
-          </p:cNvSpPr>
-          <p:nvPr>
-            <p:ph type="pic" idx="1"/>
-          </p:nvPr>
-        </p:nvSpPr>
-        <p:spPr>
-          <a:xfrm>
-            <a:off x="2589212" y="634965"/>
-            <a:ext cx="8915400" cy="3854970"/>
-          </a:xfrm>
-        </p:spPr>
-        <p:txBody>
-          <a:bodyPr anchor="t">
-            <a:normAutofit/>
-          </a:bodyPr>
-          <a:lstStyle>
-            <a:lvl1pPr marL="0" indent="0" algn="ctr">
-              <a:buNone/>
-              <a:defRPr sz="1600"/>
-            </a:lvl1pPr>
-            <a:lvl2pPr marL="457200" indent="0">
-              <a:buNone/>
-              <a:defRPr sz="1600"/>
-            </a:lvl2pPr>
-            <a:lvl3pPr marL="914400" indent="0">
-              <a:buNone/>
-              <a:defRPr sz="1600"/>
-            </a:lvl3pPr>
-            <a:lvl4pPr marL="1371600" indent="0">
-              <a:buNone/>
-              <a:defRPr sz="1600"/>
-            </a:lvl4pPr>
-            <a:lvl5pPr marL="1828800" indent="0">
-              <a:buNone/>
-              <a:defRPr sz="1600"/>
-            </a:lvl5pPr>
-            <a:lvl6pPr marL="2286000" indent="0">
-              <a:buNone/>
-              <a:defRPr sz="1600"/>
-            </a:lvl6pPr>
-            <a:lvl7pPr marL="2743200" indent="0">
-              <a:buNone/>
-              <a:defRPr sz="1600"/>
-            </a:lvl7pPr>
-            <a:lvl8pPr marL="3200400" indent="0">
-              <a:buNone/>
-              <a:defRPr sz="1600"/>
-            </a:lvl8pPr>
-            <a:lvl9pPr marL="3657600" indent="0">
-              <a:buNone/>
-              <a:defRPr sz="1600"/>
-            </a:lvl9pPr>
-          </a:lstStyle>
-          <a:p>
-            <a:r>
-              <a:rPr lang="en-US" smtClean="0"/>
-              <a:t>Click icon to add picture</a:t>
-            </a:r>
-            <a:endParaRPr lang="en-US" dirty="0"/>
-          </a:p>
-        </p:txBody>
-      </p:sp>
-      <p:sp>
-        <p:nvSpPr>
-          <p:cNvPr id="4" name="Text Placeholder 3"/>
-          <p:cNvSpPr>
-            <a:spLocks noGrp="1"/>
-          </p:cNvSpPr>
-          <p:nvPr>
-            <p:ph type="body" sz="half" idx="2"/>
-          </p:nvPr>
-        </p:nvSpPr>
-        <p:spPr>
-          <a:xfrm>
-            <a:off x="2589213" y="5367338"/>
-            <a:ext cx="8915400" cy="493712"/>
-          </a:xfrm>
-        </p:spPr>
-        <p:txBody>
-          <a:bodyPr>
-            <a:normAutofit/>
-          </a:bodyPr>
-          <a:lstStyle>
-            <a:lvl1pPr marL="0" indent="0">
-              <a:buNone/>
-              <a:defRPr sz="1200"/>
-            </a:lvl1pPr>
-            <a:lvl2pPr marL="457200" indent="0">
-              <a:buNone/>
-              <a:defRPr sz="1200"/>
-            </a:lvl2pPr>
-            <a:lvl3pPr marL="914400" indent="0">
-              <a:buNone/>
-              <a:defRPr sz="1000"/>
-            </a:lvl3pPr>
-            <a:lvl4pPr marL="1371600" indent="0">
-              <a:buNone/>
-              <a:defRPr sz="900"/>
-            </a:lvl4pPr>
-            <a:lvl5pPr marL="1828800" indent="0">
-              <a:buNone/>
-              <a:defRPr sz="900"/>
-            </a:lvl5pPr>
-            <a:lvl6pPr marL="2286000" indent="0">
-              <a:buNone/>
-              <a:defRPr sz="900"/>
-            </a:lvl6pPr>
-            <a:lvl7pPr marL="2743200" indent="0">
-              <a:buNone/>
-              <a:defRPr sz="900"/>
-            </a:lvl7pPr>
-            <a:lvl8pPr marL="3200400" indent="0">
-              <a:buNone/>
-              <a:defRPr sz="900"/>
-            </a:lvl8pPr>
-            <a:lvl9pPr marL="3657600" indent="0">
-              <a:buNone/>
-              <a:defRPr sz="900"/>
-            </a:lvl9pPr>
-          </a:lstStyle>
-          <a:p>
-            <a:pPr lvl="0"/>
-            <a:r>
-              <a:rPr lang="en-US" smtClean="0"/>
-              <a:t>Click to edit Master text styles</a:t>
-            </a:r>
-          </a:p>
-        </p:txBody>
-      </p:sp>
-      <p:sp>
-        <p:nvSpPr>
-          <p:cNvPr id="5" name="Date Placeholder 4"/>
-          <p:cNvSpPr>
-            <a:spLocks noGrp="1"/>
-          </p:cNvSpPr>
-          <p:nvPr>
-            <p:ph type="dt" sz="half" idx="10"/>
-          </p:nvPr>
-        </p:nvSpPr>
-        <p:spPr/>
-        <p:txBody>
-          <a:bodyPr/>
-          <a:lstStyle/>
-          <a:p>
-            <a:fld id="{9E8EC8DB-5F3C-451F-A897-4B94E2F94A3E}" type="datetimeFigureOut">
-              <a:rPr lang="en-US" smtClean="0">
-                <a:solidFill>
-                  <a:prstClr val="black">
-                    <a:tint val="75000"/>
-                  </a:prstClr>
-                </a:solidFill>
-              </a:rPr>
-              <a:pPr/>
-              <a:t>7/16/2015</a:t>
-            </a:fld>
-            <a:endParaRPr lang="en-US">
-              <a:solidFill>
-                <a:prstClr val="black">
-                  <a:tint val="75000"/>
-                </a:prstClr>
-              </a:solidFill>
-            </a:endParaRPr>
-          </a:p>
-        </p:txBody>
-      </p:sp>
-      <p:sp>
-        <p:nvSpPr>
-          <p:cNvPr id="6" name="Footer Placeholder 5"/>
-          <p:cNvSpPr>
-            <a:spLocks noGrp="1"/>
-          </p:cNvSpPr>
-          <p:nvPr>
-            <p:ph type="ftr" sz="quarter" idx="11"/>
-          </p:nvPr>
-        </p:nvSpPr>
-        <p:spPr/>
-        <p:txBody>
-          <a:bodyPr/>
-          <a:lstStyle/>
-          <a:p>
-            <a:endParaRPr lang="en-US">
-              <a:solidFill>
-                <a:prstClr val="black">
-                  <a:tint val="75000"/>
-                </a:prstClr>
-              </a:solidFill>
-            </a:endParaRPr>
-          </a:p>
-        </p:txBody>
-      </p:sp>
-      <p:sp>
-        <p:nvSpPr>
-          <p:cNvPr id="9" name="Freeform 11"/>
-          <p:cNvSpPr/>
-          <p:nvPr/>
-        </p:nvSpPr>
-        <p:spPr bwMode="auto">
-          <a:xfrm flipV="1">
-            <a:off x="-4189" y="4911725"/>
-            <a:ext cx="1588527" cy="507297"/>
-          </a:xfrm>
-          <a:custGeom>
-            <a:avLst/>
-            <a:gdLst/>
-            <a:ahLst/>
-            <a:cxnLst/>
-            <a:rect l="l" t="t" r="r" b="b"/>
-            <a:pathLst>
-              <a:path w="9248" h="10000">
-                <a:moveTo>
-                  <a:pt x="9248" y="4701"/>
-                </a:moveTo>
-                <a:lnTo>
-                  <a:pt x="7915" y="188"/>
-                </a:lnTo>
-                <a:cubicBezTo>
-                  <a:pt x="7906" y="156"/>
-                  <a:pt x="7895" y="126"/>
-                  <a:pt x="7886" y="94"/>
-                </a:cubicBezTo>
-                <a:cubicBezTo>
-                  <a:pt x="7859" y="0"/>
-                  <a:pt x="7831" y="0"/>
-                  <a:pt x="7803" y="0"/>
-                </a:cubicBezTo>
-                <a:lnTo>
-                  <a:pt x="7275" y="0"/>
-                </a:lnTo>
-                <a:lnTo>
-                  <a:pt x="0" y="70"/>
-                </a:lnTo>
-                <a:cubicBezTo>
-                  <a:pt x="8" y="3380"/>
-                  <a:pt x="17" y="6690"/>
-                  <a:pt x="25" y="10000"/>
-                </a:cubicBezTo>
-                <a:lnTo>
-                  <a:pt x="7275" y="9966"/>
-                </a:lnTo>
-                <a:lnTo>
-                  <a:pt x="7803" y="9966"/>
-                </a:lnTo>
-                <a:cubicBezTo>
-                  <a:pt x="7831" y="9966"/>
-                  <a:pt x="7859" y="9872"/>
-                  <a:pt x="7886" y="9872"/>
-                </a:cubicBezTo>
-                <a:cubicBezTo>
-                  <a:pt x="7886" y="9778"/>
-                  <a:pt x="7915" y="9778"/>
-                  <a:pt x="7915" y="9778"/>
-                </a:cubicBezTo>
-                <a:lnTo>
-                  <a:pt x="9248" y="5265"/>
-                </a:lnTo>
-                <a:cubicBezTo>
-                  <a:pt x="9303" y="5077"/>
-                  <a:pt x="9303" y="4889"/>
-                  <a:pt x="9248" y="4701"/>
-                </a:cubicBezTo>
-                <a:close/>
-              </a:path>
-            </a:pathLst>
-          </a:custGeom>
-          <a:solidFill>
-            <a:schemeClr val="accent1"/>
-          </a:solidFill>
-          <a:ln>
-            <a:noFill/>
-          </a:ln>
-        </p:spPr>
-      </p:sp>
-      <p:sp>
-        <p:nvSpPr>
-          <p:cNvPr id="7" name="Slide Number Placeholder 6"/>
-          <p:cNvSpPr>
-            <a:spLocks noGrp="1"/>
-          </p:cNvSpPr>
-          <p:nvPr>
-            <p:ph type="sldNum" sz="quarter" idx="12"/>
-          </p:nvPr>
-        </p:nvSpPr>
-        <p:spPr>
-          <a:xfrm>
-            <a:off x="531812" y="4983087"/>
-            <a:ext cx="779767" cy="365125"/>
-          </a:xfrm>
-        </p:spPr>
-        <p:txBody>
-          <a:bodyPr/>
-          <a:lstStyle/>
-          <a:p>
-            <a:fld id="{39127A14-E890-4C54-AB41-3BDDA076A8E0}" type="slidenum">
-              <a:rPr lang="en-US" smtClean="0"/>
-              <a:pPr/>
-              <a:t>‹#›</a:t>
-            </a:fld>
-            <a:endParaRPr lang="en-US"/>
-          </a:p>
-        </p:txBody>
-      </p:sp>
-    </p:spTree>
-    <p:extLst>
-      <p:ext uri="{BB962C8B-B14F-4D97-AF65-F5344CB8AC3E}">
-        <p14:creationId xmlns:p14="http://schemas.microsoft.com/office/powerpoint/2010/main" val="4034315469"/>
-      </p:ext>
-    </p:extLst>
-  </p:cSld>
-  <p:clrMapOvr>
-    <a:masterClrMapping/>
-  </p:clrMapOvr>
-</p:sldLayout>
-</file>
-
-<file path=ppt/slideLayouts/slideLayout21.xml><?xml version="1.0" encoding="utf-8"?>
+<file path=ppt/slideLayouts/slideLayout10.xml><?xml version="1.0" encoding="utf-8"?>
 <p:sldLayout xmlns:a="http://schemas.openxmlformats.org/drawingml/2006/main" xmlns:r="http://schemas.openxmlformats.org/officeDocument/2006/relationships" xmlns:p="http://schemas.openxmlformats.org/presentationml/2006/main" preserve="1">
   <p:cSld name="Title and Caption">
     <p:spTree>
@@ -7250,7 +3962,7 @@
                 </a:solidFill>
               </a:rPr>
               <a:pPr/>
-              <a:t>7/16/2015</a:t>
+              <a:t>7/17/2015</a:t>
             </a:fld>
             <a:endParaRPr lang="en-US">
               <a:solidFill>
@@ -7411,7 +4123,7 @@
 </p:sldLayout>
 </file>
 
-<file path=ppt/slideLayouts/slideLayout22.xml><?xml version="1.0" encoding="utf-8"?>
+<file path=ppt/slideLayouts/slideLayout11.xml><?xml version="1.0" encoding="utf-8"?>
 <p:sldLayout xmlns:a="http://schemas.openxmlformats.org/drawingml/2006/main" xmlns:r="http://schemas.openxmlformats.org/officeDocument/2006/relationships" xmlns:p="http://schemas.openxmlformats.org/presentationml/2006/main" preserve="1">
   <p:cSld name="Quote with Caption">
     <p:spTree>
@@ -7671,7 +4383,7 @@
                 </a:solidFill>
               </a:rPr>
               <a:pPr/>
-              <a:t>7/16/2015</a:t>
+              <a:t>7/17/2015</a:t>
             </a:fld>
             <a:endParaRPr lang="en-US">
               <a:solidFill>
@@ -7904,7 +4616,7 @@
 </p:sldLayout>
 </file>
 
-<file path=ppt/slideLayouts/slideLayout23.xml><?xml version="1.0" encoding="utf-8"?>
+<file path=ppt/slideLayouts/slideLayout12.xml><?xml version="1.0" encoding="utf-8"?>
 <p:sldLayout xmlns:a="http://schemas.openxmlformats.org/drawingml/2006/main" xmlns:r="http://schemas.openxmlformats.org/officeDocument/2006/relationships" xmlns:p="http://schemas.openxmlformats.org/presentationml/2006/main" preserve="1">
   <p:cSld name="Name Card">
     <p:spTree>
@@ -8023,7 +4735,7 @@
                 </a:solidFill>
               </a:rPr>
               <a:pPr/>
-              <a:t>7/16/2015</a:t>
+              <a:t>7/17/2015</a:t>
             </a:fld>
             <a:endParaRPr lang="en-US">
               <a:solidFill>
@@ -8184,7 +4896,7 @@
 </p:sldLayout>
 </file>
 
-<file path=ppt/slideLayouts/slideLayout24.xml><?xml version="1.0" encoding="utf-8"?>
+<file path=ppt/slideLayouts/slideLayout13.xml><?xml version="1.0" encoding="utf-8"?>
 <p:sldLayout xmlns:a="http://schemas.openxmlformats.org/drawingml/2006/main" xmlns:r="http://schemas.openxmlformats.org/officeDocument/2006/relationships" xmlns:p="http://schemas.openxmlformats.org/presentationml/2006/main" preserve="1">
   <p:cSld name="Quote Name Card">
     <p:spTree>
@@ -8363,7 +5075,7 @@
                 </a:solidFill>
               </a:rPr>
               <a:pPr/>
-              <a:t>7/16/2015</a:t>
+              <a:t>7/17/2015</a:t>
             </a:fld>
             <a:endParaRPr lang="en-US">
               <a:solidFill>
@@ -8596,7 +5308,7 @@
 </p:sldLayout>
 </file>
 
-<file path=ppt/slideLayouts/slideLayout25.xml><?xml version="1.0" encoding="utf-8"?>
+<file path=ppt/slideLayouts/slideLayout14.xml><?xml version="1.0" encoding="utf-8"?>
 <p:sldLayout xmlns:a="http://schemas.openxmlformats.org/drawingml/2006/main" xmlns:r="http://schemas.openxmlformats.org/officeDocument/2006/relationships" xmlns:p="http://schemas.openxmlformats.org/presentationml/2006/main" preserve="1">
   <p:cSld name="True or False">
     <p:spTree>
@@ -8775,7 +5487,7 @@
                 </a:solidFill>
               </a:rPr>
               <a:pPr/>
-              <a:t>7/16/2015</a:t>
+              <a:t>7/17/2015</a:t>
             </a:fld>
             <a:endParaRPr lang="en-US">
               <a:solidFill>
@@ -8936,7 +5648,7 @@
 </p:sldLayout>
 </file>
 
-<file path=ppt/slideLayouts/slideLayout26.xml><?xml version="1.0" encoding="utf-8"?>
+<file path=ppt/slideLayouts/slideLayout15.xml><?xml version="1.0" encoding="utf-8"?>
 <p:sldLayout xmlns:a="http://schemas.openxmlformats.org/drawingml/2006/main" xmlns:r="http://schemas.openxmlformats.org/officeDocument/2006/relationships" xmlns:p="http://schemas.openxmlformats.org/presentationml/2006/main" type="vertTx" preserve="1">
   <p:cSld name="Title and Vertical Text">
     <p:spTree>
@@ -9052,7 +5764,7 @@
                 </a:solidFill>
               </a:rPr>
               <a:pPr/>
-              <a:t>7/16/2015</a:t>
+              <a:t>7/17/2015</a:t>
             </a:fld>
             <a:endParaRPr lang="en-US">
               <a:solidFill>
@@ -9208,7 +5920,7 @@
 </p:sldLayout>
 </file>
 
-<file path=ppt/slideLayouts/slideLayout27.xml><?xml version="1.0" encoding="utf-8"?>
+<file path=ppt/slideLayouts/slideLayout16.xml><?xml version="1.0" encoding="utf-8"?>
 <p:sldLayout xmlns:a="http://schemas.openxmlformats.org/drawingml/2006/main" xmlns:r="http://schemas.openxmlformats.org/officeDocument/2006/relationships" xmlns:p="http://schemas.openxmlformats.org/presentationml/2006/main" type="vertTitleAndTx" preserve="1">
   <p:cSld name="Vertical Title and Text">
     <p:spTree>
@@ -9334,7 +6046,7 @@
                 </a:solidFill>
               </a:rPr>
               <a:pPr/>
-              <a:t>7/16/2015</a:t>
+              <a:t>7/17/2015</a:t>
             </a:fld>
             <a:endParaRPr lang="en-US">
               <a:solidFill>
@@ -9490,6 +6202,288 @@
 </p:sldLayout>
 </file>
 
+<file path=ppt/slideLayouts/slideLayout2.xml><?xml version="1.0" encoding="utf-8"?>
+<p:sldLayout xmlns:a="http://schemas.openxmlformats.org/drawingml/2006/main" xmlns:r="http://schemas.openxmlformats.org/officeDocument/2006/relationships" xmlns:p="http://schemas.openxmlformats.org/presentationml/2006/main" type="obj" preserve="1">
+  <p:cSld name="Title and Content">
+    <p:spTree>
+      <p:nvGrpSpPr>
+        <p:cNvPr id="1" name=""/>
+        <p:cNvGrpSpPr/>
+        <p:nvPr/>
+      </p:nvGrpSpPr>
+      <p:grpSpPr>
+        <a:xfrm>
+          <a:off x="0" y="0"/>
+          <a:ext cx="0" cy="0"/>
+          <a:chOff x="0" y="0"/>
+          <a:chExt cx="0" cy="0"/>
+        </a:xfrm>
+      </p:grpSpPr>
+      <p:sp>
+        <p:nvSpPr>
+          <p:cNvPr id="2" name="Title 1"/>
+          <p:cNvSpPr>
+            <a:spLocks noGrp="1"/>
+          </p:cNvSpPr>
+          <p:nvPr>
+            <p:ph type="title"/>
+          </p:nvPr>
+        </p:nvSpPr>
+        <p:spPr>
+          <a:xfrm>
+            <a:off x="2592925" y="624110"/>
+            <a:ext cx="8911687" cy="1280890"/>
+          </a:xfrm>
+        </p:spPr>
+        <p:txBody>
+          <a:bodyPr/>
+          <a:lstStyle/>
+          <a:p>
+            <a:r>
+              <a:rPr lang="en-US" smtClean="0"/>
+              <a:t>Click to edit Master title style</a:t>
+            </a:r>
+            <a:endParaRPr lang="en-US" dirty="0"/>
+          </a:p>
+        </p:txBody>
+      </p:sp>
+      <p:sp>
+        <p:nvSpPr>
+          <p:cNvPr id="3" name="Content Placeholder 2"/>
+          <p:cNvSpPr>
+            <a:spLocks noGrp="1"/>
+          </p:cNvSpPr>
+          <p:nvPr>
+            <p:ph idx="1"/>
+          </p:nvPr>
+        </p:nvSpPr>
+        <p:spPr>
+          <a:xfrm>
+            <a:off x="2589212" y="2133600"/>
+            <a:ext cx="8915400" cy="3777622"/>
+          </a:xfrm>
+        </p:spPr>
+        <p:txBody>
+          <a:bodyPr/>
+          <a:lstStyle/>
+          <a:p>
+            <a:pPr lvl="0"/>
+            <a:r>
+              <a:rPr lang="en-US" smtClean="0"/>
+              <a:t>Click to edit Master text styles</a:t>
+            </a:r>
+          </a:p>
+          <a:p>
+            <a:pPr lvl="1"/>
+            <a:r>
+              <a:rPr lang="en-US" smtClean="0"/>
+              <a:t>Second level</a:t>
+            </a:r>
+          </a:p>
+          <a:p>
+            <a:pPr lvl="2"/>
+            <a:r>
+              <a:rPr lang="en-US" smtClean="0"/>
+              <a:t>Third level</a:t>
+            </a:r>
+          </a:p>
+          <a:p>
+            <a:pPr lvl="3"/>
+            <a:r>
+              <a:rPr lang="en-US" smtClean="0"/>
+              <a:t>Fourth level</a:t>
+            </a:r>
+          </a:p>
+          <a:p>
+            <a:pPr lvl="4"/>
+            <a:r>
+              <a:rPr lang="en-US" smtClean="0"/>
+              <a:t>Fifth level</a:t>
+            </a:r>
+            <a:endParaRPr lang="en-US" dirty="0"/>
+          </a:p>
+        </p:txBody>
+      </p:sp>
+      <p:sp>
+        <p:nvSpPr>
+          <p:cNvPr id="4" name="Date Placeholder 3"/>
+          <p:cNvSpPr>
+            <a:spLocks noGrp="1"/>
+          </p:cNvSpPr>
+          <p:nvPr>
+            <p:ph type="dt" sz="half" idx="10"/>
+          </p:nvPr>
+        </p:nvSpPr>
+        <p:spPr/>
+        <p:txBody>
+          <a:bodyPr/>
+          <a:lstStyle/>
+          <a:p>
+            <a:fld id="{9E8EC8DB-5F3C-451F-A897-4B94E2F94A3E}" type="datetimeFigureOut">
+              <a:rPr lang="en-US" smtClean="0">
+                <a:solidFill>
+                  <a:prstClr val="black">
+                    <a:tint val="75000"/>
+                  </a:prstClr>
+                </a:solidFill>
+              </a:rPr>
+              <a:pPr/>
+              <a:t>7/17/2015</a:t>
+            </a:fld>
+            <a:endParaRPr lang="en-US">
+              <a:solidFill>
+                <a:prstClr val="black">
+                  <a:tint val="75000"/>
+                </a:prstClr>
+              </a:solidFill>
+            </a:endParaRPr>
+          </a:p>
+        </p:txBody>
+      </p:sp>
+      <p:sp>
+        <p:nvSpPr>
+          <p:cNvPr id="5" name="Footer Placeholder 4"/>
+          <p:cNvSpPr>
+            <a:spLocks noGrp="1"/>
+          </p:cNvSpPr>
+          <p:nvPr>
+            <p:ph type="ftr" sz="quarter" idx="11"/>
+          </p:nvPr>
+        </p:nvSpPr>
+        <p:spPr/>
+        <p:txBody>
+          <a:bodyPr/>
+          <a:lstStyle/>
+          <a:p>
+            <a:endParaRPr lang="en-US">
+              <a:solidFill>
+                <a:prstClr val="black">
+                  <a:tint val="75000"/>
+                </a:prstClr>
+              </a:solidFill>
+            </a:endParaRPr>
+          </a:p>
+        </p:txBody>
+      </p:sp>
+      <p:sp>
+        <p:nvSpPr>
+          <p:cNvPr id="8" name="Freeform 11"/>
+          <p:cNvSpPr/>
+          <p:nvPr/>
+        </p:nvSpPr>
+        <p:spPr bwMode="auto">
+          <a:xfrm flipV="1">
+            <a:off x="-4189" y="714375"/>
+            <a:ext cx="1588527" cy="507297"/>
+          </a:xfrm>
+          <a:custGeom>
+            <a:avLst/>
+            <a:gdLst/>
+            <a:ahLst/>
+            <a:cxnLst/>
+            <a:rect l="l" t="t" r="r" b="b"/>
+            <a:pathLst>
+              <a:path w="9248" h="10000">
+                <a:moveTo>
+                  <a:pt x="9248" y="4701"/>
+                </a:moveTo>
+                <a:lnTo>
+                  <a:pt x="7915" y="188"/>
+                </a:lnTo>
+                <a:cubicBezTo>
+                  <a:pt x="7906" y="156"/>
+                  <a:pt x="7895" y="126"/>
+                  <a:pt x="7886" y="94"/>
+                </a:cubicBezTo>
+                <a:cubicBezTo>
+                  <a:pt x="7859" y="0"/>
+                  <a:pt x="7831" y="0"/>
+                  <a:pt x="7803" y="0"/>
+                </a:cubicBezTo>
+                <a:lnTo>
+                  <a:pt x="7275" y="0"/>
+                </a:lnTo>
+                <a:lnTo>
+                  <a:pt x="0" y="70"/>
+                </a:lnTo>
+                <a:cubicBezTo>
+                  <a:pt x="8" y="3380"/>
+                  <a:pt x="17" y="6690"/>
+                  <a:pt x="25" y="10000"/>
+                </a:cubicBezTo>
+                <a:lnTo>
+                  <a:pt x="7275" y="9966"/>
+                </a:lnTo>
+                <a:lnTo>
+                  <a:pt x="7803" y="9966"/>
+                </a:lnTo>
+                <a:cubicBezTo>
+                  <a:pt x="7831" y="9966"/>
+                  <a:pt x="7859" y="9872"/>
+                  <a:pt x="7886" y="9872"/>
+                </a:cubicBezTo>
+                <a:cubicBezTo>
+                  <a:pt x="7886" y="9778"/>
+                  <a:pt x="7915" y="9778"/>
+                  <a:pt x="7915" y="9778"/>
+                </a:cubicBezTo>
+                <a:lnTo>
+                  <a:pt x="9248" y="5265"/>
+                </a:lnTo>
+                <a:cubicBezTo>
+                  <a:pt x="9303" y="5077"/>
+                  <a:pt x="9303" y="4889"/>
+                  <a:pt x="9248" y="4701"/>
+                </a:cubicBezTo>
+                <a:close/>
+              </a:path>
+            </a:pathLst>
+          </a:custGeom>
+          <a:solidFill>
+            <a:schemeClr val="accent1"/>
+          </a:solidFill>
+          <a:ln>
+            <a:noFill/>
+          </a:ln>
+        </p:spPr>
+      </p:sp>
+      <p:sp>
+        <p:nvSpPr>
+          <p:cNvPr id="6" name="Slide Number Placeholder 5"/>
+          <p:cNvSpPr>
+            <a:spLocks noGrp="1"/>
+          </p:cNvSpPr>
+          <p:nvPr>
+            <p:ph type="sldNum" sz="quarter" idx="12"/>
+          </p:nvPr>
+        </p:nvSpPr>
+        <p:spPr/>
+        <p:txBody>
+          <a:bodyPr/>
+          <a:lstStyle/>
+          <a:p>
+            <a:fld id="{39127A14-E890-4C54-AB41-3BDDA076A8E0}" type="slidenum">
+              <a:rPr lang="en-US" smtClean="0"/>
+              <a:pPr/>
+              <a:t>‹#›</a:t>
+            </a:fld>
+            <a:endParaRPr lang="en-US"/>
+          </a:p>
+        </p:txBody>
+      </p:sp>
+    </p:spTree>
+    <p:extLst>
+      <p:ext uri="{BB962C8B-B14F-4D97-AF65-F5344CB8AC3E}">
+        <p14:creationId xmlns:p14="http://schemas.microsoft.com/office/powerpoint/2010/main" val="2951891843"/>
+      </p:ext>
+    </p:extLst>
+  </p:cSld>
+  <p:clrMapOvr>
+    <a:masterClrMapping/>
+  </p:clrMapOvr>
+</p:sldLayout>
+</file>
+
 <file path=ppt/slideLayouts/slideLayout3.xml><?xml version="1.0" encoding="utf-8"?>
 <p:sldLayout xmlns:a="http://schemas.openxmlformats.org/drawingml/2006/main" xmlns:r="http://schemas.openxmlformats.org/officeDocument/2006/relationships" xmlns:p="http://schemas.openxmlformats.org/presentationml/2006/main" type="secHead" preserve="1">
   <p:cSld name="Section Header">
@@ -9519,15 +6513,15 @@
         </p:nvSpPr>
         <p:spPr>
           <a:xfrm>
-            <a:off x="831850" y="1709738"/>
-            <a:ext cx="10515600" cy="2852737"/>
+            <a:off x="2589212" y="2058750"/>
+            <a:ext cx="8915399" cy="1468800"/>
           </a:xfrm>
         </p:spPr>
         <p:txBody>
           <a:bodyPr anchor="b"/>
           <a:lstStyle>
-            <a:lvl1pPr>
-              <a:defRPr sz="6000"/>
+            <a:lvl1pPr algn="l">
+              <a:defRPr sz="4000" b="0" cap="none"/>
             </a:lvl1pPr>
           </a:lstStyle>
           <a:p>
@@ -9535,7 +6529,7 @@
               <a:rPr lang="en-US" smtClean="0"/>
               <a:t>Click to edit Master title style</a:t>
             </a:r>
-            <a:endParaRPr lang="en-US"/>
+            <a:endParaRPr lang="en-US" dirty="0"/>
           </a:p>
         </p:txBody>
       </p:sp>
@@ -9551,26 +6545,27 @@
         </p:nvSpPr>
         <p:spPr>
           <a:xfrm>
-            <a:off x="831850" y="4589463"/>
-            <a:ext cx="10515600" cy="1500187"/>
+            <a:off x="2589212" y="3530129"/>
+            <a:ext cx="8915399" cy="860400"/>
           </a:xfrm>
         </p:spPr>
         <p:txBody>
-          <a:bodyPr/>
+          <a:bodyPr anchor="t"/>
           <a:lstStyle>
-            <a:lvl1pPr marL="0" indent="0">
+            <a:lvl1pPr marL="0" indent="0" algn="l">
               <a:buNone/>
-              <a:defRPr sz="2400">
+              <a:defRPr sz="2000">
                 <a:solidFill>
                   <a:schemeClr val="tx1">
-                    <a:tint val="75000"/>
+                    <a:lumMod val="65000"/>
+                    <a:lumOff val="35000"/>
                   </a:schemeClr>
                 </a:solidFill>
               </a:defRPr>
             </a:lvl1pPr>
             <a:lvl2pPr marL="457200" indent="0">
               <a:buNone/>
-              <a:defRPr sz="2000">
+              <a:defRPr sz="1800">
                 <a:solidFill>
                   <a:schemeClr val="tx1">
                     <a:tint val="75000"/>
@@ -9580,7 +6575,7 @@
             </a:lvl2pPr>
             <a:lvl3pPr marL="914400" indent="0">
               <a:buNone/>
-              <a:defRPr sz="1800">
+              <a:defRPr sz="1600">
                 <a:solidFill>
                   <a:schemeClr val="tx1">
                     <a:tint val="75000"/>
@@ -9590,7 +6585,7 @@
             </a:lvl3pPr>
             <a:lvl4pPr marL="1371600" indent="0">
               <a:buNone/>
-              <a:defRPr sz="1600">
+              <a:defRPr sz="1400">
                 <a:solidFill>
                   <a:schemeClr val="tx1">
                     <a:tint val="75000"/>
@@ -9600,7 +6595,7 @@
             </a:lvl4pPr>
             <a:lvl5pPr marL="1828800" indent="0">
               <a:buNone/>
-              <a:defRPr sz="1600">
+              <a:defRPr sz="1400">
                 <a:solidFill>
                   <a:schemeClr val="tx1">
                     <a:tint val="75000"/>
@@ -9610,7 +6605,7 @@
             </a:lvl5pPr>
             <a:lvl6pPr marL="2286000" indent="0">
               <a:buNone/>
-              <a:defRPr sz="1600">
+              <a:defRPr sz="1400">
                 <a:solidFill>
                   <a:schemeClr val="tx1">
                     <a:tint val="75000"/>
@@ -9620,7 +6615,7 @@
             </a:lvl6pPr>
             <a:lvl7pPr marL="2743200" indent="0">
               <a:buNone/>
-              <a:defRPr sz="1600">
+              <a:defRPr sz="1400">
                 <a:solidFill>
                   <a:schemeClr val="tx1">
                     <a:tint val="75000"/>
@@ -9630,7 +6625,7 @@
             </a:lvl7pPr>
             <a:lvl8pPr marL="3200400" indent="0">
               <a:buNone/>
-              <a:defRPr sz="1600">
+              <a:defRPr sz="1400">
                 <a:solidFill>
                   <a:schemeClr val="tx1">
                     <a:tint val="75000"/>
@@ -9640,7 +6635,7 @@
             </a:lvl8pPr>
             <a:lvl9pPr marL="3657600" indent="0">
               <a:buNone/>
-              <a:defRPr sz="1600">
+              <a:defRPr sz="1400">
                 <a:solidFill>
                   <a:schemeClr val="tx1">
                     <a:tint val="75000"/>
@@ -9673,11 +6668,24 @@
           <a:bodyPr/>
           <a:lstStyle/>
           <a:p>
-            <a:fld id="{9A747D58-C4B8-4EBF-AA0E-4B6CAC6BD772}" type="datetimeFigureOut">
-              <a:rPr lang="en-US" smtClean="0"/>
-              <a:t>7/16/2015</a:t>
+            <a:fld id="{9E8EC8DB-5F3C-451F-A897-4B94E2F94A3E}" type="datetimeFigureOut">
+              <a:rPr lang="en-US" smtClean="0">
+                <a:solidFill>
+                  <a:prstClr val="black">
+                    <a:tint val="75000"/>
+                  </a:prstClr>
+                </a:solidFill>
+              </a:rPr>
+              <a:pPr/>
+              <a:t>7/17/2015</a:t>
             </a:fld>
-            <a:endParaRPr lang="en-US"/>
+            <a:endParaRPr lang="en-US">
+              <a:solidFill>
+                <a:prstClr val="black">
+                  <a:tint val="75000"/>
+                </a:prstClr>
+              </a:solidFill>
+            </a:endParaRPr>
           </a:p>
         </p:txBody>
       </p:sp>
@@ -9696,9 +6704,97 @@
           <a:bodyPr/>
           <a:lstStyle/>
           <a:p>
-            <a:endParaRPr lang="en-US"/>
+            <a:endParaRPr lang="en-US">
+              <a:solidFill>
+                <a:prstClr val="black">
+                  <a:tint val="75000"/>
+                </a:prstClr>
+              </a:solidFill>
+            </a:endParaRPr>
           </a:p>
         </p:txBody>
+      </p:sp>
+      <p:sp>
+        <p:nvSpPr>
+          <p:cNvPr id="9" name="Freeform 11"/>
+          <p:cNvSpPr/>
+          <p:nvPr/>
+        </p:nvSpPr>
+        <p:spPr bwMode="auto">
+          <a:xfrm flipV="1">
+            <a:off x="-4189" y="3178175"/>
+            <a:ext cx="1588527" cy="507297"/>
+          </a:xfrm>
+          <a:custGeom>
+            <a:avLst/>
+            <a:gdLst/>
+            <a:ahLst/>
+            <a:cxnLst/>
+            <a:rect l="l" t="t" r="r" b="b"/>
+            <a:pathLst>
+              <a:path w="9248" h="10000">
+                <a:moveTo>
+                  <a:pt x="9248" y="4701"/>
+                </a:moveTo>
+                <a:lnTo>
+                  <a:pt x="7915" y="188"/>
+                </a:lnTo>
+                <a:cubicBezTo>
+                  <a:pt x="7906" y="156"/>
+                  <a:pt x="7895" y="126"/>
+                  <a:pt x="7886" y="94"/>
+                </a:cubicBezTo>
+                <a:cubicBezTo>
+                  <a:pt x="7859" y="0"/>
+                  <a:pt x="7831" y="0"/>
+                  <a:pt x="7803" y="0"/>
+                </a:cubicBezTo>
+                <a:lnTo>
+                  <a:pt x="7275" y="0"/>
+                </a:lnTo>
+                <a:lnTo>
+                  <a:pt x="0" y="70"/>
+                </a:lnTo>
+                <a:cubicBezTo>
+                  <a:pt x="8" y="3380"/>
+                  <a:pt x="17" y="6690"/>
+                  <a:pt x="25" y="10000"/>
+                </a:cubicBezTo>
+                <a:lnTo>
+                  <a:pt x="7275" y="9966"/>
+                </a:lnTo>
+                <a:lnTo>
+                  <a:pt x="7803" y="9966"/>
+                </a:lnTo>
+                <a:cubicBezTo>
+                  <a:pt x="7831" y="9966"/>
+                  <a:pt x="7859" y="9872"/>
+                  <a:pt x="7886" y="9872"/>
+                </a:cubicBezTo>
+                <a:cubicBezTo>
+                  <a:pt x="7886" y="9778"/>
+                  <a:pt x="7915" y="9778"/>
+                  <a:pt x="7915" y="9778"/>
+                </a:cubicBezTo>
+                <a:lnTo>
+                  <a:pt x="9248" y="5265"/>
+                </a:lnTo>
+                <a:cubicBezTo>
+                  <a:pt x="9303" y="5077"/>
+                  <a:pt x="9303" y="4889"/>
+                  <a:pt x="9248" y="4701"/>
+                </a:cubicBezTo>
+                <a:close/>
+              </a:path>
+            </a:pathLst>
+          </a:custGeom>
+          <a:solidFill>
+            <a:schemeClr val="accent1"/>
+          </a:solidFill>
+          <a:ln>
+            <a:noFill/>
+          </a:ln>
+        </p:spPr>
       </p:sp>
       <p:sp>
         <p:nvSpPr>
@@ -9710,13 +6806,19 @@
             <p:ph type="sldNum" sz="quarter" idx="12"/>
           </p:nvPr>
         </p:nvSpPr>
-        <p:spPr/>
+        <p:spPr>
+          <a:xfrm>
+            <a:off x="531812" y="3244139"/>
+            <a:ext cx="779767" cy="365125"/>
+          </a:xfrm>
+        </p:spPr>
         <p:txBody>
           <a:bodyPr/>
           <a:lstStyle/>
           <a:p>
-            <a:fld id="{79A5C501-14B0-46FA-A414-1BBA6B8F6F07}" type="slidenum">
+            <a:fld id="{39127A14-E890-4C54-AB41-3BDDA076A8E0}" type="slidenum">
               <a:rPr lang="en-US" smtClean="0"/>
+              <a:pPr/>
               <a:t>‹#›</a:t>
             </a:fld>
             <a:endParaRPr lang="en-US"/>
@@ -9726,7 +6828,7 @@
     </p:spTree>
     <p:extLst>
       <p:ext uri="{BB962C8B-B14F-4D97-AF65-F5344CB8AC3E}">
-        <p14:creationId xmlns:p14="http://schemas.microsoft.com/office/powerpoint/2010/main" val="3516174855"/>
+        <p14:creationId xmlns:p14="http://schemas.microsoft.com/office/powerpoint/2010/main" val="3530219676"/>
       </p:ext>
     </p:extLst>
   </p:cSld>
@@ -9755,7 +6857,7 @@
       </p:grpSpPr>
       <p:sp>
         <p:nvSpPr>
-          <p:cNvPr id="2" name="Title 1"/>
+          <p:cNvPr id="8" name="Title 7"/>
           <p:cNvSpPr>
             <a:spLocks noGrp="1"/>
           </p:cNvSpPr>
@@ -9772,7 +6874,7 @@
               <a:rPr lang="en-US" smtClean="0"/>
               <a:t>Click to edit Master title style</a:t>
             </a:r>
-            <a:endParaRPr lang="en-US"/>
+            <a:endParaRPr lang="en-US" dirty="0"/>
           </a:p>
         </p:txBody>
       </p:sp>
@@ -9788,12 +6890,14 @@
         </p:nvSpPr>
         <p:spPr>
           <a:xfrm>
-            <a:off x="838200" y="1825625"/>
-            <a:ext cx="5181600" cy="4351338"/>
+            <a:off x="2589212" y="2133600"/>
+            <a:ext cx="4313864" cy="3777622"/>
           </a:xfrm>
         </p:spPr>
         <p:txBody>
-          <a:bodyPr/>
+          <a:bodyPr>
+            <a:normAutofit/>
+          </a:bodyPr>
           <a:lstStyle/>
           <a:p>
             <a:pPr lvl="0"/>
@@ -9829,7 +6933,7 @@
               <a:rPr lang="en-US" smtClean="0"/>
               <a:t>Fifth level</a:t>
             </a:r>
-            <a:endParaRPr lang="en-US"/>
+            <a:endParaRPr lang="en-US" dirty="0"/>
           </a:p>
         </p:txBody>
       </p:sp>
@@ -9845,12 +6949,14 @@
         </p:nvSpPr>
         <p:spPr>
           <a:xfrm>
-            <a:off x="6172200" y="1825625"/>
-            <a:ext cx="5181600" cy="4351338"/>
+            <a:off x="7190747" y="2126222"/>
+            <a:ext cx="4313864" cy="3777622"/>
           </a:xfrm>
         </p:spPr>
         <p:txBody>
-          <a:bodyPr/>
+          <a:bodyPr>
+            <a:normAutofit/>
+          </a:bodyPr>
           <a:lstStyle/>
           <a:p>
             <a:pPr lvl="0"/>
@@ -9886,7 +6992,7 @@
               <a:rPr lang="en-US" smtClean="0"/>
               <a:t>Fifth level</a:t>
             </a:r>
-            <a:endParaRPr lang="en-US"/>
+            <a:endParaRPr lang="en-US" dirty="0"/>
           </a:p>
         </p:txBody>
       </p:sp>
@@ -9905,11 +7011,24 @@
           <a:bodyPr/>
           <a:lstStyle/>
           <a:p>
-            <a:fld id="{9A747D58-C4B8-4EBF-AA0E-4B6CAC6BD772}" type="datetimeFigureOut">
-              <a:rPr lang="en-US" smtClean="0"/>
-              <a:t>7/16/2015</a:t>
+            <a:fld id="{9E8EC8DB-5F3C-451F-A897-4B94E2F94A3E}" type="datetimeFigureOut">
+              <a:rPr lang="en-US" smtClean="0">
+                <a:solidFill>
+                  <a:prstClr val="black">
+                    <a:tint val="75000"/>
+                  </a:prstClr>
+                </a:solidFill>
+              </a:rPr>
+              <a:pPr/>
+              <a:t>7/17/2015</a:t>
             </a:fld>
-            <a:endParaRPr lang="en-US"/>
+            <a:endParaRPr lang="en-US">
+              <a:solidFill>
+                <a:prstClr val="black">
+                  <a:tint val="75000"/>
+                </a:prstClr>
+              </a:solidFill>
+            </a:endParaRPr>
           </a:p>
         </p:txBody>
       </p:sp>
@@ -9928,13 +7047,101 @@
           <a:bodyPr/>
           <a:lstStyle/>
           <a:p>
-            <a:endParaRPr lang="en-US"/>
+            <a:endParaRPr lang="en-US">
+              <a:solidFill>
+                <a:prstClr val="black">
+                  <a:tint val="75000"/>
+                </a:prstClr>
+              </a:solidFill>
+            </a:endParaRPr>
           </a:p>
         </p:txBody>
       </p:sp>
       <p:sp>
         <p:nvSpPr>
-          <p:cNvPr id="7" name="Slide Number Placeholder 6"/>
+          <p:cNvPr id="12" name="Freeform 11"/>
+          <p:cNvSpPr/>
+          <p:nvPr/>
+        </p:nvSpPr>
+        <p:spPr bwMode="auto">
+          <a:xfrm flipV="1">
+            <a:off x="-4189" y="714375"/>
+            <a:ext cx="1588527" cy="507297"/>
+          </a:xfrm>
+          <a:custGeom>
+            <a:avLst/>
+            <a:gdLst/>
+            <a:ahLst/>
+            <a:cxnLst/>
+            <a:rect l="l" t="t" r="r" b="b"/>
+            <a:pathLst>
+              <a:path w="9248" h="10000">
+                <a:moveTo>
+                  <a:pt x="9248" y="4701"/>
+                </a:moveTo>
+                <a:lnTo>
+                  <a:pt x="7915" y="188"/>
+                </a:lnTo>
+                <a:cubicBezTo>
+                  <a:pt x="7906" y="156"/>
+                  <a:pt x="7895" y="126"/>
+                  <a:pt x="7886" y="94"/>
+                </a:cubicBezTo>
+                <a:cubicBezTo>
+                  <a:pt x="7859" y="0"/>
+                  <a:pt x="7831" y="0"/>
+                  <a:pt x="7803" y="0"/>
+                </a:cubicBezTo>
+                <a:lnTo>
+                  <a:pt x="7275" y="0"/>
+                </a:lnTo>
+                <a:lnTo>
+                  <a:pt x="0" y="70"/>
+                </a:lnTo>
+                <a:cubicBezTo>
+                  <a:pt x="8" y="3380"/>
+                  <a:pt x="17" y="6690"/>
+                  <a:pt x="25" y="10000"/>
+                </a:cubicBezTo>
+                <a:lnTo>
+                  <a:pt x="7275" y="9966"/>
+                </a:lnTo>
+                <a:lnTo>
+                  <a:pt x="7803" y="9966"/>
+                </a:lnTo>
+                <a:cubicBezTo>
+                  <a:pt x="7831" y="9966"/>
+                  <a:pt x="7859" y="9872"/>
+                  <a:pt x="7886" y="9872"/>
+                </a:cubicBezTo>
+                <a:cubicBezTo>
+                  <a:pt x="7886" y="9778"/>
+                  <a:pt x="7915" y="9778"/>
+                  <a:pt x="7915" y="9778"/>
+                </a:cubicBezTo>
+                <a:lnTo>
+                  <a:pt x="9248" y="5265"/>
+                </a:lnTo>
+                <a:cubicBezTo>
+                  <a:pt x="9303" y="5077"/>
+                  <a:pt x="9303" y="4889"/>
+                  <a:pt x="9248" y="4701"/>
+                </a:cubicBezTo>
+                <a:close/>
+              </a:path>
+            </a:pathLst>
+          </a:custGeom>
+          <a:solidFill>
+            <a:schemeClr val="accent1"/>
+          </a:solidFill>
+          <a:ln>
+            <a:noFill/>
+          </a:ln>
+        </p:spPr>
+      </p:sp>
+      <p:sp>
+        <p:nvSpPr>
+          <p:cNvPr id="13" name="Slide Number Placeholder 5"/>
           <p:cNvSpPr>
             <a:spLocks noGrp="1"/>
           </p:cNvSpPr>
@@ -9942,13 +7149,19 @@
             <p:ph type="sldNum" sz="quarter" idx="12"/>
           </p:nvPr>
         </p:nvSpPr>
-        <p:spPr/>
+        <p:spPr>
+          <a:xfrm>
+            <a:off x="531812" y="787782"/>
+            <a:ext cx="779767" cy="365125"/>
+          </a:xfrm>
+        </p:spPr>
         <p:txBody>
           <a:bodyPr/>
           <a:lstStyle/>
           <a:p>
-            <a:fld id="{79A5C501-14B0-46FA-A414-1BBA6B8F6F07}" type="slidenum">
+            <a:fld id="{39127A14-E890-4C54-AB41-3BDDA076A8E0}" type="slidenum">
               <a:rPr lang="en-US" smtClean="0"/>
+              <a:pPr/>
               <a:t>‹#›</a:t>
             </a:fld>
             <a:endParaRPr lang="en-US"/>
@@ -9958,7 +7171,7 @@
     </p:spTree>
     <p:extLst>
       <p:ext uri="{BB962C8B-B14F-4D97-AF65-F5344CB8AC3E}">
-        <p14:creationId xmlns:p14="http://schemas.microsoft.com/office/powerpoint/2010/main" val="1650520328"/>
+        <p14:creationId xmlns:p14="http://schemas.microsoft.com/office/powerpoint/2010/main" val="1527857183"/>
       </p:ext>
     </p:extLst>
   </p:cSld>
@@ -9987,7 +7200,7 @@
       </p:grpSpPr>
       <p:sp>
         <p:nvSpPr>
-          <p:cNvPr id="2" name="Title 1"/>
+          <p:cNvPr id="10" name="Title 9"/>
           <p:cNvSpPr>
             <a:spLocks noGrp="1"/>
           </p:cNvSpPr>
@@ -9995,12 +7208,7 @@
             <p:ph type="title"/>
           </p:nvPr>
         </p:nvSpPr>
-        <p:spPr>
-          <a:xfrm>
-            <a:off x="839788" y="365125"/>
-            <a:ext cx="10515600" cy="1325563"/>
-          </a:xfrm>
-        </p:spPr>
+        <p:spPr/>
         <p:txBody>
           <a:bodyPr/>
           <a:lstStyle/>
@@ -10009,7 +7217,7 @@
               <a:rPr lang="en-US" smtClean="0"/>
               <a:t>Click to edit Master title style</a:t>
             </a:r>
-            <a:endParaRPr lang="en-US"/>
+            <a:endParaRPr lang="en-US" dirty="0"/>
           </a:p>
         </p:txBody>
       </p:sp>
@@ -10025,16 +7233,18 @@
         </p:nvSpPr>
         <p:spPr>
           <a:xfrm>
-            <a:off x="839788" y="1681163"/>
-            <a:ext cx="5157787" cy="823912"/>
+            <a:off x="2939373" y="1972703"/>
+            <a:ext cx="3992732" cy="576262"/>
           </a:xfrm>
         </p:spPr>
         <p:txBody>
-          <a:bodyPr anchor="b"/>
+          <a:bodyPr anchor="b">
+            <a:noAutofit/>
+          </a:bodyPr>
           <a:lstStyle>
             <a:lvl1pPr marL="0" indent="0">
               <a:buNone/>
-              <a:defRPr sz="2400" b="1"/>
+              <a:defRPr sz="2400" b="0"/>
             </a:lvl1pPr>
             <a:lvl2pPr marL="457200" indent="0">
               <a:buNone/>
@@ -10090,12 +7300,14 @@
         </p:nvSpPr>
         <p:spPr>
           <a:xfrm>
-            <a:off x="839788" y="2505075"/>
-            <a:ext cx="5157787" cy="3684588"/>
+            <a:off x="2589212" y="2548966"/>
+            <a:ext cx="4342893" cy="3354060"/>
           </a:xfrm>
         </p:spPr>
         <p:txBody>
-          <a:bodyPr/>
+          <a:bodyPr>
+            <a:normAutofit/>
+          </a:bodyPr>
           <a:lstStyle/>
           <a:p>
             <a:pPr lvl="0"/>
@@ -10131,7 +7343,7 @@
               <a:rPr lang="en-US" smtClean="0"/>
               <a:t>Fifth level</a:t>
             </a:r>
-            <a:endParaRPr lang="en-US"/>
+            <a:endParaRPr lang="en-US" dirty="0"/>
           </a:p>
         </p:txBody>
       </p:sp>
@@ -10147,16 +7359,18 @@
         </p:nvSpPr>
         <p:spPr>
           <a:xfrm>
-            <a:off x="6172200" y="1681163"/>
-            <a:ext cx="5183188" cy="823912"/>
+            <a:off x="7506629" y="1969475"/>
+            <a:ext cx="3999001" cy="576262"/>
           </a:xfrm>
         </p:spPr>
         <p:txBody>
-          <a:bodyPr anchor="b"/>
+          <a:bodyPr anchor="b">
+            <a:noAutofit/>
+          </a:bodyPr>
           <a:lstStyle>
             <a:lvl1pPr marL="0" indent="0">
               <a:buNone/>
-              <a:defRPr sz="2400" b="1"/>
+              <a:defRPr sz="2400" b="0"/>
             </a:lvl1pPr>
             <a:lvl2pPr marL="457200" indent="0">
               <a:buNone/>
@@ -10212,12 +7426,14 @@
         </p:nvSpPr>
         <p:spPr>
           <a:xfrm>
-            <a:off x="6172200" y="2505075"/>
-            <a:ext cx="5183188" cy="3684588"/>
+            <a:off x="7166957" y="2545738"/>
+            <a:ext cx="4338674" cy="3354060"/>
           </a:xfrm>
         </p:spPr>
         <p:txBody>
-          <a:bodyPr/>
+          <a:bodyPr>
+            <a:normAutofit/>
+          </a:bodyPr>
           <a:lstStyle/>
           <a:p>
             <a:pPr lvl="0"/>
@@ -10253,7 +7469,7 @@
               <a:rPr lang="en-US" smtClean="0"/>
               <a:t>Fifth level</a:t>
             </a:r>
-            <a:endParaRPr lang="en-US"/>
+            <a:endParaRPr lang="en-US" dirty="0"/>
           </a:p>
         </p:txBody>
       </p:sp>
@@ -10272,11 +7488,24 @@
           <a:bodyPr/>
           <a:lstStyle/>
           <a:p>
-            <a:fld id="{9A747D58-C4B8-4EBF-AA0E-4B6CAC6BD772}" type="datetimeFigureOut">
-              <a:rPr lang="en-US" smtClean="0"/>
-              <a:t>7/16/2015</a:t>
+            <a:fld id="{9E8EC8DB-5F3C-451F-A897-4B94E2F94A3E}" type="datetimeFigureOut">
+              <a:rPr lang="en-US" smtClean="0">
+                <a:solidFill>
+                  <a:prstClr val="black">
+                    <a:tint val="75000"/>
+                  </a:prstClr>
+                </a:solidFill>
+              </a:rPr>
+              <a:pPr/>
+              <a:t>7/17/2015</a:t>
             </a:fld>
-            <a:endParaRPr lang="en-US"/>
+            <a:endParaRPr lang="en-US">
+              <a:solidFill>
+                <a:prstClr val="black">
+                  <a:tint val="75000"/>
+                </a:prstClr>
+              </a:solidFill>
+            </a:endParaRPr>
           </a:p>
         </p:txBody>
       </p:sp>
@@ -10295,13 +7524,101 @@
           <a:bodyPr/>
           <a:lstStyle/>
           <a:p>
-            <a:endParaRPr lang="en-US"/>
+            <a:endParaRPr lang="en-US">
+              <a:solidFill>
+                <a:prstClr val="black">
+                  <a:tint val="75000"/>
+                </a:prstClr>
+              </a:solidFill>
+            </a:endParaRPr>
           </a:p>
         </p:txBody>
       </p:sp>
       <p:sp>
         <p:nvSpPr>
-          <p:cNvPr id="9" name="Slide Number Placeholder 8"/>
+          <p:cNvPr id="12" name="Freeform 11"/>
+          <p:cNvSpPr/>
+          <p:nvPr/>
+        </p:nvSpPr>
+        <p:spPr bwMode="auto">
+          <a:xfrm flipV="1">
+            <a:off x="-4189" y="714375"/>
+            <a:ext cx="1588527" cy="507297"/>
+          </a:xfrm>
+          <a:custGeom>
+            <a:avLst/>
+            <a:gdLst/>
+            <a:ahLst/>
+            <a:cxnLst/>
+            <a:rect l="l" t="t" r="r" b="b"/>
+            <a:pathLst>
+              <a:path w="9248" h="10000">
+                <a:moveTo>
+                  <a:pt x="9248" y="4701"/>
+                </a:moveTo>
+                <a:lnTo>
+                  <a:pt x="7915" y="188"/>
+                </a:lnTo>
+                <a:cubicBezTo>
+                  <a:pt x="7906" y="156"/>
+                  <a:pt x="7895" y="126"/>
+                  <a:pt x="7886" y="94"/>
+                </a:cubicBezTo>
+                <a:cubicBezTo>
+                  <a:pt x="7859" y="0"/>
+                  <a:pt x="7831" y="0"/>
+                  <a:pt x="7803" y="0"/>
+                </a:cubicBezTo>
+                <a:lnTo>
+                  <a:pt x="7275" y="0"/>
+                </a:lnTo>
+                <a:lnTo>
+                  <a:pt x="0" y="70"/>
+                </a:lnTo>
+                <a:cubicBezTo>
+                  <a:pt x="8" y="3380"/>
+                  <a:pt x="17" y="6690"/>
+                  <a:pt x="25" y="10000"/>
+                </a:cubicBezTo>
+                <a:lnTo>
+                  <a:pt x="7275" y="9966"/>
+                </a:lnTo>
+                <a:lnTo>
+                  <a:pt x="7803" y="9966"/>
+                </a:lnTo>
+                <a:cubicBezTo>
+                  <a:pt x="7831" y="9966"/>
+                  <a:pt x="7859" y="9872"/>
+                  <a:pt x="7886" y="9872"/>
+                </a:cubicBezTo>
+                <a:cubicBezTo>
+                  <a:pt x="7886" y="9778"/>
+                  <a:pt x="7915" y="9778"/>
+                  <a:pt x="7915" y="9778"/>
+                </a:cubicBezTo>
+                <a:lnTo>
+                  <a:pt x="9248" y="5265"/>
+                </a:lnTo>
+                <a:cubicBezTo>
+                  <a:pt x="9303" y="5077"/>
+                  <a:pt x="9303" y="4889"/>
+                  <a:pt x="9248" y="4701"/>
+                </a:cubicBezTo>
+                <a:close/>
+              </a:path>
+            </a:pathLst>
+          </a:custGeom>
+          <a:solidFill>
+            <a:schemeClr val="accent1"/>
+          </a:solidFill>
+          <a:ln>
+            <a:noFill/>
+          </a:ln>
+        </p:spPr>
+      </p:sp>
+      <p:sp>
+        <p:nvSpPr>
+          <p:cNvPr id="13" name="Slide Number Placeholder 5"/>
           <p:cNvSpPr>
             <a:spLocks noGrp="1"/>
           </p:cNvSpPr>
@@ -10309,13 +7626,19 @@
             <p:ph type="sldNum" sz="quarter" idx="12"/>
           </p:nvPr>
         </p:nvSpPr>
-        <p:spPr/>
+        <p:spPr>
+          <a:xfrm>
+            <a:off x="531812" y="787782"/>
+            <a:ext cx="779767" cy="365125"/>
+          </a:xfrm>
+        </p:spPr>
         <p:txBody>
           <a:bodyPr/>
           <a:lstStyle/>
           <a:p>
-            <a:fld id="{79A5C501-14B0-46FA-A414-1BBA6B8F6F07}" type="slidenum">
+            <a:fld id="{39127A14-E890-4C54-AB41-3BDDA076A8E0}" type="slidenum">
               <a:rPr lang="en-US" smtClean="0"/>
+              <a:pPr/>
               <a:t>‹#›</a:t>
             </a:fld>
             <a:endParaRPr lang="en-US"/>
@@ -10325,7 +7648,7 @@
     </p:spTree>
     <p:extLst>
       <p:ext uri="{BB962C8B-B14F-4D97-AF65-F5344CB8AC3E}">
-        <p14:creationId xmlns:p14="http://schemas.microsoft.com/office/powerpoint/2010/main" val="2043198460"/>
+        <p14:creationId xmlns:p14="http://schemas.microsoft.com/office/powerpoint/2010/main" val="2452571005"/>
       </p:ext>
     </p:extLst>
   </p:cSld>
@@ -10371,7 +7694,7 @@
               <a:rPr lang="en-US" smtClean="0"/>
               <a:t>Click to edit Master title style</a:t>
             </a:r>
-            <a:endParaRPr lang="en-US"/>
+            <a:endParaRPr lang="en-US" dirty="0"/>
           </a:p>
         </p:txBody>
       </p:sp>
@@ -10390,11 +7713,24 @@
           <a:bodyPr/>
           <a:lstStyle/>
           <a:p>
-            <a:fld id="{9A747D58-C4B8-4EBF-AA0E-4B6CAC6BD772}" type="datetimeFigureOut">
-              <a:rPr lang="en-US" smtClean="0"/>
-              <a:t>7/16/2015</a:t>
+            <a:fld id="{9E8EC8DB-5F3C-451F-A897-4B94E2F94A3E}" type="datetimeFigureOut">
+              <a:rPr lang="en-US" smtClean="0">
+                <a:solidFill>
+                  <a:prstClr val="black">
+                    <a:tint val="75000"/>
+                  </a:prstClr>
+                </a:solidFill>
+              </a:rPr>
+              <a:pPr/>
+              <a:t>7/17/2015</a:t>
             </a:fld>
-            <a:endParaRPr lang="en-US"/>
+            <a:endParaRPr lang="en-US">
+              <a:solidFill>
+                <a:prstClr val="black">
+                  <a:tint val="75000"/>
+                </a:prstClr>
+              </a:solidFill>
+            </a:endParaRPr>
           </a:p>
         </p:txBody>
       </p:sp>
@@ -10413,9 +7749,97 @@
           <a:bodyPr/>
           <a:lstStyle/>
           <a:p>
-            <a:endParaRPr lang="en-US"/>
+            <a:endParaRPr lang="en-US">
+              <a:solidFill>
+                <a:prstClr val="black">
+                  <a:tint val="75000"/>
+                </a:prstClr>
+              </a:solidFill>
+            </a:endParaRPr>
           </a:p>
         </p:txBody>
+      </p:sp>
+      <p:sp>
+        <p:nvSpPr>
+          <p:cNvPr id="7" name="Freeform 11"/>
+          <p:cNvSpPr/>
+          <p:nvPr/>
+        </p:nvSpPr>
+        <p:spPr bwMode="auto">
+          <a:xfrm flipV="1">
+            <a:off x="-4189" y="714375"/>
+            <a:ext cx="1588527" cy="507297"/>
+          </a:xfrm>
+          <a:custGeom>
+            <a:avLst/>
+            <a:gdLst/>
+            <a:ahLst/>
+            <a:cxnLst/>
+            <a:rect l="l" t="t" r="r" b="b"/>
+            <a:pathLst>
+              <a:path w="9248" h="10000">
+                <a:moveTo>
+                  <a:pt x="9248" y="4701"/>
+                </a:moveTo>
+                <a:lnTo>
+                  <a:pt x="7915" y="188"/>
+                </a:lnTo>
+                <a:cubicBezTo>
+                  <a:pt x="7906" y="156"/>
+                  <a:pt x="7895" y="126"/>
+                  <a:pt x="7886" y="94"/>
+                </a:cubicBezTo>
+                <a:cubicBezTo>
+                  <a:pt x="7859" y="0"/>
+                  <a:pt x="7831" y="0"/>
+                  <a:pt x="7803" y="0"/>
+                </a:cubicBezTo>
+                <a:lnTo>
+                  <a:pt x="7275" y="0"/>
+                </a:lnTo>
+                <a:lnTo>
+                  <a:pt x="0" y="70"/>
+                </a:lnTo>
+                <a:cubicBezTo>
+                  <a:pt x="8" y="3380"/>
+                  <a:pt x="17" y="6690"/>
+                  <a:pt x="25" y="10000"/>
+                </a:cubicBezTo>
+                <a:lnTo>
+                  <a:pt x="7275" y="9966"/>
+                </a:lnTo>
+                <a:lnTo>
+                  <a:pt x="7803" y="9966"/>
+                </a:lnTo>
+                <a:cubicBezTo>
+                  <a:pt x="7831" y="9966"/>
+                  <a:pt x="7859" y="9872"/>
+                  <a:pt x="7886" y="9872"/>
+                </a:cubicBezTo>
+                <a:cubicBezTo>
+                  <a:pt x="7886" y="9778"/>
+                  <a:pt x="7915" y="9778"/>
+                  <a:pt x="7915" y="9778"/>
+                </a:cubicBezTo>
+                <a:lnTo>
+                  <a:pt x="9248" y="5265"/>
+                </a:lnTo>
+                <a:cubicBezTo>
+                  <a:pt x="9303" y="5077"/>
+                  <a:pt x="9303" y="4889"/>
+                  <a:pt x="9248" y="4701"/>
+                </a:cubicBezTo>
+                <a:close/>
+              </a:path>
+            </a:pathLst>
+          </a:custGeom>
+          <a:solidFill>
+            <a:schemeClr val="accent1"/>
+          </a:solidFill>
+          <a:ln>
+            <a:noFill/>
+          </a:ln>
+        </p:spPr>
       </p:sp>
       <p:sp>
         <p:nvSpPr>
@@ -10432,8 +7856,9 @@
           <a:bodyPr/>
           <a:lstStyle/>
           <a:p>
-            <a:fld id="{79A5C501-14B0-46FA-A414-1BBA6B8F6F07}" type="slidenum">
+            <a:fld id="{39127A14-E890-4C54-AB41-3BDDA076A8E0}" type="slidenum">
               <a:rPr lang="en-US" smtClean="0"/>
+              <a:pPr/>
               <a:t>‹#›</a:t>
             </a:fld>
             <a:endParaRPr lang="en-US"/>
@@ -10443,7 +7868,7 @@
     </p:spTree>
     <p:extLst>
       <p:ext uri="{BB962C8B-B14F-4D97-AF65-F5344CB8AC3E}">
-        <p14:creationId xmlns:p14="http://schemas.microsoft.com/office/powerpoint/2010/main" val="4035687075"/>
+        <p14:creationId xmlns:p14="http://schemas.microsoft.com/office/powerpoint/2010/main" val="1753328386"/>
       </p:ext>
     </p:extLst>
   </p:cSld>
@@ -10485,11 +7910,24 @@
           <a:bodyPr/>
           <a:lstStyle/>
           <a:p>
-            <a:fld id="{9A747D58-C4B8-4EBF-AA0E-4B6CAC6BD772}" type="datetimeFigureOut">
-              <a:rPr lang="en-US" smtClean="0"/>
-              <a:t>7/16/2015</a:t>
+            <a:fld id="{9E8EC8DB-5F3C-451F-A897-4B94E2F94A3E}" type="datetimeFigureOut">
+              <a:rPr lang="en-US" smtClean="0">
+                <a:solidFill>
+                  <a:prstClr val="black">
+                    <a:tint val="75000"/>
+                  </a:prstClr>
+                </a:solidFill>
+              </a:rPr>
+              <a:pPr/>
+              <a:t>7/17/2015</a:t>
             </a:fld>
-            <a:endParaRPr lang="en-US"/>
+            <a:endParaRPr lang="en-US">
+              <a:solidFill>
+                <a:prstClr val="black">
+                  <a:tint val="75000"/>
+                </a:prstClr>
+              </a:solidFill>
+            </a:endParaRPr>
           </a:p>
         </p:txBody>
       </p:sp>
@@ -10508,9 +7946,97 @@
           <a:bodyPr/>
           <a:lstStyle/>
           <a:p>
-            <a:endParaRPr lang="en-US"/>
+            <a:endParaRPr lang="en-US">
+              <a:solidFill>
+                <a:prstClr val="black">
+                  <a:tint val="75000"/>
+                </a:prstClr>
+              </a:solidFill>
+            </a:endParaRPr>
           </a:p>
         </p:txBody>
+      </p:sp>
+      <p:sp>
+        <p:nvSpPr>
+          <p:cNvPr id="6" name="Freeform 11"/>
+          <p:cNvSpPr/>
+          <p:nvPr/>
+        </p:nvSpPr>
+        <p:spPr bwMode="auto">
+          <a:xfrm flipV="1">
+            <a:off x="-4189" y="714375"/>
+            <a:ext cx="1588527" cy="507297"/>
+          </a:xfrm>
+          <a:custGeom>
+            <a:avLst/>
+            <a:gdLst/>
+            <a:ahLst/>
+            <a:cxnLst/>
+            <a:rect l="l" t="t" r="r" b="b"/>
+            <a:pathLst>
+              <a:path w="9248" h="10000">
+                <a:moveTo>
+                  <a:pt x="9248" y="4701"/>
+                </a:moveTo>
+                <a:lnTo>
+                  <a:pt x="7915" y="188"/>
+                </a:lnTo>
+                <a:cubicBezTo>
+                  <a:pt x="7906" y="156"/>
+                  <a:pt x="7895" y="126"/>
+                  <a:pt x="7886" y="94"/>
+                </a:cubicBezTo>
+                <a:cubicBezTo>
+                  <a:pt x="7859" y="0"/>
+                  <a:pt x="7831" y="0"/>
+                  <a:pt x="7803" y="0"/>
+                </a:cubicBezTo>
+                <a:lnTo>
+                  <a:pt x="7275" y="0"/>
+                </a:lnTo>
+                <a:lnTo>
+                  <a:pt x="0" y="70"/>
+                </a:lnTo>
+                <a:cubicBezTo>
+                  <a:pt x="8" y="3380"/>
+                  <a:pt x="17" y="6690"/>
+                  <a:pt x="25" y="10000"/>
+                </a:cubicBezTo>
+                <a:lnTo>
+                  <a:pt x="7275" y="9966"/>
+                </a:lnTo>
+                <a:lnTo>
+                  <a:pt x="7803" y="9966"/>
+                </a:lnTo>
+                <a:cubicBezTo>
+                  <a:pt x="7831" y="9966"/>
+                  <a:pt x="7859" y="9872"/>
+                  <a:pt x="7886" y="9872"/>
+                </a:cubicBezTo>
+                <a:cubicBezTo>
+                  <a:pt x="7886" y="9778"/>
+                  <a:pt x="7915" y="9778"/>
+                  <a:pt x="7915" y="9778"/>
+                </a:cubicBezTo>
+                <a:lnTo>
+                  <a:pt x="9248" y="5265"/>
+                </a:lnTo>
+                <a:cubicBezTo>
+                  <a:pt x="9303" y="5077"/>
+                  <a:pt x="9303" y="4889"/>
+                  <a:pt x="9248" y="4701"/>
+                </a:cubicBezTo>
+                <a:close/>
+              </a:path>
+            </a:pathLst>
+          </a:custGeom>
+          <a:solidFill>
+            <a:schemeClr val="accent1"/>
+          </a:solidFill>
+          <a:ln>
+            <a:noFill/>
+          </a:ln>
+        </p:spPr>
       </p:sp>
       <p:sp>
         <p:nvSpPr>
@@ -10527,8 +8053,9 @@
           <a:bodyPr/>
           <a:lstStyle/>
           <a:p>
-            <a:fld id="{79A5C501-14B0-46FA-A414-1BBA6B8F6F07}" type="slidenum">
+            <a:fld id="{39127A14-E890-4C54-AB41-3BDDA076A8E0}" type="slidenum">
               <a:rPr lang="en-US" smtClean="0"/>
+              <a:pPr/>
               <a:t>‹#›</a:t>
             </a:fld>
             <a:endParaRPr lang="en-US"/>
@@ -10538,7 +8065,7 @@
     </p:spTree>
     <p:extLst>
       <p:ext uri="{BB962C8B-B14F-4D97-AF65-F5344CB8AC3E}">
-        <p14:creationId xmlns:p14="http://schemas.microsoft.com/office/powerpoint/2010/main" val="545184090"/>
+        <p14:creationId xmlns:p14="http://schemas.microsoft.com/office/powerpoint/2010/main" val="2941027351"/>
       </p:ext>
     </p:extLst>
   </p:cSld>
@@ -10577,15 +8104,15 @@
         </p:nvSpPr>
         <p:spPr>
           <a:xfrm>
-            <a:off x="839788" y="457200"/>
-            <a:ext cx="3932237" cy="1600200"/>
+            <a:off x="2589212" y="446088"/>
+            <a:ext cx="3505199" cy="976312"/>
           </a:xfrm>
         </p:spPr>
         <p:txBody>
           <a:bodyPr anchor="b"/>
           <a:lstStyle>
-            <a:lvl1pPr>
-              <a:defRPr sz="3200"/>
+            <a:lvl1pPr algn="l">
+              <a:defRPr sz="2000" b="0"/>
             </a:lvl1pPr>
           </a:lstStyle>
           <a:p>
@@ -10593,7 +8120,7 @@
               <a:rPr lang="en-US" smtClean="0"/>
               <a:t>Click to edit Master title style</a:t>
             </a:r>
-            <a:endParaRPr lang="en-US"/>
+            <a:endParaRPr lang="en-US" dirty="0"/>
           </a:p>
         </p:txBody>
       </p:sp>
@@ -10609,41 +8136,15 @@
         </p:nvSpPr>
         <p:spPr>
           <a:xfrm>
-            <a:off x="5183188" y="987425"/>
-            <a:ext cx="6172200" cy="4873625"/>
+            <a:off x="6323012" y="446088"/>
+            <a:ext cx="5181600" cy="5414963"/>
           </a:xfrm>
         </p:spPr>
         <p:txBody>
-          <a:bodyPr/>
-          <a:lstStyle>
-            <a:lvl1pPr>
-              <a:defRPr sz="3200"/>
-            </a:lvl1pPr>
-            <a:lvl2pPr>
-              <a:defRPr sz="2800"/>
-            </a:lvl2pPr>
-            <a:lvl3pPr>
-              <a:defRPr sz="2400"/>
-            </a:lvl3pPr>
-            <a:lvl4pPr>
-              <a:defRPr sz="2000"/>
-            </a:lvl4pPr>
-            <a:lvl5pPr>
-              <a:defRPr sz="2000"/>
-            </a:lvl5pPr>
-            <a:lvl6pPr>
-              <a:defRPr sz="2000"/>
-            </a:lvl6pPr>
-            <a:lvl7pPr>
-              <a:defRPr sz="2000"/>
-            </a:lvl7pPr>
-            <a:lvl8pPr>
-              <a:defRPr sz="2000"/>
-            </a:lvl8pPr>
-            <a:lvl9pPr>
-              <a:defRPr sz="2000"/>
-            </a:lvl9pPr>
-          </a:lstStyle>
+          <a:bodyPr anchor="ctr">
+            <a:normAutofit/>
+          </a:bodyPr>
+          <a:lstStyle/>
           <a:p>
             <a:pPr lvl="0"/>
             <a:r>
@@ -10678,7 +8179,7 @@
               <a:rPr lang="en-US" smtClean="0"/>
               <a:t>Fifth level</a:t>
             </a:r>
-            <a:endParaRPr lang="en-US"/>
+            <a:endParaRPr lang="en-US" dirty="0"/>
           </a:p>
         </p:txBody>
       </p:sp>
@@ -10694,8 +8195,8 @@
         </p:nvSpPr>
         <p:spPr>
           <a:xfrm>
-            <a:off x="839788" y="2057400"/>
-            <a:ext cx="3932237" cy="3811588"/>
+            <a:off x="2589212" y="1598613"/>
+            <a:ext cx="3505199" cy="4262436"/>
           </a:xfrm>
         </p:spPr>
         <p:txBody>
@@ -10703,39 +8204,39 @@
           <a:lstStyle>
             <a:lvl1pPr marL="0" indent="0">
               <a:buNone/>
-              <a:defRPr sz="1600"/>
+              <a:defRPr sz="1400"/>
             </a:lvl1pPr>
             <a:lvl2pPr marL="457200" indent="0">
               <a:buNone/>
-              <a:defRPr sz="1400"/>
+              <a:defRPr sz="1200"/>
             </a:lvl2pPr>
             <a:lvl3pPr marL="914400" indent="0">
               <a:buNone/>
-              <a:defRPr sz="1200"/>
+              <a:defRPr sz="1000"/>
             </a:lvl3pPr>
             <a:lvl4pPr marL="1371600" indent="0">
               <a:buNone/>
-              <a:defRPr sz="1000"/>
+              <a:defRPr sz="900"/>
             </a:lvl4pPr>
             <a:lvl5pPr marL="1828800" indent="0">
               <a:buNone/>
-              <a:defRPr sz="1000"/>
+              <a:defRPr sz="900"/>
             </a:lvl5pPr>
             <a:lvl6pPr marL="2286000" indent="0">
               <a:buNone/>
-              <a:defRPr sz="1000"/>
+              <a:defRPr sz="900"/>
             </a:lvl6pPr>
             <a:lvl7pPr marL="2743200" indent="0">
               <a:buNone/>
-              <a:defRPr sz="1000"/>
+              <a:defRPr sz="900"/>
             </a:lvl7pPr>
             <a:lvl8pPr marL="3200400" indent="0">
               <a:buNone/>
-              <a:defRPr sz="1000"/>
+              <a:defRPr sz="900"/>
             </a:lvl8pPr>
             <a:lvl9pPr marL="3657600" indent="0">
               <a:buNone/>
-              <a:defRPr sz="1000"/>
+              <a:defRPr sz="900"/>
             </a:lvl9pPr>
           </a:lstStyle>
           <a:p>
@@ -10762,11 +8263,24 @@
           <a:bodyPr/>
           <a:lstStyle/>
           <a:p>
-            <a:fld id="{9A747D58-C4B8-4EBF-AA0E-4B6CAC6BD772}" type="datetimeFigureOut">
-              <a:rPr lang="en-US" smtClean="0"/>
-              <a:t>7/16/2015</a:t>
+            <a:fld id="{9E8EC8DB-5F3C-451F-A897-4B94E2F94A3E}" type="datetimeFigureOut">
+              <a:rPr lang="en-US" smtClean="0">
+                <a:solidFill>
+                  <a:prstClr val="black">
+                    <a:tint val="75000"/>
+                  </a:prstClr>
+                </a:solidFill>
+              </a:rPr>
+              <a:pPr/>
+              <a:t>7/17/2015</a:t>
             </a:fld>
-            <a:endParaRPr lang="en-US"/>
+            <a:endParaRPr lang="en-US">
+              <a:solidFill>
+                <a:prstClr val="black">
+                  <a:tint val="75000"/>
+                </a:prstClr>
+              </a:solidFill>
+            </a:endParaRPr>
           </a:p>
         </p:txBody>
       </p:sp>
@@ -10785,9 +8299,97 @@
           <a:bodyPr/>
           <a:lstStyle/>
           <a:p>
-            <a:endParaRPr lang="en-US"/>
+            <a:endParaRPr lang="en-US">
+              <a:solidFill>
+                <a:prstClr val="black">
+                  <a:tint val="75000"/>
+                </a:prstClr>
+              </a:solidFill>
+            </a:endParaRPr>
           </a:p>
         </p:txBody>
+      </p:sp>
+      <p:sp>
+        <p:nvSpPr>
+          <p:cNvPr id="9" name="Freeform 11"/>
+          <p:cNvSpPr/>
+          <p:nvPr/>
+        </p:nvSpPr>
+        <p:spPr bwMode="auto">
+          <a:xfrm flipV="1">
+            <a:off x="-4189" y="714375"/>
+            <a:ext cx="1588527" cy="507297"/>
+          </a:xfrm>
+          <a:custGeom>
+            <a:avLst/>
+            <a:gdLst/>
+            <a:ahLst/>
+            <a:cxnLst/>
+            <a:rect l="l" t="t" r="r" b="b"/>
+            <a:pathLst>
+              <a:path w="9248" h="10000">
+                <a:moveTo>
+                  <a:pt x="9248" y="4701"/>
+                </a:moveTo>
+                <a:lnTo>
+                  <a:pt x="7915" y="188"/>
+                </a:lnTo>
+                <a:cubicBezTo>
+                  <a:pt x="7906" y="156"/>
+                  <a:pt x="7895" y="126"/>
+                  <a:pt x="7886" y="94"/>
+                </a:cubicBezTo>
+                <a:cubicBezTo>
+                  <a:pt x="7859" y="0"/>
+                  <a:pt x="7831" y="0"/>
+                  <a:pt x="7803" y="0"/>
+                </a:cubicBezTo>
+                <a:lnTo>
+                  <a:pt x="7275" y="0"/>
+                </a:lnTo>
+                <a:lnTo>
+                  <a:pt x="0" y="70"/>
+                </a:lnTo>
+                <a:cubicBezTo>
+                  <a:pt x="8" y="3380"/>
+                  <a:pt x="17" y="6690"/>
+                  <a:pt x="25" y="10000"/>
+                </a:cubicBezTo>
+                <a:lnTo>
+                  <a:pt x="7275" y="9966"/>
+                </a:lnTo>
+                <a:lnTo>
+                  <a:pt x="7803" y="9966"/>
+                </a:lnTo>
+                <a:cubicBezTo>
+                  <a:pt x="7831" y="9966"/>
+                  <a:pt x="7859" y="9872"/>
+                  <a:pt x="7886" y="9872"/>
+                </a:cubicBezTo>
+                <a:cubicBezTo>
+                  <a:pt x="7886" y="9778"/>
+                  <a:pt x="7915" y="9778"/>
+                  <a:pt x="7915" y="9778"/>
+                </a:cubicBezTo>
+                <a:lnTo>
+                  <a:pt x="9248" y="5265"/>
+                </a:lnTo>
+                <a:cubicBezTo>
+                  <a:pt x="9303" y="5077"/>
+                  <a:pt x="9303" y="4889"/>
+                  <a:pt x="9248" y="4701"/>
+                </a:cubicBezTo>
+                <a:close/>
+              </a:path>
+            </a:pathLst>
+          </a:custGeom>
+          <a:solidFill>
+            <a:schemeClr val="accent1"/>
+          </a:solidFill>
+          <a:ln>
+            <a:noFill/>
+          </a:ln>
+        </p:spPr>
       </p:sp>
       <p:sp>
         <p:nvSpPr>
@@ -10804,8 +8406,9 @@
           <a:bodyPr/>
           <a:lstStyle/>
           <a:p>
-            <a:fld id="{79A5C501-14B0-46FA-A414-1BBA6B8F6F07}" type="slidenum">
+            <a:fld id="{39127A14-E890-4C54-AB41-3BDDA076A8E0}" type="slidenum">
               <a:rPr lang="en-US" smtClean="0"/>
+              <a:pPr/>
               <a:t>‹#›</a:t>
             </a:fld>
             <a:endParaRPr lang="en-US"/>
@@ -10815,7 +8418,7 @@
     </p:spTree>
     <p:extLst>
       <p:ext uri="{BB962C8B-B14F-4D97-AF65-F5344CB8AC3E}">
-        <p14:creationId xmlns:p14="http://schemas.microsoft.com/office/powerpoint/2010/main" val="547827058"/>
+        <p14:creationId xmlns:p14="http://schemas.microsoft.com/office/powerpoint/2010/main" val="1019947001"/>
       </p:ext>
     </p:extLst>
   </p:cSld>
@@ -10854,15 +8457,17 @@
         </p:nvSpPr>
         <p:spPr>
           <a:xfrm>
-            <a:off x="839788" y="457200"/>
-            <a:ext cx="3932237" cy="1600200"/>
+            <a:off x="2589213" y="4800600"/>
+            <a:ext cx="8915400" cy="566738"/>
           </a:xfrm>
         </p:spPr>
         <p:txBody>
-          <a:bodyPr anchor="b"/>
+          <a:bodyPr anchor="b">
+            <a:normAutofit/>
+          </a:bodyPr>
           <a:lstStyle>
-            <a:lvl1pPr>
-              <a:defRPr sz="3200"/>
+            <a:lvl1pPr algn="l">
+              <a:defRPr sz="2400" b="0"/>
             </a:lvl1pPr>
           </a:lstStyle>
           <a:p>
@@ -10870,7 +8475,7 @@
               <a:rPr lang="en-US" smtClean="0"/>
               <a:t>Click to edit Master title style</a:t>
             </a:r>
-            <a:endParaRPr lang="en-US"/>
+            <a:endParaRPr lang="en-US" dirty="0"/>
           </a:p>
         </p:txBody>
       </p:sp>
@@ -10878,7 +8483,7 @@
         <p:nvSpPr>
           <p:cNvPr id="3" name="Picture Placeholder 2"/>
           <p:cNvSpPr>
-            <a:spLocks noGrp="1"/>
+            <a:spLocks noGrp="1" noChangeAspect="1"/>
           </p:cNvSpPr>
           <p:nvPr>
             <p:ph type="pic" idx="1"/>
@@ -10886,52 +8491,58 @@
         </p:nvSpPr>
         <p:spPr>
           <a:xfrm>
-            <a:off x="5183188" y="987425"/>
-            <a:ext cx="6172200" cy="4873625"/>
+            <a:off x="2589212" y="634965"/>
+            <a:ext cx="8915400" cy="3854970"/>
           </a:xfrm>
         </p:spPr>
         <p:txBody>
-          <a:bodyPr/>
+          <a:bodyPr anchor="t">
+            <a:normAutofit/>
+          </a:bodyPr>
           <a:lstStyle>
-            <a:lvl1pPr marL="0" indent="0">
+            <a:lvl1pPr marL="0" indent="0" algn="ctr">
               <a:buNone/>
-              <a:defRPr sz="3200"/>
+              <a:defRPr sz="1600"/>
             </a:lvl1pPr>
             <a:lvl2pPr marL="457200" indent="0">
               <a:buNone/>
-              <a:defRPr sz="2800"/>
+              <a:defRPr sz="1600"/>
             </a:lvl2pPr>
             <a:lvl3pPr marL="914400" indent="0">
               <a:buNone/>
-              <a:defRPr sz="2400"/>
+              <a:defRPr sz="1600"/>
             </a:lvl3pPr>
             <a:lvl4pPr marL="1371600" indent="0">
               <a:buNone/>
-              <a:defRPr sz="2000"/>
+              <a:defRPr sz="1600"/>
             </a:lvl4pPr>
             <a:lvl5pPr marL="1828800" indent="0">
               <a:buNone/>
-              <a:defRPr sz="2000"/>
+              <a:defRPr sz="1600"/>
             </a:lvl5pPr>
             <a:lvl6pPr marL="2286000" indent="0">
               <a:buNone/>
-              <a:defRPr sz="2000"/>
+              <a:defRPr sz="1600"/>
             </a:lvl6pPr>
             <a:lvl7pPr marL="2743200" indent="0">
               <a:buNone/>
-              <a:defRPr sz="2000"/>
+              <a:defRPr sz="1600"/>
             </a:lvl7pPr>
             <a:lvl8pPr marL="3200400" indent="0">
               <a:buNone/>
-              <a:defRPr sz="2000"/>
+              <a:defRPr sz="1600"/>
             </a:lvl8pPr>
             <a:lvl9pPr marL="3657600" indent="0">
               <a:buNone/>
-              <a:defRPr sz="2000"/>
+              <a:defRPr sz="1600"/>
             </a:lvl9pPr>
           </a:lstStyle>
           <a:p>
-            <a:endParaRPr lang="en-US"/>
+            <a:r>
+              <a:rPr lang="en-US" smtClean="0"/>
+              <a:t>Click icon to add picture</a:t>
+            </a:r>
+            <a:endParaRPr lang="en-US" dirty="0"/>
           </a:p>
         </p:txBody>
       </p:sp>
@@ -10947,48 +8558,50 @@
         </p:nvSpPr>
         <p:spPr>
           <a:xfrm>
-            <a:off x="839788" y="2057400"/>
-            <a:ext cx="3932237" cy="3811588"/>
+            <a:off x="2589213" y="5367338"/>
+            <a:ext cx="8915400" cy="493712"/>
           </a:xfrm>
         </p:spPr>
         <p:txBody>
-          <a:bodyPr/>
+          <a:bodyPr>
+            <a:normAutofit/>
+          </a:bodyPr>
           <a:lstStyle>
             <a:lvl1pPr marL="0" indent="0">
               <a:buNone/>
-              <a:defRPr sz="1600"/>
+              <a:defRPr sz="1200"/>
             </a:lvl1pPr>
             <a:lvl2pPr marL="457200" indent="0">
               <a:buNone/>
-              <a:defRPr sz="1400"/>
+              <a:defRPr sz="1200"/>
             </a:lvl2pPr>
             <a:lvl3pPr marL="914400" indent="0">
               <a:buNone/>
-              <a:defRPr sz="1200"/>
+              <a:defRPr sz="1000"/>
             </a:lvl3pPr>
             <a:lvl4pPr marL="1371600" indent="0">
               <a:buNone/>
-              <a:defRPr sz="1000"/>
+              <a:defRPr sz="900"/>
             </a:lvl4pPr>
             <a:lvl5pPr marL="1828800" indent="0">
               <a:buNone/>
-              <a:defRPr sz="1000"/>
+              <a:defRPr sz="900"/>
             </a:lvl5pPr>
             <a:lvl6pPr marL="2286000" indent="0">
               <a:buNone/>
-              <a:defRPr sz="1000"/>
+              <a:defRPr sz="900"/>
             </a:lvl6pPr>
             <a:lvl7pPr marL="2743200" indent="0">
               <a:buNone/>
-              <a:defRPr sz="1000"/>
+              <a:defRPr sz="900"/>
             </a:lvl7pPr>
             <a:lvl8pPr marL="3200400" indent="0">
               <a:buNone/>
-              <a:defRPr sz="1000"/>
+              <a:defRPr sz="900"/>
             </a:lvl8pPr>
             <a:lvl9pPr marL="3657600" indent="0">
               <a:buNone/>
-              <a:defRPr sz="1000"/>
+              <a:defRPr sz="900"/>
             </a:lvl9pPr>
           </a:lstStyle>
           <a:p>
@@ -11015,11 +8628,24 @@
           <a:bodyPr/>
           <a:lstStyle/>
           <a:p>
-            <a:fld id="{9A747D58-C4B8-4EBF-AA0E-4B6CAC6BD772}" type="datetimeFigureOut">
-              <a:rPr lang="en-US" smtClean="0"/>
-              <a:t>7/16/2015</a:t>
+            <a:fld id="{9E8EC8DB-5F3C-451F-A897-4B94E2F94A3E}" type="datetimeFigureOut">
+              <a:rPr lang="en-US" smtClean="0">
+                <a:solidFill>
+                  <a:prstClr val="black">
+                    <a:tint val="75000"/>
+                  </a:prstClr>
+                </a:solidFill>
+              </a:rPr>
+              <a:pPr/>
+              <a:t>7/17/2015</a:t>
             </a:fld>
-            <a:endParaRPr lang="en-US"/>
+            <a:endParaRPr lang="en-US">
+              <a:solidFill>
+                <a:prstClr val="black">
+                  <a:tint val="75000"/>
+                </a:prstClr>
+              </a:solidFill>
+            </a:endParaRPr>
           </a:p>
         </p:txBody>
       </p:sp>
@@ -11038,9 +8664,97 @@
           <a:bodyPr/>
           <a:lstStyle/>
           <a:p>
-            <a:endParaRPr lang="en-US"/>
+            <a:endParaRPr lang="en-US">
+              <a:solidFill>
+                <a:prstClr val="black">
+                  <a:tint val="75000"/>
+                </a:prstClr>
+              </a:solidFill>
+            </a:endParaRPr>
           </a:p>
         </p:txBody>
+      </p:sp>
+      <p:sp>
+        <p:nvSpPr>
+          <p:cNvPr id="9" name="Freeform 11"/>
+          <p:cNvSpPr/>
+          <p:nvPr/>
+        </p:nvSpPr>
+        <p:spPr bwMode="auto">
+          <a:xfrm flipV="1">
+            <a:off x="-4189" y="4911725"/>
+            <a:ext cx="1588527" cy="507297"/>
+          </a:xfrm>
+          <a:custGeom>
+            <a:avLst/>
+            <a:gdLst/>
+            <a:ahLst/>
+            <a:cxnLst/>
+            <a:rect l="l" t="t" r="r" b="b"/>
+            <a:pathLst>
+              <a:path w="9248" h="10000">
+                <a:moveTo>
+                  <a:pt x="9248" y="4701"/>
+                </a:moveTo>
+                <a:lnTo>
+                  <a:pt x="7915" y="188"/>
+                </a:lnTo>
+                <a:cubicBezTo>
+                  <a:pt x="7906" y="156"/>
+                  <a:pt x="7895" y="126"/>
+                  <a:pt x="7886" y="94"/>
+                </a:cubicBezTo>
+                <a:cubicBezTo>
+                  <a:pt x="7859" y="0"/>
+                  <a:pt x="7831" y="0"/>
+                  <a:pt x="7803" y="0"/>
+                </a:cubicBezTo>
+                <a:lnTo>
+                  <a:pt x="7275" y="0"/>
+                </a:lnTo>
+                <a:lnTo>
+                  <a:pt x="0" y="70"/>
+                </a:lnTo>
+                <a:cubicBezTo>
+                  <a:pt x="8" y="3380"/>
+                  <a:pt x="17" y="6690"/>
+                  <a:pt x="25" y="10000"/>
+                </a:cubicBezTo>
+                <a:lnTo>
+                  <a:pt x="7275" y="9966"/>
+                </a:lnTo>
+                <a:lnTo>
+                  <a:pt x="7803" y="9966"/>
+                </a:lnTo>
+                <a:cubicBezTo>
+                  <a:pt x="7831" y="9966"/>
+                  <a:pt x="7859" y="9872"/>
+                  <a:pt x="7886" y="9872"/>
+                </a:cubicBezTo>
+                <a:cubicBezTo>
+                  <a:pt x="7886" y="9778"/>
+                  <a:pt x="7915" y="9778"/>
+                  <a:pt x="7915" y="9778"/>
+                </a:cubicBezTo>
+                <a:lnTo>
+                  <a:pt x="9248" y="5265"/>
+                </a:lnTo>
+                <a:cubicBezTo>
+                  <a:pt x="9303" y="5077"/>
+                  <a:pt x="9303" y="4889"/>
+                  <a:pt x="9248" y="4701"/>
+                </a:cubicBezTo>
+                <a:close/>
+              </a:path>
+            </a:pathLst>
+          </a:custGeom>
+          <a:solidFill>
+            <a:schemeClr val="accent1"/>
+          </a:solidFill>
+          <a:ln>
+            <a:noFill/>
+          </a:ln>
+        </p:spPr>
       </p:sp>
       <p:sp>
         <p:nvSpPr>
@@ -11052,13 +8766,19 @@
             <p:ph type="sldNum" sz="quarter" idx="12"/>
           </p:nvPr>
         </p:nvSpPr>
-        <p:spPr/>
+        <p:spPr>
+          <a:xfrm>
+            <a:off x="531812" y="4983087"/>
+            <a:ext cx="779767" cy="365125"/>
+          </a:xfrm>
+        </p:spPr>
         <p:txBody>
           <a:bodyPr/>
           <a:lstStyle/>
           <a:p>
-            <a:fld id="{79A5C501-14B0-46FA-A414-1BBA6B8F6F07}" type="slidenum">
+            <a:fld id="{39127A14-E890-4C54-AB41-3BDDA076A8E0}" type="slidenum">
               <a:rPr lang="en-US" smtClean="0"/>
+              <a:pPr/>
               <a:t>‹#›</a:t>
             </a:fld>
             <a:endParaRPr lang="en-US"/>
@@ -11068,7 +8788,7 @@
     </p:spTree>
     <p:extLst>
       <p:ext uri="{BB962C8B-B14F-4D97-AF65-F5344CB8AC3E}">
-        <p14:creationId xmlns:p14="http://schemas.microsoft.com/office/powerpoint/2010/main" val="1992980728"/>
+        <p14:creationId xmlns:p14="http://schemas.microsoft.com/office/powerpoint/2010/main" val="4034315469"/>
       </p:ext>
     </p:extLst>
   </p:cSld>
@@ -11079,546 +8799,6 @@
 </file>
 
 <file path=ppt/slideMasters/slideMaster1.xml><?xml version="1.0" encoding="utf-8"?>
-<p:sldMaster xmlns:a="http://schemas.openxmlformats.org/drawingml/2006/main" xmlns:r="http://schemas.openxmlformats.org/officeDocument/2006/relationships" xmlns:p="http://schemas.openxmlformats.org/presentationml/2006/main">
-  <p:cSld>
-    <p:bg>
-      <p:bgRef idx="1001">
-        <a:schemeClr val="bg1"/>
-      </p:bgRef>
-    </p:bg>
-    <p:spTree>
-      <p:nvGrpSpPr>
-        <p:cNvPr id="1" name=""/>
-        <p:cNvGrpSpPr/>
-        <p:nvPr/>
-      </p:nvGrpSpPr>
-      <p:grpSpPr>
-        <a:xfrm>
-          <a:off x="0" y="0"/>
-          <a:ext cx="0" cy="0"/>
-          <a:chOff x="0" y="0"/>
-          <a:chExt cx="0" cy="0"/>
-        </a:xfrm>
-      </p:grpSpPr>
-      <p:sp>
-        <p:nvSpPr>
-          <p:cNvPr id="2" name="Title Placeholder 1"/>
-          <p:cNvSpPr>
-            <a:spLocks noGrp="1"/>
-          </p:cNvSpPr>
-          <p:nvPr>
-            <p:ph type="title"/>
-          </p:nvPr>
-        </p:nvSpPr>
-        <p:spPr>
-          <a:xfrm>
-            <a:off x="838200" y="365125"/>
-            <a:ext cx="10515600" cy="1325563"/>
-          </a:xfrm>
-          <a:prstGeom prst="rect">
-            <a:avLst/>
-          </a:prstGeom>
-        </p:spPr>
-        <p:txBody>
-          <a:bodyPr vert="horz" lIns="91440" tIns="45720" rIns="91440" bIns="45720" rtlCol="0" anchor="ctr">
-            <a:normAutofit/>
-          </a:bodyPr>
-          <a:lstStyle/>
-          <a:p>
-            <a:r>
-              <a:rPr lang="en-US" smtClean="0"/>
-              <a:t>Click to edit Master title style</a:t>
-            </a:r>
-            <a:endParaRPr lang="en-US"/>
-          </a:p>
-        </p:txBody>
-      </p:sp>
-      <p:sp>
-        <p:nvSpPr>
-          <p:cNvPr id="3" name="Text Placeholder 2"/>
-          <p:cNvSpPr>
-            <a:spLocks noGrp="1"/>
-          </p:cNvSpPr>
-          <p:nvPr>
-            <p:ph type="body" idx="1"/>
-          </p:nvPr>
-        </p:nvSpPr>
-        <p:spPr>
-          <a:xfrm>
-            <a:off x="838200" y="1825625"/>
-            <a:ext cx="10515600" cy="4351338"/>
-          </a:xfrm>
-          <a:prstGeom prst="rect">
-            <a:avLst/>
-          </a:prstGeom>
-        </p:spPr>
-        <p:txBody>
-          <a:bodyPr vert="horz" lIns="91440" tIns="45720" rIns="91440" bIns="45720" rtlCol="0">
-            <a:normAutofit/>
-          </a:bodyPr>
-          <a:lstStyle/>
-          <a:p>
-            <a:pPr lvl="0"/>
-            <a:r>
-              <a:rPr lang="en-US" smtClean="0"/>
-              <a:t>Click to edit Master text styles</a:t>
-            </a:r>
-          </a:p>
-          <a:p>
-            <a:pPr lvl="1"/>
-            <a:r>
-              <a:rPr lang="en-US" smtClean="0"/>
-              <a:t>Second level</a:t>
-            </a:r>
-          </a:p>
-          <a:p>
-            <a:pPr lvl="2"/>
-            <a:r>
-              <a:rPr lang="en-US" smtClean="0"/>
-              <a:t>Third level</a:t>
-            </a:r>
-          </a:p>
-          <a:p>
-            <a:pPr lvl="3"/>
-            <a:r>
-              <a:rPr lang="en-US" smtClean="0"/>
-              <a:t>Fourth level</a:t>
-            </a:r>
-          </a:p>
-          <a:p>
-            <a:pPr lvl="4"/>
-            <a:r>
-              <a:rPr lang="en-US" smtClean="0"/>
-              <a:t>Fifth level</a:t>
-            </a:r>
-            <a:endParaRPr lang="en-US"/>
-          </a:p>
-        </p:txBody>
-      </p:sp>
-      <p:sp>
-        <p:nvSpPr>
-          <p:cNvPr id="4" name="Date Placeholder 3"/>
-          <p:cNvSpPr>
-            <a:spLocks noGrp="1"/>
-          </p:cNvSpPr>
-          <p:nvPr>
-            <p:ph type="dt" sz="half" idx="2"/>
-          </p:nvPr>
-        </p:nvSpPr>
-        <p:spPr>
-          <a:xfrm>
-            <a:off x="838200" y="6356350"/>
-            <a:ext cx="2743200" cy="365125"/>
-          </a:xfrm>
-          <a:prstGeom prst="rect">
-            <a:avLst/>
-          </a:prstGeom>
-        </p:spPr>
-        <p:txBody>
-          <a:bodyPr vert="horz" lIns="91440" tIns="45720" rIns="91440" bIns="45720" rtlCol="0" anchor="ctr"/>
-          <a:lstStyle>
-            <a:lvl1pPr algn="l">
-              <a:defRPr sz="1200">
-                <a:solidFill>
-                  <a:schemeClr val="tx1">
-                    <a:tint val="75000"/>
-                  </a:schemeClr>
-                </a:solidFill>
-              </a:defRPr>
-            </a:lvl1pPr>
-          </a:lstStyle>
-          <a:p>
-            <a:fld id="{9A747D58-C4B8-4EBF-AA0E-4B6CAC6BD772}" type="datetimeFigureOut">
-              <a:rPr lang="en-US" smtClean="0"/>
-              <a:t>7/16/2015</a:t>
-            </a:fld>
-            <a:endParaRPr lang="en-US"/>
-          </a:p>
-        </p:txBody>
-      </p:sp>
-      <p:sp>
-        <p:nvSpPr>
-          <p:cNvPr id="5" name="Footer Placeholder 4"/>
-          <p:cNvSpPr>
-            <a:spLocks noGrp="1"/>
-          </p:cNvSpPr>
-          <p:nvPr>
-            <p:ph type="ftr" sz="quarter" idx="3"/>
-          </p:nvPr>
-        </p:nvSpPr>
-        <p:spPr>
-          <a:xfrm>
-            <a:off x="4038600" y="6356350"/>
-            <a:ext cx="4114800" cy="365125"/>
-          </a:xfrm>
-          <a:prstGeom prst="rect">
-            <a:avLst/>
-          </a:prstGeom>
-        </p:spPr>
-        <p:txBody>
-          <a:bodyPr vert="horz" lIns="91440" tIns="45720" rIns="91440" bIns="45720" rtlCol="0" anchor="ctr"/>
-          <a:lstStyle>
-            <a:lvl1pPr algn="ctr">
-              <a:defRPr sz="1200">
-                <a:solidFill>
-                  <a:schemeClr val="tx1">
-                    <a:tint val="75000"/>
-                  </a:schemeClr>
-                </a:solidFill>
-              </a:defRPr>
-            </a:lvl1pPr>
-          </a:lstStyle>
-          <a:p>
-            <a:endParaRPr lang="en-US"/>
-          </a:p>
-        </p:txBody>
-      </p:sp>
-      <p:sp>
-        <p:nvSpPr>
-          <p:cNvPr id="6" name="Slide Number Placeholder 5"/>
-          <p:cNvSpPr>
-            <a:spLocks noGrp="1"/>
-          </p:cNvSpPr>
-          <p:nvPr>
-            <p:ph type="sldNum" sz="quarter" idx="4"/>
-          </p:nvPr>
-        </p:nvSpPr>
-        <p:spPr>
-          <a:xfrm>
-            <a:off x="8610600" y="6356350"/>
-            <a:ext cx="2743200" cy="365125"/>
-          </a:xfrm>
-          <a:prstGeom prst="rect">
-            <a:avLst/>
-          </a:prstGeom>
-        </p:spPr>
-        <p:txBody>
-          <a:bodyPr vert="horz" lIns="91440" tIns="45720" rIns="91440" bIns="45720" rtlCol="0" anchor="ctr"/>
-          <a:lstStyle>
-            <a:lvl1pPr algn="r">
-              <a:defRPr sz="1200">
-                <a:solidFill>
-                  <a:schemeClr val="tx1">
-                    <a:tint val="75000"/>
-                  </a:schemeClr>
-                </a:solidFill>
-              </a:defRPr>
-            </a:lvl1pPr>
-          </a:lstStyle>
-          <a:p>
-            <a:fld id="{79A5C501-14B0-46FA-A414-1BBA6B8F6F07}" type="slidenum">
-              <a:rPr lang="en-US" smtClean="0"/>
-              <a:t>‹#›</a:t>
-            </a:fld>
-            <a:endParaRPr lang="en-US"/>
-          </a:p>
-        </p:txBody>
-      </p:sp>
-    </p:spTree>
-    <p:extLst>
-      <p:ext uri="{BB962C8B-B14F-4D97-AF65-F5344CB8AC3E}">
-        <p14:creationId xmlns:p14="http://schemas.microsoft.com/office/powerpoint/2010/main" val="3945823226"/>
-      </p:ext>
-    </p:extLst>
-  </p:cSld>
-  <p:clrMap bg1="lt1" tx1="dk1" bg2="lt2" tx2="dk2" accent1="accent1" accent2="accent2" accent3="accent3" accent4="accent4" accent5="accent5" accent6="accent6" hlink="hlink" folHlink="folHlink"/>
-  <p:sldLayoutIdLst>
-    <p:sldLayoutId id="2147483649" r:id="rId1"/>
-    <p:sldLayoutId id="2147483650" r:id="rId2"/>
-    <p:sldLayoutId id="2147483651" r:id="rId3"/>
-    <p:sldLayoutId id="2147483652" r:id="rId4"/>
-    <p:sldLayoutId id="2147483653" r:id="rId5"/>
-    <p:sldLayoutId id="2147483654" r:id="rId6"/>
-    <p:sldLayoutId id="2147483655" r:id="rId7"/>
-    <p:sldLayoutId id="2147483656" r:id="rId8"/>
-    <p:sldLayoutId id="2147483657" r:id="rId9"/>
-    <p:sldLayoutId id="2147483658" r:id="rId10"/>
-    <p:sldLayoutId id="2147483659" r:id="rId11"/>
-  </p:sldLayoutIdLst>
-  <p:txStyles>
-    <p:titleStyle>
-      <a:lvl1pPr algn="l" defTabSz="914400" rtl="0" eaLnBrk="1" latinLnBrk="0" hangingPunct="1">
-        <a:lnSpc>
-          <a:spcPct val="90000"/>
-        </a:lnSpc>
-        <a:spcBef>
-          <a:spcPct val="0"/>
-        </a:spcBef>
-        <a:buNone/>
-        <a:defRPr sz="4400" kern="1200">
-          <a:solidFill>
-            <a:schemeClr val="tx1"/>
-          </a:solidFill>
-          <a:latin typeface="+mj-lt"/>
-          <a:ea typeface="+mj-ea"/>
-          <a:cs typeface="+mj-cs"/>
-        </a:defRPr>
-      </a:lvl1pPr>
-    </p:titleStyle>
-    <p:bodyStyle>
-      <a:lvl1pPr marL="228600" indent="-228600" algn="l" defTabSz="914400" rtl="0" eaLnBrk="1" latinLnBrk="0" hangingPunct="1">
-        <a:lnSpc>
-          <a:spcPct val="90000"/>
-        </a:lnSpc>
-        <a:spcBef>
-          <a:spcPts val="1000"/>
-        </a:spcBef>
-        <a:buFont typeface="Arial" panose="020B0604020202020204" pitchFamily="34" charset="0"/>
-        <a:buChar char="•"/>
-        <a:defRPr sz="2800" kern="1200">
-          <a:solidFill>
-            <a:schemeClr val="tx1"/>
-          </a:solidFill>
-          <a:latin typeface="+mn-lt"/>
-          <a:ea typeface="+mn-ea"/>
-          <a:cs typeface="+mn-cs"/>
-        </a:defRPr>
-      </a:lvl1pPr>
-      <a:lvl2pPr marL="685800" indent="-228600" algn="l" defTabSz="914400" rtl="0" eaLnBrk="1" latinLnBrk="0" hangingPunct="1">
-        <a:lnSpc>
-          <a:spcPct val="90000"/>
-        </a:lnSpc>
-        <a:spcBef>
-          <a:spcPts val="500"/>
-        </a:spcBef>
-        <a:buFont typeface="Arial" panose="020B0604020202020204" pitchFamily="34" charset="0"/>
-        <a:buChar char="•"/>
-        <a:defRPr sz="2400" kern="1200">
-          <a:solidFill>
-            <a:schemeClr val="tx1"/>
-          </a:solidFill>
-          <a:latin typeface="+mn-lt"/>
-          <a:ea typeface="+mn-ea"/>
-          <a:cs typeface="+mn-cs"/>
-        </a:defRPr>
-      </a:lvl2pPr>
-      <a:lvl3pPr marL="1143000" indent="-228600" algn="l" defTabSz="914400" rtl="0" eaLnBrk="1" latinLnBrk="0" hangingPunct="1">
-        <a:lnSpc>
-          <a:spcPct val="90000"/>
-        </a:lnSpc>
-        <a:spcBef>
-          <a:spcPts val="500"/>
-        </a:spcBef>
-        <a:buFont typeface="Arial" panose="020B0604020202020204" pitchFamily="34" charset="0"/>
-        <a:buChar char="•"/>
-        <a:defRPr sz="2000" kern="1200">
-          <a:solidFill>
-            <a:schemeClr val="tx1"/>
-          </a:solidFill>
-          <a:latin typeface="+mn-lt"/>
-          <a:ea typeface="+mn-ea"/>
-          <a:cs typeface="+mn-cs"/>
-        </a:defRPr>
-      </a:lvl3pPr>
-      <a:lvl4pPr marL="1600200" indent="-228600" algn="l" defTabSz="914400" rtl="0" eaLnBrk="1" latinLnBrk="0" hangingPunct="1">
-        <a:lnSpc>
-          <a:spcPct val="90000"/>
-        </a:lnSpc>
-        <a:spcBef>
-          <a:spcPts val="500"/>
-        </a:spcBef>
-        <a:buFont typeface="Arial" panose="020B0604020202020204" pitchFamily="34" charset="0"/>
-        <a:buChar char="•"/>
-        <a:defRPr sz="1800" kern="1200">
-          <a:solidFill>
-            <a:schemeClr val="tx1"/>
-          </a:solidFill>
-          <a:latin typeface="+mn-lt"/>
-          <a:ea typeface="+mn-ea"/>
-          <a:cs typeface="+mn-cs"/>
-        </a:defRPr>
-      </a:lvl4pPr>
-      <a:lvl5pPr marL="2057400" indent="-228600" algn="l" defTabSz="914400" rtl="0" eaLnBrk="1" latinLnBrk="0" hangingPunct="1">
-        <a:lnSpc>
-          <a:spcPct val="90000"/>
-        </a:lnSpc>
-        <a:spcBef>
-          <a:spcPts val="500"/>
-        </a:spcBef>
-        <a:buFont typeface="Arial" panose="020B0604020202020204" pitchFamily="34" charset="0"/>
-        <a:buChar char="•"/>
-        <a:defRPr sz="1800" kern="1200">
-          <a:solidFill>
-            <a:schemeClr val="tx1"/>
-          </a:solidFill>
-          <a:latin typeface="+mn-lt"/>
-          <a:ea typeface="+mn-ea"/>
-          <a:cs typeface="+mn-cs"/>
-        </a:defRPr>
-      </a:lvl5pPr>
-      <a:lvl6pPr marL="2514600" indent="-228600" algn="l" defTabSz="914400" rtl="0" eaLnBrk="1" latinLnBrk="0" hangingPunct="1">
-        <a:lnSpc>
-          <a:spcPct val="90000"/>
-        </a:lnSpc>
-        <a:spcBef>
-          <a:spcPts val="500"/>
-        </a:spcBef>
-        <a:buFont typeface="Arial" panose="020B0604020202020204" pitchFamily="34" charset="0"/>
-        <a:buChar char="•"/>
-        <a:defRPr sz="1800" kern="1200">
-          <a:solidFill>
-            <a:schemeClr val="tx1"/>
-          </a:solidFill>
-          <a:latin typeface="+mn-lt"/>
-          <a:ea typeface="+mn-ea"/>
-          <a:cs typeface="+mn-cs"/>
-        </a:defRPr>
-      </a:lvl6pPr>
-      <a:lvl7pPr marL="2971800" indent="-228600" algn="l" defTabSz="914400" rtl="0" eaLnBrk="1" latinLnBrk="0" hangingPunct="1">
-        <a:lnSpc>
-          <a:spcPct val="90000"/>
-        </a:lnSpc>
-        <a:spcBef>
-          <a:spcPts val="500"/>
-        </a:spcBef>
-        <a:buFont typeface="Arial" panose="020B0604020202020204" pitchFamily="34" charset="0"/>
-        <a:buChar char="•"/>
-        <a:defRPr sz="1800" kern="1200">
-          <a:solidFill>
-            <a:schemeClr val="tx1"/>
-          </a:solidFill>
-          <a:latin typeface="+mn-lt"/>
-          <a:ea typeface="+mn-ea"/>
-          <a:cs typeface="+mn-cs"/>
-        </a:defRPr>
-      </a:lvl7pPr>
-      <a:lvl8pPr marL="3429000" indent="-228600" algn="l" defTabSz="914400" rtl="0" eaLnBrk="1" latinLnBrk="0" hangingPunct="1">
-        <a:lnSpc>
-          <a:spcPct val="90000"/>
-        </a:lnSpc>
-        <a:spcBef>
-          <a:spcPts val="500"/>
-        </a:spcBef>
-        <a:buFont typeface="Arial" panose="020B0604020202020204" pitchFamily="34" charset="0"/>
-        <a:buChar char="•"/>
-        <a:defRPr sz="1800" kern="1200">
-          <a:solidFill>
-            <a:schemeClr val="tx1"/>
-          </a:solidFill>
-          <a:latin typeface="+mn-lt"/>
-          <a:ea typeface="+mn-ea"/>
-          <a:cs typeface="+mn-cs"/>
-        </a:defRPr>
-      </a:lvl8pPr>
-      <a:lvl9pPr marL="3886200" indent="-228600" algn="l" defTabSz="914400" rtl="0" eaLnBrk="1" latinLnBrk="0" hangingPunct="1">
-        <a:lnSpc>
-          <a:spcPct val="90000"/>
-        </a:lnSpc>
-        <a:spcBef>
-          <a:spcPts val="500"/>
-        </a:spcBef>
-        <a:buFont typeface="Arial" panose="020B0604020202020204" pitchFamily="34" charset="0"/>
-        <a:buChar char="•"/>
-        <a:defRPr sz="1800" kern="1200">
-          <a:solidFill>
-            <a:schemeClr val="tx1"/>
-          </a:solidFill>
-          <a:latin typeface="+mn-lt"/>
-          <a:ea typeface="+mn-ea"/>
-          <a:cs typeface="+mn-cs"/>
-        </a:defRPr>
-      </a:lvl9pPr>
-    </p:bodyStyle>
-    <p:otherStyle>
-      <a:defPPr>
-        <a:defRPr lang="en-US"/>
-      </a:defPPr>
-      <a:lvl1pPr marL="0" algn="l" defTabSz="914400" rtl="0" eaLnBrk="1" latinLnBrk="0" hangingPunct="1">
-        <a:defRPr sz="1800" kern="1200">
-          <a:solidFill>
-            <a:schemeClr val="tx1"/>
-          </a:solidFill>
-          <a:latin typeface="+mn-lt"/>
-          <a:ea typeface="+mn-ea"/>
-          <a:cs typeface="+mn-cs"/>
-        </a:defRPr>
-      </a:lvl1pPr>
-      <a:lvl2pPr marL="457200" algn="l" defTabSz="914400" rtl="0" eaLnBrk="1" latinLnBrk="0" hangingPunct="1">
-        <a:defRPr sz="1800" kern="1200">
-          <a:solidFill>
-            <a:schemeClr val="tx1"/>
-          </a:solidFill>
-          <a:latin typeface="+mn-lt"/>
-          <a:ea typeface="+mn-ea"/>
-          <a:cs typeface="+mn-cs"/>
-        </a:defRPr>
-      </a:lvl2pPr>
-      <a:lvl3pPr marL="914400" algn="l" defTabSz="914400" rtl="0" eaLnBrk="1" latinLnBrk="0" hangingPunct="1">
-        <a:defRPr sz="1800" kern="1200">
-          <a:solidFill>
-            <a:schemeClr val="tx1"/>
-          </a:solidFill>
-          <a:latin typeface="+mn-lt"/>
-          <a:ea typeface="+mn-ea"/>
-          <a:cs typeface="+mn-cs"/>
-        </a:defRPr>
-      </a:lvl3pPr>
-      <a:lvl4pPr marL="1371600" algn="l" defTabSz="914400" rtl="0" eaLnBrk="1" latinLnBrk="0" hangingPunct="1">
-        <a:defRPr sz="1800" kern="1200">
-          <a:solidFill>
-            <a:schemeClr val="tx1"/>
-          </a:solidFill>
-          <a:latin typeface="+mn-lt"/>
-          <a:ea typeface="+mn-ea"/>
-          <a:cs typeface="+mn-cs"/>
-        </a:defRPr>
-      </a:lvl4pPr>
-      <a:lvl5pPr marL="1828800" algn="l" defTabSz="914400" rtl="0" eaLnBrk="1" latinLnBrk="0" hangingPunct="1">
-        <a:defRPr sz="1800" kern="1200">
-          <a:solidFill>
-            <a:schemeClr val="tx1"/>
-          </a:solidFill>
-          <a:latin typeface="+mn-lt"/>
-          <a:ea typeface="+mn-ea"/>
-          <a:cs typeface="+mn-cs"/>
-        </a:defRPr>
-      </a:lvl5pPr>
-      <a:lvl6pPr marL="2286000" algn="l" defTabSz="914400" rtl="0" eaLnBrk="1" latinLnBrk="0" hangingPunct="1">
-        <a:defRPr sz="1800" kern="1200">
-          <a:solidFill>
-            <a:schemeClr val="tx1"/>
-          </a:solidFill>
-          <a:latin typeface="+mn-lt"/>
-          <a:ea typeface="+mn-ea"/>
-          <a:cs typeface="+mn-cs"/>
-        </a:defRPr>
-      </a:lvl6pPr>
-      <a:lvl7pPr marL="2743200" algn="l" defTabSz="914400" rtl="0" eaLnBrk="1" latinLnBrk="0" hangingPunct="1">
-        <a:defRPr sz="1800" kern="1200">
-          <a:solidFill>
-            <a:schemeClr val="tx1"/>
-          </a:solidFill>
-          <a:latin typeface="+mn-lt"/>
-          <a:ea typeface="+mn-ea"/>
-          <a:cs typeface="+mn-cs"/>
-        </a:defRPr>
-      </a:lvl7pPr>
-      <a:lvl8pPr marL="3200400" algn="l" defTabSz="914400" rtl="0" eaLnBrk="1" latinLnBrk="0" hangingPunct="1">
-        <a:defRPr sz="1800" kern="1200">
-          <a:solidFill>
-            <a:schemeClr val="tx1"/>
-          </a:solidFill>
-          <a:latin typeface="+mn-lt"/>
-          <a:ea typeface="+mn-ea"/>
-          <a:cs typeface="+mn-cs"/>
-        </a:defRPr>
-      </a:lvl8pPr>
-      <a:lvl9pPr marL="3657600" algn="l" defTabSz="914400" rtl="0" eaLnBrk="1" latinLnBrk="0" hangingPunct="1">
-        <a:defRPr sz="1800" kern="1200">
-          <a:solidFill>
-            <a:schemeClr val="tx1"/>
-          </a:solidFill>
-          <a:latin typeface="+mn-lt"/>
-          <a:ea typeface="+mn-ea"/>
-          <a:cs typeface="+mn-cs"/>
-        </a:defRPr>
-      </a:lvl9pPr>
-    </p:otherStyle>
-  </p:txStyles>
-</p:sldMaster>
-</file>
-
-<file path=ppt/slideMasters/slideMaster2.xml><?xml version="1.0" encoding="utf-8"?>
 <p:sldMaster xmlns:a="http://schemas.openxmlformats.org/drawingml/2006/main" xmlns:r="http://schemas.openxmlformats.org/officeDocument/2006/relationships" xmlns:p="http://schemas.openxmlformats.org/presentationml/2006/main">
   <p:cSld>
     <p:bg>
@@ -13594,7 +10774,7 @@
                 </a:solidFill>
               </a:rPr>
               <a:pPr/>
-              <a:t>7/16/2015</a:t>
+              <a:t>7/17/2015</a:t>
             </a:fld>
             <a:endParaRPr lang="en-US">
               <a:solidFill>
@@ -14131,13 +11311,13 @@
           <p:nvPr>
             <p:extLst>
               <p:ext uri="{D42A27DB-BD31-4B8C-83A1-F6EECF244321}">
-                <p14:modId xmlns:p14="http://schemas.microsoft.com/office/powerpoint/2010/main" val="2402532863"/>
+                <p14:modId xmlns:p14="http://schemas.microsoft.com/office/powerpoint/2010/main" val="1069930101"/>
               </p:ext>
             </p:extLst>
           </p:nvPr>
         </p:nvGraphicFramePr>
         <p:xfrm>
-          <a:off x="1822994" y="0"/>
+          <a:off x="2153920" y="661848"/>
           <a:ext cx="9933859" cy="4457017"/>
         </p:xfrm>
         <a:graphic>
@@ -14154,7 +11334,7 @@
         </p:nvGrpSpPr>
         <p:grpSpPr>
           <a:xfrm>
-            <a:off x="2219399" y="4958556"/>
+            <a:off x="2550325" y="5106600"/>
             <a:ext cx="3194396" cy="1277758"/>
             <a:chOff x="3653" y="2100802"/>
             <a:chExt cx="3194396" cy="1277758"/>
@@ -14270,7 +11450,7 @@
         </p:nvGrpSpPr>
         <p:grpSpPr>
           <a:xfrm>
-            <a:off x="4774916" y="4958556"/>
+            <a:off x="5105842" y="5106600"/>
             <a:ext cx="3194396" cy="1277758"/>
             <a:chOff x="2559169" y="2100802"/>
             <a:chExt cx="3194396" cy="1277758"/>
@@ -14386,7 +11566,7 @@
         </p:nvGrpSpPr>
         <p:grpSpPr>
           <a:xfrm>
-            <a:off x="7330433" y="4958556"/>
+            <a:off x="7661359" y="5106600"/>
             <a:ext cx="3194396" cy="1277758"/>
             <a:chOff x="5114686" y="2100802"/>
             <a:chExt cx="3194396" cy="1277758"/>
@@ -14502,7 +11682,7 @@
         </p:nvSpPr>
         <p:spPr>
           <a:xfrm>
-            <a:off x="2078621" y="165467"/>
+            <a:off x="2409547" y="1062446"/>
             <a:ext cx="1835759" cy="553998"/>
           </a:xfrm>
           <a:prstGeom prst="rect">
@@ -14546,7 +11726,7 @@
         </p:nvSpPr>
         <p:spPr>
           <a:xfrm>
-            <a:off x="2078621" y="4027715"/>
+            <a:off x="2409547" y="4550228"/>
             <a:ext cx="1737976" cy="553998"/>
           </a:xfrm>
           <a:prstGeom prst="rect">
@@ -14579,6 +11759,35 @@
                 </a:schemeClr>
               </a:solidFill>
             </a:endParaRPr>
+          </a:p>
+        </p:txBody>
+      </p:sp>
+      <p:sp>
+        <p:nvSpPr>
+          <p:cNvPr id="16" name="Title 15"/>
+          <p:cNvSpPr>
+            <a:spLocks noGrp="1"/>
+          </p:cNvSpPr>
+          <p:nvPr>
+            <p:ph type="title"/>
+          </p:nvPr>
+        </p:nvSpPr>
+        <p:spPr>
+          <a:xfrm>
+            <a:off x="1791735" y="243840"/>
+            <a:ext cx="8911687" cy="644434"/>
+          </a:xfrm>
+        </p:spPr>
+        <p:txBody>
+          <a:bodyPr/>
+          <a:lstStyle/>
+          <a:p>
+            <a:pPr algn="ctr"/>
+            <a:r>
+              <a:rPr lang="en-US" b="1" dirty="0" smtClean="0"/>
+              <a:t>O16N from RStudio</a:t>
+            </a:r>
+            <a:endParaRPr lang="en-US" b="1" dirty="0"/>
           </a:p>
         </p:txBody>
       </p:sp>
@@ -14603,267 +11812,6 @@
 </file>
 
 <file path=ppt/theme/theme1.xml><?xml version="1.0" encoding="utf-8"?>
-<a:theme xmlns:a="http://schemas.openxmlformats.org/drawingml/2006/main" name="Office Theme">
-  <a:themeElements>
-    <a:clrScheme name="Office">
-      <a:dk1>
-        <a:sysClr val="windowText" lastClr="000000"/>
-      </a:dk1>
-      <a:lt1>
-        <a:sysClr val="window" lastClr="FFFFFF"/>
-      </a:lt1>
-      <a:dk2>
-        <a:srgbClr val="44546A"/>
-      </a:dk2>
-      <a:lt2>
-        <a:srgbClr val="E7E6E6"/>
-      </a:lt2>
-      <a:accent1>
-        <a:srgbClr val="5B9BD5"/>
-      </a:accent1>
-      <a:accent2>
-        <a:srgbClr val="ED7D31"/>
-      </a:accent2>
-      <a:accent3>
-        <a:srgbClr val="A5A5A5"/>
-      </a:accent3>
-      <a:accent4>
-        <a:srgbClr val="FFC000"/>
-      </a:accent4>
-      <a:accent5>
-        <a:srgbClr val="4472C4"/>
-      </a:accent5>
-      <a:accent6>
-        <a:srgbClr val="70AD47"/>
-      </a:accent6>
-      <a:hlink>
-        <a:srgbClr val="0563C1"/>
-      </a:hlink>
-      <a:folHlink>
-        <a:srgbClr val="954F72"/>
-      </a:folHlink>
-    </a:clrScheme>
-    <a:fontScheme name="Office">
-      <a:majorFont>
-        <a:latin typeface="Calibri Light" panose="020F0302020204030204"/>
-        <a:ea typeface=""/>
-        <a:cs typeface=""/>
-        <a:font script="Jpan" typeface="ＭＳ Ｐゴシック"/>
-        <a:font script="Hang" typeface="맑은 고딕"/>
-        <a:font script="Hans" typeface="宋体"/>
-        <a:font script="Hant" typeface="新細明體"/>
-        <a:font script="Arab" typeface="Times New Roman"/>
-        <a:font script="Hebr" typeface="Times New Roman"/>
-        <a:font script="Thai" typeface="Angsana New"/>
-        <a:font script="Ethi" typeface="Nyala"/>
-        <a:font script="Beng" typeface="Vrinda"/>
-        <a:font script="Gujr" typeface="Shruti"/>
-        <a:font script="Khmr" typeface="MoolBoran"/>
-        <a:font script="Knda" typeface="Tunga"/>
-        <a:font script="Guru" typeface="Raavi"/>
-        <a:font script="Cans" typeface="Euphemia"/>
-        <a:font script="Cher" typeface="Plantagenet Cherokee"/>
-        <a:font script="Yiii" typeface="Microsoft Yi Baiti"/>
-        <a:font script="Tibt" typeface="Microsoft Himalaya"/>
-        <a:font script="Thaa" typeface="MV Boli"/>
-        <a:font script="Deva" typeface="Mangal"/>
-        <a:font script="Telu" typeface="Gautami"/>
-        <a:font script="Taml" typeface="Latha"/>
-        <a:font script="Syrc" typeface="Estrangelo Edessa"/>
-        <a:font script="Orya" typeface="Kalinga"/>
-        <a:font script="Mlym" typeface="Kartika"/>
-        <a:font script="Laoo" typeface="DokChampa"/>
-        <a:font script="Sinh" typeface="Iskoola Pota"/>
-        <a:font script="Mong" typeface="Mongolian Baiti"/>
-        <a:font script="Viet" typeface="Times New Roman"/>
-        <a:font script="Uigh" typeface="Microsoft Uighur"/>
-        <a:font script="Geor" typeface="Sylfaen"/>
-      </a:majorFont>
-      <a:minorFont>
-        <a:latin typeface="Calibri" panose="020F0502020204030204"/>
-        <a:ea typeface=""/>
-        <a:cs typeface=""/>
-        <a:font script="Jpan" typeface="ＭＳ Ｐゴシック"/>
-        <a:font script="Hang" typeface="맑은 고딕"/>
-        <a:font script="Hans" typeface="宋体"/>
-        <a:font script="Hant" typeface="新細明體"/>
-        <a:font script="Arab" typeface="Arial"/>
-        <a:font script="Hebr" typeface="Arial"/>
-        <a:font script="Thai" typeface="Cordia New"/>
-        <a:font script="Ethi" typeface="Nyala"/>
-        <a:font script="Beng" typeface="Vrinda"/>
-        <a:font script="Gujr" typeface="Shruti"/>
-        <a:font script="Khmr" typeface="DaunPenh"/>
-        <a:font script="Knda" typeface="Tunga"/>
-        <a:font script="Guru" typeface="Raavi"/>
-        <a:font script="Cans" typeface="Euphemia"/>
-        <a:font script="Cher" typeface="Plantagenet Cherokee"/>
-        <a:font script="Yiii" typeface="Microsoft Yi Baiti"/>
-        <a:font script="Tibt" typeface="Microsoft Himalaya"/>
-        <a:font script="Thaa" typeface="MV Boli"/>
-        <a:font script="Deva" typeface="Mangal"/>
-        <a:font script="Telu" typeface="Gautami"/>
-        <a:font script="Taml" typeface="Latha"/>
-        <a:font script="Syrc" typeface="Estrangelo Edessa"/>
-        <a:font script="Orya" typeface="Kalinga"/>
-        <a:font script="Mlym" typeface="Kartika"/>
-        <a:font script="Laoo" typeface="DokChampa"/>
-        <a:font script="Sinh" typeface="Iskoola Pota"/>
-        <a:font script="Mong" typeface="Mongolian Baiti"/>
-        <a:font script="Viet" typeface="Arial"/>
-        <a:font script="Uigh" typeface="Microsoft Uighur"/>
-        <a:font script="Geor" typeface="Sylfaen"/>
-      </a:minorFont>
-    </a:fontScheme>
-    <a:fmtScheme name="Office">
-      <a:fillStyleLst>
-        <a:solidFill>
-          <a:schemeClr val="phClr"/>
-        </a:solidFill>
-        <a:gradFill rotWithShape="1">
-          <a:gsLst>
-            <a:gs pos="0">
-              <a:schemeClr val="phClr">
-                <a:lumMod val="110000"/>
-                <a:satMod val="105000"/>
-                <a:tint val="67000"/>
-              </a:schemeClr>
-            </a:gs>
-            <a:gs pos="50000">
-              <a:schemeClr val="phClr">
-                <a:lumMod val="105000"/>
-                <a:satMod val="103000"/>
-                <a:tint val="73000"/>
-              </a:schemeClr>
-            </a:gs>
-            <a:gs pos="100000">
-              <a:schemeClr val="phClr">
-                <a:lumMod val="105000"/>
-                <a:satMod val="109000"/>
-                <a:tint val="81000"/>
-              </a:schemeClr>
-            </a:gs>
-          </a:gsLst>
-          <a:lin ang="5400000" scaled="0"/>
-        </a:gradFill>
-        <a:gradFill rotWithShape="1">
-          <a:gsLst>
-            <a:gs pos="0">
-              <a:schemeClr val="phClr">
-                <a:satMod val="103000"/>
-                <a:lumMod val="102000"/>
-                <a:tint val="94000"/>
-              </a:schemeClr>
-            </a:gs>
-            <a:gs pos="50000">
-              <a:schemeClr val="phClr">
-                <a:satMod val="110000"/>
-                <a:lumMod val="100000"/>
-                <a:shade val="100000"/>
-              </a:schemeClr>
-            </a:gs>
-            <a:gs pos="100000">
-              <a:schemeClr val="phClr">
-                <a:lumMod val="99000"/>
-                <a:satMod val="120000"/>
-                <a:shade val="78000"/>
-              </a:schemeClr>
-            </a:gs>
-          </a:gsLst>
-          <a:lin ang="5400000" scaled="0"/>
-        </a:gradFill>
-      </a:fillStyleLst>
-      <a:lnStyleLst>
-        <a:ln w="6350" cap="flat" cmpd="sng" algn="ctr">
-          <a:solidFill>
-            <a:schemeClr val="phClr"/>
-          </a:solidFill>
-          <a:prstDash val="solid"/>
-          <a:miter lim="800000"/>
-        </a:ln>
-        <a:ln w="12700" cap="flat" cmpd="sng" algn="ctr">
-          <a:solidFill>
-            <a:schemeClr val="phClr"/>
-          </a:solidFill>
-          <a:prstDash val="solid"/>
-          <a:miter lim="800000"/>
-        </a:ln>
-        <a:ln w="19050" cap="flat" cmpd="sng" algn="ctr">
-          <a:solidFill>
-            <a:schemeClr val="phClr"/>
-          </a:solidFill>
-          <a:prstDash val="solid"/>
-          <a:miter lim="800000"/>
-        </a:ln>
-      </a:lnStyleLst>
-      <a:effectStyleLst>
-        <a:effectStyle>
-          <a:effectLst/>
-        </a:effectStyle>
-        <a:effectStyle>
-          <a:effectLst/>
-        </a:effectStyle>
-        <a:effectStyle>
-          <a:effectLst>
-            <a:outerShdw blurRad="57150" dist="19050" dir="5400000" algn="ctr" rotWithShape="0">
-              <a:srgbClr val="000000">
-                <a:alpha val="63000"/>
-              </a:srgbClr>
-            </a:outerShdw>
-          </a:effectLst>
-        </a:effectStyle>
-      </a:effectStyleLst>
-      <a:bgFillStyleLst>
-        <a:solidFill>
-          <a:schemeClr val="phClr"/>
-        </a:solidFill>
-        <a:solidFill>
-          <a:schemeClr val="phClr">
-            <a:tint val="95000"/>
-            <a:satMod val="170000"/>
-          </a:schemeClr>
-        </a:solidFill>
-        <a:gradFill rotWithShape="1">
-          <a:gsLst>
-            <a:gs pos="0">
-              <a:schemeClr val="phClr">
-                <a:tint val="93000"/>
-                <a:satMod val="150000"/>
-                <a:shade val="98000"/>
-                <a:lumMod val="102000"/>
-              </a:schemeClr>
-            </a:gs>
-            <a:gs pos="50000">
-              <a:schemeClr val="phClr">
-                <a:tint val="98000"/>
-                <a:satMod val="130000"/>
-                <a:shade val="90000"/>
-                <a:lumMod val="103000"/>
-              </a:schemeClr>
-            </a:gs>
-            <a:gs pos="100000">
-              <a:schemeClr val="phClr">
-                <a:shade val="63000"/>
-                <a:satMod val="120000"/>
-              </a:schemeClr>
-            </a:gs>
-          </a:gsLst>
-          <a:lin ang="5400000" scaled="0"/>
-        </a:gradFill>
-      </a:bgFillStyleLst>
-    </a:fmtScheme>
-  </a:themeElements>
-  <a:objectDefaults/>
-  <a:extraClrSchemeLst/>
-  <a:extLst>
-    <a:ext uri="{05A4C25C-085E-4340-85A3-A5531E510DB2}">
-      <thm15:themeFamily xmlns:thm15="http://schemas.microsoft.com/office/thememl/2012/main" name="Office Theme" id="{62F939B6-93AF-4DB8-9C6B-D6C7DFDC589F}" vid="{4A3C46E8-61CC-4603-A589-7422A47A8E4A}"/>
-    </a:ext>
-  </a:extLst>
-</a:theme>
-</file>
-
-<file path=ppt/theme/theme2.xml><?xml version="1.0" encoding="utf-8"?>
 <a:theme xmlns:a="http://schemas.openxmlformats.org/drawingml/2006/main" name="Wisp">
   <a:themeElements>
     <a:clrScheme name="Wisp">
@@ -15106,7 +12054,7 @@
 </a:theme>
 </file>
 
-<file path=ppt/theme/theme3.xml><?xml version="1.0" encoding="utf-8"?>
+<file path=ppt/theme/theme2.xml><?xml version="1.0" encoding="utf-8"?>
 <a:theme xmlns:a="http://schemas.openxmlformats.org/drawingml/2006/main" name="Office Theme">
   <a:themeElements>
     <a:clrScheme name="Office">
